--- a/IDPA/Why Does Everybody Have Body Armour 3.pptx
+++ b/IDPA/Why Does Everybody Have Body Armour 3.pptx
@@ -805,7 +805,7 @@
               <a:pPr>
                 <a:defRPr/>
               </a:pPr>
-              <a:t>3/5/20</a:t>
+              <a:t>3/6/20</a:t>
             </a:fld>
             <a:endParaRPr lang="en-US"/>
           </a:p>
@@ -4684,6 +4684,3036 @@
           <a:chExt cx="0" cy="0"/>
         </a:xfrm>
       </p:grpSpPr>
+      <p:grpSp>
+        <p:nvGrpSpPr>
+          <p:cNvPr id="110" name="Group 278">
+            <a:extLst>
+              <a:ext uri="{FF2B5EF4-FFF2-40B4-BE49-F238E27FC236}">
+                <a16:creationId xmlns:a16="http://schemas.microsoft.com/office/drawing/2014/main" id="{C60D2DA2-EECE-2542-B860-20C3D5939249}"/>
+              </a:ext>
+            </a:extLst>
+          </p:cNvPr>
+          <p:cNvGrpSpPr>
+            <a:grpSpLocks/>
+          </p:cNvGrpSpPr>
+          <p:nvPr/>
+        </p:nvGrpSpPr>
+        <p:grpSpPr bwMode="auto">
+          <a:xfrm>
+            <a:off x="2606872" y="4456114"/>
+            <a:ext cx="287338" cy="787400"/>
+            <a:chOff x="2208" y="240"/>
+            <a:chExt cx="181" cy="496"/>
+          </a:xfrm>
+        </p:grpSpPr>
+        <p:sp>
+          <p:nvSpPr>
+            <p:cNvPr id="111" name="Line 279">
+              <a:extLst>
+                <a:ext uri="{FF2B5EF4-FFF2-40B4-BE49-F238E27FC236}">
+                  <a16:creationId xmlns:a16="http://schemas.microsoft.com/office/drawing/2014/main" id="{D738C453-9E69-3C48-848B-9A02376B6A5E}"/>
+                </a:ext>
+              </a:extLst>
+            </p:cNvPr>
+            <p:cNvSpPr>
+              <a:spLocks noChangeShapeType="1"/>
+            </p:cNvSpPr>
+            <p:nvPr/>
+          </p:nvSpPr>
+          <p:spPr bwMode="auto">
+            <a:xfrm>
+              <a:off x="2218" y="484"/>
+              <a:ext cx="0" cy="252"/>
+            </a:xfrm>
+            <a:prstGeom prst="line">
+              <a:avLst/>
+            </a:prstGeom>
+            <a:noFill/>
+            <a:ln w="28575">
+              <a:solidFill>
+                <a:schemeClr val="tx1"/>
+              </a:solidFill>
+              <a:round/>
+              <a:headEnd/>
+              <a:tailEnd/>
+            </a:ln>
+            <a:extLst>
+              <a:ext uri="{909E8E84-426E-40DD-AFC4-6F175D3DCCD1}">
+                <a14:hiddenFill xmlns:a14="http://schemas.microsoft.com/office/drawing/2010/main">
+                  <a:noFill/>
+                </a14:hiddenFill>
+              </a:ext>
+            </a:extLst>
+          </p:spPr>
+          <p:txBody>
+            <a:bodyPr wrap="none" anchor="ctr"/>
+            <a:lstStyle/>
+            <a:p>
+              <a:endParaRPr lang="en-US"/>
+            </a:p>
+          </p:txBody>
+        </p:sp>
+        <p:sp>
+          <p:nvSpPr>
+            <p:cNvPr id="112" name="Line 280">
+              <a:extLst>
+                <a:ext uri="{FF2B5EF4-FFF2-40B4-BE49-F238E27FC236}">
+                  <a16:creationId xmlns:a16="http://schemas.microsoft.com/office/drawing/2014/main" id="{957434F4-975B-494C-8670-0DDC00704B59}"/>
+                </a:ext>
+              </a:extLst>
+            </p:cNvPr>
+            <p:cNvSpPr>
+              <a:spLocks noChangeShapeType="1"/>
+            </p:cNvSpPr>
+            <p:nvPr/>
+          </p:nvSpPr>
+          <p:spPr bwMode="auto">
+            <a:xfrm>
+              <a:off x="2381" y="484"/>
+              <a:ext cx="0" cy="252"/>
+            </a:xfrm>
+            <a:prstGeom prst="line">
+              <a:avLst/>
+            </a:prstGeom>
+            <a:noFill/>
+            <a:ln w="28575">
+              <a:solidFill>
+                <a:schemeClr val="tx1"/>
+              </a:solidFill>
+              <a:round/>
+              <a:headEnd/>
+              <a:tailEnd/>
+            </a:ln>
+            <a:extLst>
+              <a:ext uri="{909E8E84-426E-40DD-AFC4-6F175D3DCCD1}">
+                <a14:hiddenFill xmlns:a14="http://schemas.microsoft.com/office/drawing/2010/main">
+                  <a:noFill/>
+                </a14:hiddenFill>
+              </a:ext>
+            </a:extLst>
+          </p:spPr>
+          <p:txBody>
+            <a:bodyPr wrap="none" anchor="ctr"/>
+            <a:lstStyle/>
+            <a:p>
+              <a:endParaRPr lang="en-US"/>
+            </a:p>
+          </p:txBody>
+        </p:sp>
+        <p:sp>
+          <p:nvSpPr>
+            <p:cNvPr id="113" name="Freeform 281">
+              <a:extLst>
+                <a:ext uri="{FF2B5EF4-FFF2-40B4-BE49-F238E27FC236}">
+                  <a16:creationId xmlns:a16="http://schemas.microsoft.com/office/drawing/2014/main" id="{F78406C8-F944-9E40-8A41-534603525A53}"/>
+                </a:ext>
+              </a:extLst>
+            </p:cNvPr>
+            <p:cNvSpPr>
+              <a:spLocks/>
+            </p:cNvSpPr>
+            <p:nvPr/>
+          </p:nvSpPr>
+          <p:spPr bwMode="auto">
+            <a:xfrm>
+              <a:off x="2208" y="240"/>
+              <a:ext cx="181" cy="331"/>
+            </a:xfrm>
+            <a:custGeom>
+              <a:avLst/>
+              <a:gdLst>
+                <a:gd name="T0" fmla="*/ 1 w 277"/>
+                <a:gd name="T1" fmla="*/ 0 h 517"/>
+                <a:gd name="T2" fmla="*/ 1 w 277"/>
+                <a:gd name="T3" fmla="*/ 0 h 517"/>
+                <a:gd name="T4" fmla="*/ 1 w 277"/>
+                <a:gd name="T5" fmla="*/ 1 h 517"/>
+                <a:gd name="T6" fmla="*/ 1 w 277"/>
+                <a:gd name="T7" fmla="*/ 1 h 517"/>
+                <a:gd name="T8" fmla="*/ 1 w 277"/>
+                <a:gd name="T9" fmla="*/ 1 h 517"/>
+                <a:gd name="T10" fmla="*/ 1 w 277"/>
+                <a:gd name="T11" fmla="*/ 1 h 517"/>
+                <a:gd name="T12" fmla="*/ 1 w 277"/>
+                <a:gd name="T13" fmla="*/ 1 h 517"/>
+                <a:gd name="T14" fmla="*/ 1 w 277"/>
+                <a:gd name="T15" fmla="*/ 1 h 517"/>
+                <a:gd name="T16" fmla="*/ 0 w 277"/>
+                <a:gd name="T17" fmla="*/ 1 h 517"/>
+                <a:gd name="T18" fmla="*/ 0 w 277"/>
+                <a:gd name="T19" fmla="*/ 1 h 517"/>
+                <a:gd name="T20" fmla="*/ 1 w 277"/>
+                <a:gd name="T21" fmla="*/ 1 h 517"/>
+                <a:gd name="T22" fmla="*/ 1 w 277"/>
+                <a:gd name="T23" fmla="*/ 1 h 517"/>
+                <a:gd name="T24" fmla="*/ 1 w 277"/>
+                <a:gd name="T25" fmla="*/ 0 h 517"/>
+                <a:gd name="T26" fmla="*/ 0 60000 65536"/>
+                <a:gd name="T27" fmla="*/ 0 60000 65536"/>
+                <a:gd name="T28" fmla="*/ 0 60000 65536"/>
+                <a:gd name="T29" fmla="*/ 0 60000 65536"/>
+                <a:gd name="T30" fmla="*/ 0 60000 65536"/>
+                <a:gd name="T31" fmla="*/ 0 60000 65536"/>
+                <a:gd name="T32" fmla="*/ 0 60000 65536"/>
+                <a:gd name="T33" fmla="*/ 0 60000 65536"/>
+                <a:gd name="T34" fmla="*/ 0 60000 65536"/>
+                <a:gd name="T35" fmla="*/ 0 60000 65536"/>
+                <a:gd name="T36" fmla="*/ 0 60000 65536"/>
+                <a:gd name="T37" fmla="*/ 0 60000 65536"/>
+                <a:gd name="T38" fmla="*/ 0 60000 65536"/>
+                <a:gd name="T39" fmla="*/ 0 w 277"/>
+                <a:gd name="T40" fmla="*/ 0 h 517"/>
+                <a:gd name="T41" fmla="*/ 277 w 277"/>
+                <a:gd name="T42" fmla="*/ 517 h 517"/>
+              </a:gdLst>
+              <a:ahLst/>
+              <a:cxnLst>
+                <a:cxn ang="T26">
+                  <a:pos x="T0" y="T1"/>
+                </a:cxn>
+                <a:cxn ang="T27">
+                  <a:pos x="T2" y="T3"/>
+                </a:cxn>
+                <a:cxn ang="T28">
+                  <a:pos x="T4" y="T5"/>
+                </a:cxn>
+                <a:cxn ang="T29">
+                  <a:pos x="T6" y="T7"/>
+                </a:cxn>
+                <a:cxn ang="T30">
+                  <a:pos x="T8" y="T9"/>
+                </a:cxn>
+                <a:cxn ang="T31">
+                  <a:pos x="T10" y="T11"/>
+                </a:cxn>
+                <a:cxn ang="T32">
+                  <a:pos x="T12" y="T13"/>
+                </a:cxn>
+                <a:cxn ang="T33">
+                  <a:pos x="T14" y="T15"/>
+                </a:cxn>
+                <a:cxn ang="T34">
+                  <a:pos x="T16" y="T17"/>
+                </a:cxn>
+                <a:cxn ang="T35">
+                  <a:pos x="T18" y="T19"/>
+                </a:cxn>
+                <a:cxn ang="T36">
+                  <a:pos x="T20" y="T21"/>
+                </a:cxn>
+                <a:cxn ang="T37">
+                  <a:pos x="T22" y="T23"/>
+                </a:cxn>
+                <a:cxn ang="T38">
+                  <a:pos x="T24" y="T25"/>
+                </a:cxn>
+              </a:cxnLst>
+              <a:rect l="T39" t="T40" r="T41" b="T42"/>
+              <a:pathLst>
+                <a:path w="277" h="517">
+                  <a:moveTo>
+                    <a:pt x="89" y="0"/>
+                  </a:moveTo>
+                  <a:lnTo>
+                    <a:pt x="191" y="0"/>
+                  </a:lnTo>
+                  <a:lnTo>
+                    <a:pt x="191" y="105"/>
+                  </a:lnTo>
+                  <a:lnTo>
+                    <a:pt x="225" y="105"/>
+                  </a:lnTo>
+                  <a:lnTo>
+                    <a:pt x="276" y="139"/>
+                  </a:lnTo>
+                  <a:lnTo>
+                    <a:pt x="276" y="415"/>
+                  </a:lnTo>
+                  <a:lnTo>
+                    <a:pt x="225" y="516"/>
+                  </a:lnTo>
+                  <a:lnTo>
+                    <a:pt x="51" y="516"/>
+                  </a:lnTo>
+                  <a:lnTo>
+                    <a:pt x="0" y="415"/>
+                  </a:lnTo>
+                  <a:lnTo>
+                    <a:pt x="0" y="139"/>
+                  </a:lnTo>
+                  <a:lnTo>
+                    <a:pt x="51" y="105"/>
+                  </a:lnTo>
+                  <a:lnTo>
+                    <a:pt x="89" y="105"/>
+                  </a:lnTo>
+                  <a:lnTo>
+                    <a:pt x="89" y="0"/>
+                  </a:lnTo>
+                </a:path>
+              </a:pathLst>
+            </a:custGeom>
+            <a:solidFill>
+              <a:srgbClr val="FFCC99"/>
+            </a:solidFill>
+            <a:ln w="12700" cap="rnd">
+              <a:solidFill>
+                <a:schemeClr val="tx1"/>
+              </a:solidFill>
+              <a:round/>
+              <a:headEnd/>
+              <a:tailEnd/>
+            </a:ln>
+          </p:spPr>
+          <p:txBody>
+            <a:bodyPr/>
+            <a:lstStyle/>
+            <a:p>
+              <a:endParaRPr lang="en-US"/>
+            </a:p>
+          </p:txBody>
+        </p:sp>
+        <p:sp>
+          <p:nvSpPr>
+            <p:cNvPr id="114" name="Freeform 282">
+              <a:extLst>
+                <a:ext uri="{FF2B5EF4-FFF2-40B4-BE49-F238E27FC236}">
+                  <a16:creationId xmlns:a16="http://schemas.microsoft.com/office/drawing/2014/main" id="{E16B4894-3282-FB44-AF60-D9ED0ADA0AF1}"/>
+                </a:ext>
+              </a:extLst>
+            </p:cNvPr>
+            <p:cNvSpPr>
+              <a:spLocks/>
+            </p:cNvSpPr>
+            <p:nvPr/>
+          </p:nvSpPr>
+          <p:spPr bwMode="auto">
+            <a:xfrm flipH="1">
+              <a:off x="2211" y="306"/>
+              <a:ext cx="56" cy="262"/>
+            </a:xfrm>
+            <a:custGeom>
+              <a:avLst/>
+              <a:gdLst>
+                <a:gd name="T0" fmla="*/ 0 w 56"/>
+                <a:gd name="T1" fmla="*/ 3 h 264"/>
+                <a:gd name="T2" fmla="*/ 0 w 56"/>
+                <a:gd name="T3" fmla="*/ 224 h 264"/>
+                <a:gd name="T4" fmla="*/ 21 w 56"/>
+                <a:gd name="T5" fmla="*/ 224 h 264"/>
+                <a:gd name="T6" fmla="*/ 56 w 56"/>
+                <a:gd name="T7" fmla="*/ 178 h 264"/>
+                <a:gd name="T8" fmla="*/ 56 w 56"/>
+                <a:gd name="T9" fmla="*/ 23 h 264"/>
+                <a:gd name="T10" fmla="*/ 21 w 56"/>
+                <a:gd name="T11" fmla="*/ 0 h 264"/>
+                <a:gd name="T12" fmla="*/ 0 w 56"/>
+                <a:gd name="T13" fmla="*/ 3 h 264"/>
+                <a:gd name="T14" fmla="*/ 0 60000 65536"/>
+                <a:gd name="T15" fmla="*/ 0 60000 65536"/>
+                <a:gd name="T16" fmla="*/ 0 60000 65536"/>
+                <a:gd name="T17" fmla="*/ 0 60000 65536"/>
+                <a:gd name="T18" fmla="*/ 0 60000 65536"/>
+                <a:gd name="T19" fmla="*/ 0 60000 65536"/>
+                <a:gd name="T20" fmla="*/ 0 60000 65536"/>
+                <a:gd name="T21" fmla="*/ 0 w 56"/>
+                <a:gd name="T22" fmla="*/ 0 h 264"/>
+                <a:gd name="T23" fmla="*/ 56 w 56"/>
+                <a:gd name="T24" fmla="*/ 264 h 264"/>
+              </a:gdLst>
+              <a:ahLst/>
+              <a:cxnLst>
+                <a:cxn ang="T14">
+                  <a:pos x="T0" y="T1"/>
+                </a:cxn>
+                <a:cxn ang="T15">
+                  <a:pos x="T2" y="T3"/>
+                </a:cxn>
+                <a:cxn ang="T16">
+                  <a:pos x="T4" y="T5"/>
+                </a:cxn>
+                <a:cxn ang="T17">
+                  <a:pos x="T6" y="T7"/>
+                </a:cxn>
+                <a:cxn ang="T18">
+                  <a:pos x="T8" y="T9"/>
+                </a:cxn>
+                <a:cxn ang="T19">
+                  <a:pos x="T10" y="T11"/>
+                </a:cxn>
+                <a:cxn ang="T20">
+                  <a:pos x="T12" y="T13"/>
+                </a:cxn>
+              </a:cxnLst>
+              <a:rect l="T21" t="T22" r="T23" b="T24"/>
+              <a:pathLst>
+                <a:path w="56" h="264">
+                  <a:moveTo>
+                    <a:pt x="0" y="3"/>
+                  </a:moveTo>
+                  <a:lnTo>
+                    <a:pt x="0" y="264"/>
+                  </a:lnTo>
+                  <a:lnTo>
+                    <a:pt x="21" y="264"/>
+                  </a:lnTo>
+                  <a:lnTo>
+                    <a:pt x="56" y="200"/>
+                  </a:lnTo>
+                  <a:lnTo>
+                    <a:pt x="56" y="23"/>
+                  </a:lnTo>
+                  <a:lnTo>
+                    <a:pt x="21" y="0"/>
+                  </a:lnTo>
+                  <a:lnTo>
+                    <a:pt x="0" y="3"/>
+                  </a:lnTo>
+                  <a:close/>
+                </a:path>
+              </a:pathLst>
+            </a:custGeom>
+            <a:solidFill>
+              <a:schemeClr val="tx1"/>
+            </a:solidFill>
+            <a:ln w="0">
+              <a:solidFill>
+                <a:schemeClr val="tx1"/>
+              </a:solidFill>
+              <a:round/>
+              <a:headEnd/>
+              <a:tailEnd/>
+            </a:ln>
+          </p:spPr>
+          <p:txBody>
+            <a:bodyPr/>
+            <a:lstStyle/>
+            <a:p>
+              <a:endParaRPr lang="en-US"/>
+            </a:p>
+          </p:txBody>
+        </p:sp>
+      </p:grpSp>
+      <p:grpSp>
+        <p:nvGrpSpPr>
+          <p:cNvPr id="115" name="Group 283">
+            <a:extLst>
+              <a:ext uri="{FF2B5EF4-FFF2-40B4-BE49-F238E27FC236}">
+                <a16:creationId xmlns:a16="http://schemas.microsoft.com/office/drawing/2014/main" id="{49FBA57A-310D-B94A-9DCC-2396B8940E17}"/>
+              </a:ext>
+            </a:extLst>
+          </p:cNvPr>
+          <p:cNvGrpSpPr>
+            <a:grpSpLocks/>
+          </p:cNvGrpSpPr>
+          <p:nvPr/>
+        </p:nvGrpSpPr>
+        <p:grpSpPr bwMode="auto">
+          <a:xfrm flipH="1">
+            <a:off x="2987872" y="4456114"/>
+            <a:ext cx="287338" cy="787400"/>
+            <a:chOff x="2208" y="240"/>
+            <a:chExt cx="181" cy="496"/>
+          </a:xfrm>
+        </p:grpSpPr>
+        <p:sp>
+          <p:nvSpPr>
+            <p:cNvPr id="116" name="Line 284">
+              <a:extLst>
+                <a:ext uri="{FF2B5EF4-FFF2-40B4-BE49-F238E27FC236}">
+                  <a16:creationId xmlns:a16="http://schemas.microsoft.com/office/drawing/2014/main" id="{5B59EBA1-BFCB-7C41-B40C-E1AD4878708A}"/>
+                </a:ext>
+              </a:extLst>
+            </p:cNvPr>
+            <p:cNvSpPr>
+              <a:spLocks noChangeShapeType="1"/>
+            </p:cNvSpPr>
+            <p:nvPr/>
+          </p:nvSpPr>
+          <p:spPr bwMode="auto">
+            <a:xfrm>
+              <a:off x="2218" y="484"/>
+              <a:ext cx="0" cy="252"/>
+            </a:xfrm>
+            <a:prstGeom prst="line">
+              <a:avLst/>
+            </a:prstGeom>
+            <a:noFill/>
+            <a:ln w="28575">
+              <a:solidFill>
+                <a:schemeClr val="tx1"/>
+              </a:solidFill>
+              <a:round/>
+              <a:headEnd/>
+              <a:tailEnd/>
+            </a:ln>
+            <a:extLst>
+              <a:ext uri="{909E8E84-426E-40DD-AFC4-6F175D3DCCD1}">
+                <a14:hiddenFill xmlns:a14="http://schemas.microsoft.com/office/drawing/2010/main">
+                  <a:noFill/>
+                </a14:hiddenFill>
+              </a:ext>
+            </a:extLst>
+          </p:spPr>
+          <p:txBody>
+            <a:bodyPr wrap="none" anchor="ctr"/>
+            <a:lstStyle/>
+            <a:p>
+              <a:endParaRPr lang="en-US"/>
+            </a:p>
+          </p:txBody>
+        </p:sp>
+        <p:sp>
+          <p:nvSpPr>
+            <p:cNvPr id="117" name="Line 285">
+              <a:extLst>
+                <a:ext uri="{FF2B5EF4-FFF2-40B4-BE49-F238E27FC236}">
+                  <a16:creationId xmlns:a16="http://schemas.microsoft.com/office/drawing/2014/main" id="{D8BCC20E-6A09-D64F-941E-7B8B206E2EE2}"/>
+                </a:ext>
+              </a:extLst>
+            </p:cNvPr>
+            <p:cNvSpPr>
+              <a:spLocks noChangeShapeType="1"/>
+            </p:cNvSpPr>
+            <p:nvPr/>
+          </p:nvSpPr>
+          <p:spPr bwMode="auto">
+            <a:xfrm>
+              <a:off x="2381" y="484"/>
+              <a:ext cx="0" cy="252"/>
+            </a:xfrm>
+            <a:prstGeom prst="line">
+              <a:avLst/>
+            </a:prstGeom>
+            <a:noFill/>
+            <a:ln w="28575">
+              <a:solidFill>
+                <a:schemeClr val="tx1"/>
+              </a:solidFill>
+              <a:round/>
+              <a:headEnd/>
+              <a:tailEnd/>
+            </a:ln>
+            <a:extLst>
+              <a:ext uri="{909E8E84-426E-40DD-AFC4-6F175D3DCCD1}">
+                <a14:hiddenFill xmlns:a14="http://schemas.microsoft.com/office/drawing/2010/main">
+                  <a:noFill/>
+                </a14:hiddenFill>
+              </a:ext>
+            </a:extLst>
+          </p:spPr>
+          <p:txBody>
+            <a:bodyPr wrap="none" anchor="ctr"/>
+            <a:lstStyle/>
+            <a:p>
+              <a:endParaRPr lang="en-US"/>
+            </a:p>
+          </p:txBody>
+        </p:sp>
+        <p:sp>
+          <p:nvSpPr>
+            <p:cNvPr id="118" name="Freeform 286">
+              <a:extLst>
+                <a:ext uri="{FF2B5EF4-FFF2-40B4-BE49-F238E27FC236}">
+                  <a16:creationId xmlns:a16="http://schemas.microsoft.com/office/drawing/2014/main" id="{CFF36BF2-94E7-3047-BB61-9AB988132D2A}"/>
+                </a:ext>
+              </a:extLst>
+            </p:cNvPr>
+            <p:cNvSpPr>
+              <a:spLocks/>
+            </p:cNvSpPr>
+            <p:nvPr/>
+          </p:nvSpPr>
+          <p:spPr bwMode="auto">
+            <a:xfrm>
+              <a:off x="2208" y="240"/>
+              <a:ext cx="181" cy="331"/>
+            </a:xfrm>
+            <a:custGeom>
+              <a:avLst/>
+              <a:gdLst>
+                <a:gd name="T0" fmla="*/ 1 w 277"/>
+                <a:gd name="T1" fmla="*/ 0 h 517"/>
+                <a:gd name="T2" fmla="*/ 1 w 277"/>
+                <a:gd name="T3" fmla="*/ 0 h 517"/>
+                <a:gd name="T4" fmla="*/ 1 w 277"/>
+                <a:gd name="T5" fmla="*/ 1 h 517"/>
+                <a:gd name="T6" fmla="*/ 1 w 277"/>
+                <a:gd name="T7" fmla="*/ 1 h 517"/>
+                <a:gd name="T8" fmla="*/ 1 w 277"/>
+                <a:gd name="T9" fmla="*/ 1 h 517"/>
+                <a:gd name="T10" fmla="*/ 1 w 277"/>
+                <a:gd name="T11" fmla="*/ 1 h 517"/>
+                <a:gd name="T12" fmla="*/ 1 w 277"/>
+                <a:gd name="T13" fmla="*/ 1 h 517"/>
+                <a:gd name="T14" fmla="*/ 1 w 277"/>
+                <a:gd name="T15" fmla="*/ 1 h 517"/>
+                <a:gd name="T16" fmla="*/ 0 w 277"/>
+                <a:gd name="T17" fmla="*/ 1 h 517"/>
+                <a:gd name="T18" fmla="*/ 0 w 277"/>
+                <a:gd name="T19" fmla="*/ 1 h 517"/>
+                <a:gd name="T20" fmla="*/ 1 w 277"/>
+                <a:gd name="T21" fmla="*/ 1 h 517"/>
+                <a:gd name="T22" fmla="*/ 1 w 277"/>
+                <a:gd name="T23" fmla="*/ 1 h 517"/>
+                <a:gd name="T24" fmla="*/ 1 w 277"/>
+                <a:gd name="T25" fmla="*/ 0 h 517"/>
+                <a:gd name="T26" fmla="*/ 0 60000 65536"/>
+                <a:gd name="T27" fmla="*/ 0 60000 65536"/>
+                <a:gd name="T28" fmla="*/ 0 60000 65536"/>
+                <a:gd name="T29" fmla="*/ 0 60000 65536"/>
+                <a:gd name="T30" fmla="*/ 0 60000 65536"/>
+                <a:gd name="T31" fmla="*/ 0 60000 65536"/>
+                <a:gd name="T32" fmla="*/ 0 60000 65536"/>
+                <a:gd name="T33" fmla="*/ 0 60000 65536"/>
+                <a:gd name="T34" fmla="*/ 0 60000 65536"/>
+                <a:gd name="T35" fmla="*/ 0 60000 65536"/>
+                <a:gd name="T36" fmla="*/ 0 60000 65536"/>
+                <a:gd name="T37" fmla="*/ 0 60000 65536"/>
+                <a:gd name="T38" fmla="*/ 0 60000 65536"/>
+                <a:gd name="T39" fmla="*/ 0 w 277"/>
+                <a:gd name="T40" fmla="*/ 0 h 517"/>
+                <a:gd name="T41" fmla="*/ 277 w 277"/>
+                <a:gd name="T42" fmla="*/ 517 h 517"/>
+              </a:gdLst>
+              <a:ahLst/>
+              <a:cxnLst>
+                <a:cxn ang="T26">
+                  <a:pos x="T0" y="T1"/>
+                </a:cxn>
+                <a:cxn ang="T27">
+                  <a:pos x="T2" y="T3"/>
+                </a:cxn>
+                <a:cxn ang="T28">
+                  <a:pos x="T4" y="T5"/>
+                </a:cxn>
+                <a:cxn ang="T29">
+                  <a:pos x="T6" y="T7"/>
+                </a:cxn>
+                <a:cxn ang="T30">
+                  <a:pos x="T8" y="T9"/>
+                </a:cxn>
+                <a:cxn ang="T31">
+                  <a:pos x="T10" y="T11"/>
+                </a:cxn>
+                <a:cxn ang="T32">
+                  <a:pos x="T12" y="T13"/>
+                </a:cxn>
+                <a:cxn ang="T33">
+                  <a:pos x="T14" y="T15"/>
+                </a:cxn>
+                <a:cxn ang="T34">
+                  <a:pos x="T16" y="T17"/>
+                </a:cxn>
+                <a:cxn ang="T35">
+                  <a:pos x="T18" y="T19"/>
+                </a:cxn>
+                <a:cxn ang="T36">
+                  <a:pos x="T20" y="T21"/>
+                </a:cxn>
+                <a:cxn ang="T37">
+                  <a:pos x="T22" y="T23"/>
+                </a:cxn>
+                <a:cxn ang="T38">
+                  <a:pos x="T24" y="T25"/>
+                </a:cxn>
+              </a:cxnLst>
+              <a:rect l="T39" t="T40" r="T41" b="T42"/>
+              <a:pathLst>
+                <a:path w="277" h="517">
+                  <a:moveTo>
+                    <a:pt x="89" y="0"/>
+                  </a:moveTo>
+                  <a:lnTo>
+                    <a:pt x="191" y="0"/>
+                  </a:lnTo>
+                  <a:lnTo>
+                    <a:pt x="191" y="105"/>
+                  </a:lnTo>
+                  <a:lnTo>
+                    <a:pt x="225" y="105"/>
+                  </a:lnTo>
+                  <a:lnTo>
+                    <a:pt x="276" y="139"/>
+                  </a:lnTo>
+                  <a:lnTo>
+                    <a:pt x="276" y="415"/>
+                  </a:lnTo>
+                  <a:lnTo>
+                    <a:pt x="225" y="516"/>
+                  </a:lnTo>
+                  <a:lnTo>
+                    <a:pt x="51" y="516"/>
+                  </a:lnTo>
+                  <a:lnTo>
+                    <a:pt x="0" y="415"/>
+                  </a:lnTo>
+                  <a:lnTo>
+                    <a:pt x="0" y="139"/>
+                  </a:lnTo>
+                  <a:lnTo>
+                    <a:pt x="51" y="105"/>
+                  </a:lnTo>
+                  <a:lnTo>
+                    <a:pt x="89" y="105"/>
+                  </a:lnTo>
+                  <a:lnTo>
+                    <a:pt x="89" y="0"/>
+                  </a:lnTo>
+                </a:path>
+              </a:pathLst>
+            </a:custGeom>
+            <a:solidFill>
+              <a:srgbClr val="FFCC99"/>
+            </a:solidFill>
+            <a:ln w="12700" cap="rnd">
+              <a:solidFill>
+                <a:schemeClr val="tx1"/>
+              </a:solidFill>
+              <a:round/>
+              <a:headEnd/>
+              <a:tailEnd/>
+            </a:ln>
+          </p:spPr>
+          <p:txBody>
+            <a:bodyPr/>
+            <a:lstStyle/>
+            <a:p>
+              <a:endParaRPr lang="en-US"/>
+            </a:p>
+          </p:txBody>
+        </p:sp>
+        <p:sp>
+          <p:nvSpPr>
+            <p:cNvPr id="119" name="Freeform 287">
+              <a:extLst>
+                <a:ext uri="{FF2B5EF4-FFF2-40B4-BE49-F238E27FC236}">
+                  <a16:creationId xmlns:a16="http://schemas.microsoft.com/office/drawing/2014/main" id="{04D25B2D-84C1-4849-9F38-59E8E14ACFEB}"/>
+                </a:ext>
+              </a:extLst>
+            </p:cNvPr>
+            <p:cNvSpPr>
+              <a:spLocks/>
+            </p:cNvSpPr>
+            <p:nvPr/>
+          </p:nvSpPr>
+          <p:spPr bwMode="auto">
+            <a:xfrm flipH="1">
+              <a:off x="2211" y="306"/>
+              <a:ext cx="56" cy="262"/>
+            </a:xfrm>
+            <a:custGeom>
+              <a:avLst/>
+              <a:gdLst>
+                <a:gd name="T0" fmla="*/ 0 w 56"/>
+                <a:gd name="T1" fmla="*/ 3 h 264"/>
+                <a:gd name="T2" fmla="*/ 0 w 56"/>
+                <a:gd name="T3" fmla="*/ 224 h 264"/>
+                <a:gd name="T4" fmla="*/ 21 w 56"/>
+                <a:gd name="T5" fmla="*/ 224 h 264"/>
+                <a:gd name="T6" fmla="*/ 56 w 56"/>
+                <a:gd name="T7" fmla="*/ 178 h 264"/>
+                <a:gd name="T8" fmla="*/ 56 w 56"/>
+                <a:gd name="T9" fmla="*/ 23 h 264"/>
+                <a:gd name="T10" fmla="*/ 21 w 56"/>
+                <a:gd name="T11" fmla="*/ 0 h 264"/>
+                <a:gd name="T12" fmla="*/ 0 w 56"/>
+                <a:gd name="T13" fmla="*/ 3 h 264"/>
+                <a:gd name="T14" fmla="*/ 0 60000 65536"/>
+                <a:gd name="T15" fmla="*/ 0 60000 65536"/>
+                <a:gd name="T16" fmla="*/ 0 60000 65536"/>
+                <a:gd name="T17" fmla="*/ 0 60000 65536"/>
+                <a:gd name="T18" fmla="*/ 0 60000 65536"/>
+                <a:gd name="T19" fmla="*/ 0 60000 65536"/>
+                <a:gd name="T20" fmla="*/ 0 60000 65536"/>
+                <a:gd name="T21" fmla="*/ 0 w 56"/>
+                <a:gd name="T22" fmla="*/ 0 h 264"/>
+                <a:gd name="T23" fmla="*/ 56 w 56"/>
+                <a:gd name="T24" fmla="*/ 264 h 264"/>
+              </a:gdLst>
+              <a:ahLst/>
+              <a:cxnLst>
+                <a:cxn ang="T14">
+                  <a:pos x="T0" y="T1"/>
+                </a:cxn>
+                <a:cxn ang="T15">
+                  <a:pos x="T2" y="T3"/>
+                </a:cxn>
+                <a:cxn ang="T16">
+                  <a:pos x="T4" y="T5"/>
+                </a:cxn>
+                <a:cxn ang="T17">
+                  <a:pos x="T6" y="T7"/>
+                </a:cxn>
+                <a:cxn ang="T18">
+                  <a:pos x="T8" y="T9"/>
+                </a:cxn>
+                <a:cxn ang="T19">
+                  <a:pos x="T10" y="T11"/>
+                </a:cxn>
+                <a:cxn ang="T20">
+                  <a:pos x="T12" y="T13"/>
+                </a:cxn>
+              </a:cxnLst>
+              <a:rect l="T21" t="T22" r="T23" b="T24"/>
+              <a:pathLst>
+                <a:path w="56" h="264">
+                  <a:moveTo>
+                    <a:pt x="0" y="3"/>
+                  </a:moveTo>
+                  <a:lnTo>
+                    <a:pt x="0" y="264"/>
+                  </a:lnTo>
+                  <a:lnTo>
+                    <a:pt x="21" y="264"/>
+                  </a:lnTo>
+                  <a:lnTo>
+                    <a:pt x="56" y="200"/>
+                  </a:lnTo>
+                  <a:lnTo>
+                    <a:pt x="56" y="23"/>
+                  </a:lnTo>
+                  <a:lnTo>
+                    <a:pt x="21" y="0"/>
+                  </a:lnTo>
+                  <a:lnTo>
+                    <a:pt x="0" y="3"/>
+                  </a:lnTo>
+                  <a:close/>
+                </a:path>
+              </a:pathLst>
+            </a:custGeom>
+            <a:solidFill>
+              <a:schemeClr val="tx1"/>
+            </a:solidFill>
+            <a:ln w="0">
+              <a:solidFill>
+                <a:schemeClr val="tx1"/>
+              </a:solidFill>
+              <a:round/>
+              <a:headEnd/>
+              <a:tailEnd/>
+            </a:ln>
+          </p:spPr>
+          <p:txBody>
+            <a:bodyPr/>
+            <a:lstStyle/>
+            <a:p>
+              <a:endParaRPr lang="en-US"/>
+            </a:p>
+          </p:txBody>
+        </p:sp>
+      </p:grpSp>
+      <p:grpSp>
+        <p:nvGrpSpPr>
+          <p:cNvPr id="120" name="Group 4">
+            <a:extLst>
+              <a:ext uri="{FF2B5EF4-FFF2-40B4-BE49-F238E27FC236}">
+                <a16:creationId xmlns:a16="http://schemas.microsoft.com/office/drawing/2014/main" id="{EF0B5AEC-845C-C145-9216-CC38BAF15B44}"/>
+              </a:ext>
+            </a:extLst>
+          </p:cNvPr>
+          <p:cNvGrpSpPr>
+            <a:grpSpLocks noChangeAspect="1"/>
+          </p:cNvGrpSpPr>
+          <p:nvPr/>
+        </p:nvGrpSpPr>
+        <p:grpSpPr bwMode="auto">
+          <a:xfrm>
+            <a:off x="2750448" y="4744323"/>
+            <a:ext cx="360363" cy="838200"/>
+            <a:chOff x="-2155" y="1485"/>
+            <a:chExt cx="227" cy="528"/>
+          </a:xfrm>
+        </p:grpSpPr>
+        <p:sp>
+          <p:nvSpPr>
+            <p:cNvPr id="121" name="AutoShape 3">
+              <a:extLst>
+                <a:ext uri="{FF2B5EF4-FFF2-40B4-BE49-F238E27FC236}">
+                  <a16:creationId xmlns:a16="http://schemas.microsoft.com/office/drawing/2014/main" id="{7D0BF2EF-1C1D-464C-A17C-0F7D38A3BEE0}"/>
+                </a:ext>
+              </a:extLst>
+            </p:cNvPr>
+            <p:cNvSpPr>
+              <a:spLocks noChangeAspect="1" noChangeArrowheads="1" noTextEdit="1"/>
+            </p:cNvSpPr>
+            <p:nvPr/>
+          </p:nvSpPr>
+          <p:spPr bwMode="auto">
+            <a:xfrm>
+              <a:off x="-2155" y="1485"/>
+              <a:ext cx="227" cy="528"/>
+            </a:xfrm>
+            <a:prstGeom prst="rect">
+              <a:avLst/>
+            </a:prstGeom>
+            <a:noFill/>
+            <a:ln>
+              <a:noFill/>
+            </a:ln>
+            <a:extLst>
+              <a:ext uri="{909E8E84-426E-40DD-AFC4-6F175D3DCCD1}">
+                <a14:hiddenFill xmlns:a14="http://schemas.microsoft.com/office/drawing/2010/main">
+                  <a:solidFill>
+                    <a:srgbClr val="FFFFFF"/>
+                  </a:solidFill>
+                </a14:hiddenFill>
+              </a:ext>
+              <a:ext uri="{91240B29-F687-4F45-9708-019B960494DF}">
+                <a14:hiddenLine xmlns:a14="http://schemas.microsoft.com/office/drawing/2010/main" w="9525">
+                  <a:solidFill>
+                    <a:srgbClr val="000000"/>
+                  </a:solidFill>
+                  <a:miter lim="800000"/>
+                  <a:headEnd/>
+                  <a:tailEnd/>
+                </a14:hiddenLine>
+              </a:ext>
+            </a:extLst>
+          </p:spPr>
+          <p:txBody>
+            <a:bodyPr vert="horz" wrap="square" lIns="91440" tIns="45720" rIns="91440" bIns="45720" numCol="1" anchor="t" anchorCtr="0" compatLnSpc="1">
+              <a:prstTxWarp prst="textNoShape">
+                <a:avLst/>
+              </a:prstTxWarp>
+            </a:bodyPr>
+            <a:lstStyle/>
+            <a:p>
+              <a:endParaRPr lang="en-US"/>
+            </a:p>
+          </p:txBody>
+        </p:sp>
+        <p:sp>
+          <p:nvSpPr>
+            <p:cNvPr id="122" name="Rectangle 5">
+              <a:extLst>
+                <a:ext uri="{FF2B5EF4-FFF2-40B4-BE49-F238E27FC236}">
+                  <a16:creationId xmlns:a16="http://schemas.microsoft.com/office/drawing/2014/main" id="{1B532362-1570-D242-80CE-3B4CDDB35620}"/>
+                </a:ext>
+              </a:extLst>
+            </p:cNvPr>
+            <p:cNvSpPr>
+              <a:spLocks noChangeArrowheads="1"/>
+            </p:cNvSpPr>
+            <p:nvPr/>
+          </p:nvSpPr>
+          <p:spPr bwMode="auto">
+            <a:xfrm>
+              <a:off x="-1959" y="1767"/>
+              <a:ext cx="13" cy="245"/>
+            </a:xfrm>
+            <a:prstGeom prst="rect">
+              <a:avLst/>
+            </a:prstGeom>
+            <a:solidFill>
+              <a:schemeClr val="tx1"/>
+            </a:solidFill>
+            <a:ln>
+              <a:noFill/>
+            </a:ln>
+            <a:extLst>
+              <a:ext uri="{91240B29-F687-4F45-9708-019B960494DF}">
+                <a14:hiddenLine xmlns:a14="http://schemas.microsoft.com/office/drawing/2010/main" w="9525">
+                  <a:solidFill>
+                    <a:srgbClr val="000000"/>
+                  </a:solidFill>
+                  <a:miter lim="800000"/>
+                  <a:headEnd/>
+                  <a:tailEnd/>
+                </a14:hiddenLine>
+              </a:ext>
+            </a:extLst>
+          </p:spPr>
+          <p:txBody>
+            <a:bodyPr vert="horz" wrap="square" lIns="91440" tIns="45720" rIns="91440" bIns="45720" numCol="1" anchor="t" anchorCtr="0" compatLnSpc="1">
+              <a:prstTxWarp prst="textNoShape">
+                <a:avLst/>
+              </a:prstTxWarp>
+            </a:bodyPr>
+            <a:lstStyle/>
+            <a:p>
+              <a:endParaRPr lang="en-US"/>
+            </a:p>
+          </p:txBody>
+        </p:sp>
+        <p:sp>
+          <p:nvSpPr>
+            <p:cNvPr id="123" name="Rectangle 6">
+              <a:extLst>
+                <a:ext uri="{FF2B5EF4-FFF2-40B4-BE49-F238E27FC236}">
+                  <a16:creationId xmlns:a16="http://schemas.microsoft.com/office/drawing/2014/main" id="{DF4E0363-5DAE-6B4E-AA51-9351EE4CF4EC}"/>
+                </a:ext>
+              </a:extLst>
+            </p:cNvPr>
+            <p:cNvSpPr>
+              <a:spLocks noChangeArrowheads="1"/>
+            </p:cNvSpPr>
+            <p:nvPr/>
+          </p:nvSpPr>
+          <p:spPr bwMode="auto">
+            <a:xfrm>
+              <a:off x="-2141" y="1767"/>
+              <a:ext cx="13" cy="245"/>
+            </a:xfrm>
+            <a:prstGeom prst="rect">
+              <a:avLst/>
+            </a:prstGeom>
+            <a:solidFill>
+              <a:schemeClr val="tx1"/>
+            </a:solidFill>
+            <a:ln>
+              <a:noFill/>
+            </a:ln>
+            <a:extLst>
+              <a:ext uri="{91240B29-F687-4F45-9708-019B960494DF}">
+                <a14:hiddenLine xmlns:a14="http://schemas.microsoft.com/office/drawing/2010/main" w="9525">
+                  <a:solidFill>
+                    <a:srgbClr val="000000"/>
+                  </a:solidFill>
+                  <a:miter lim="800000"/>
+                  <a:headEnd/>
+                  <a:tailEnd/>
+                </a14:hiddenLine>
+              </a:ext>
+            </a:extLst>
+          </p:spPr>
+          <p:txBody>
+            <a:bodyPr vert="horz" wrap="square" lIns="91440" tIns="45720" rIns="91440" bIns="45720" numCol="1" anchor="t" anchorCtr="0" compatLnSpc="1">
+              <a:prstTxWarp prst="textNoShape">
+                <a:avLst/>
+              </a:prstTxWarp>
+            </a:bodyPr>
+            <a:lstStyle/>
+            <a:p>
+              <a:endParaRPr lang="en-US"/>
+            </a:p>
+          </p:txBody>
+        </p:sp>
+        <p:sp>
+          <p:nvSpPr>
+            <p:cNvPr id="124" name="Freeform 7">
+              <a:extLst>
+                <a:ext uri="{FF2B5EF4-FFF2-40B4-BE49-F238E27FC236}">
+                  <a16:creationId xmlns:a16="http://schemas.microsoft.com/office/drawing/2014/main" id="{1B8F8A82-34B9-4E4D-9122-77368A1694C6}"/>
+                </a:ext>
+              </a:extLst>
+            </p:cNvPr>
+            <p:cNvSpPr>
+              <a:spLocks/>
+            </p:cNvSpPr>
+            <p:nvPr/>
+          </p:nvSpPr>
+          <p:spPr bwMode="auto">
+            <a:xfrm>
+              <a:off x="-2151" y="1488"/>
+              <a:ext cx="218" cy="376"/>
+            </a:xfrm>
+            <a:custGeom>
+              <a:avLst/>
+              <a:gdLst>
+                <a:gd name="T0" fmla="*/ 70 w 218"/>
+                <a:gd name="T1" fmla="*/ 0 h 376"/>
+                <a:gd name="T2" fmla="*/ 70 w 218"/>
+                <a:gd name="T3" fmla="*/ 0 h 376"/>
+                <a:gd name="T4" fmla="*/ 70 w 218"/>
+                <a:gd name="T5" fmla="*/ 74 h 376"/>
+                <a:gd name="T6" fmla="*/ 70 w 218"/>
+                <a:gd name="T7" fmla="*/ 74 h 376"/>
+                <a:gd name="T8" fmla="*/ 24 w 218"/>
+                <a:gd name="T9" fmla="*/ 74 h 376"/>
+                <a:gd name="T10" fmla="*/ 0 w 218"/>
+                <a:gd name="T11" fmla="*/ 101 h 376"/>
+                <a:gd name="T12" fmla="*/ 0 w 218"/>
+                <a:gd name="T13" fmla="*/ 300 h 376"/>
+                <a:gd name="T14" fmla="*/ 37 w 218"/>
+                <a:gd name="T15" fmla="*/ 376 h 376"/>
+                <a:gd name="T16" fmla="*/ 38 w 218"/>
+                <a:gd name="T17" fmla="*/ 376 h 376"/>
+                <a:gd name="T18" fmla="*/ 38 w 218"/>
+                <a:gd name="T19" fmla="*/ 376 h 376"/>
+                <a:gd name="T20" fmla="*/ 180 w 218"/>
+                <a:gd name="T21" fmla="*/ 376 h 376"/>
+                <a:gd name="T22" fmla="*/ 180 w 218"/>
+                <a:gd name="T23" fmla="*/ 376 h 376"/>
+                <a:gd name="T24" fmla="*/ 181 w 218"/>
+                <a:gd name="T25" fmla="*/ 374 h 376"/>
+                <a:gd name="T26" fmla="*/ 181 w 218"/>
+                <a:gd name="T27" fmla="*/ 373 h 376"/>
+                <a:gd name="T28" fmla="*/ 218 w 218"/>
+                <a:gd name="T29" fmla="*/ 300 h 376"/>
+                <a:gd name="T30" fmla="*/ 218 w 218"/>
+                <a:gd name="T31" fmla="*/ 101 h 376"/>
+                <a:gd name="T32" fmla="*/ 192 w 218"/>
+                <a:gd name="T33" fmla="*/ 74 h 376"/>
+                <a:gd name="T34" fmla="*/ 192 w 218"/>
+                <a:gd name="T35" fmla="*/ 74 h 376"/>
+                <a:gd name="T36" fmla="*/ 146 w 218"/>
+                <a:gd name="T37" fmla="*/ 74 h 376"/>
+                <a:gd name="T38" fmla="*/ 146 w 218"/>
+                <a:gd name="T39" fmla="*/ 74 h 376"/>
+                <a:gd name="T40" fmla="*/ 146 w 218"/>
+                <a:gd name="T41" fmla="*/ 0 h 376"/>
+                <a:gd name="T42" fmla="*/ 70 w 218"/>
+                <a:gd name="T43" fmla="*/ 0 h 376"/>
+              </a:gdLst>
+              <a:ahLst/>
+              <a:cxnLst>
+                <a:cxn ang="0">
+                  <a:pos x="T0" y="T1"/>
+                </a:cxn>
+                <a:cxn ang="0">
+                  <a:pos x="T2" y="T3"/>
+                </a:cxn>
+                <a:cxn ang="0">
+                  <a:pos x="T4" y="T5"/>
+                </a:cxn>
+                <a:cxn ang="0">
+                  <a:pos x="T6" y="T7"/>
+                </a:cxn>
+                <a:cxn ang="0">
+                  <a:pos x="T8" y="T9"/>
+                </a:cxn>
+                <a:cxn ang="0">
+                  <a:pos x="T10" y="T11"/>
+                </a:cxn>
+                <a:cxn ang="0">
+                  <a:pos x="T12" y="T13"/>
+                </a:cxn>
+                <a:cxn ang="0">
+                  <a:pos x="T14" y="T15"/>
+                </a:cxn>
+                <a:cxn ang="0">
+                  <a:pos x="T16" y="T17"/>
+                </a:cxn>
+                <a:cxn ang="0">
+                  <a:pos x="T18" y="T19"/>
+                </a:cxn>
+                <a:cxn ang="0">
+                  <a:pos x="T20" y="T21"/>
+                </a:cxn>
+                <a:cxn ang="0">
+                  <a:pos x="T22" y="T23"/>
+                </a:cxn>
+                <a:cxn ang="0">
+                  <a:pos x="T24" y="T25"/>
+                </a:cxn>
+                <a:cxn ang="0">
+                  <a:pos x="T26" y="T27"/>
+                </a:cxn>
+                <a:cxn ang="0">
+                  <a:pos x="T28" y="T29"/>
+                </a:cxn>
+                <a:cxn ang="0">
+                  <a:pos x="T30" y="T31"/>
+                </a:cxn>
+                <a:cxn ang="0">
+                  <a:pos x="T32" y="T33"/>
+                </a:cxn>
+                <a:cxn ang="0">
+                  <a:pos x="T34" y="T35"/>
+                </a:cxn>
+                <a:cxn ang="0">
+                  <a:pos x="T36" y="T37"/>
+                </a:cxn>
+                <a:cxn ang="0">
+                  <a:pos x="T38" y="T39"/>
+                </a:cxn>
+                <a:cxn ang="0">
+                  <a:pos x="T40" y="T41"/>
+                </a:cxn>
+                <a:cxn ang="0">
+                  <a:pos x="T42" y="T43"/>
+                </a:cxn>
+              </a:cxnLst>
+              <a:rect l="0" t="0" r="r" b="b"/>
+              <a:pathLst>
+                <a:path w="218" h="376">
+                  <a:moveTo>
+                    <a:pt x="70" y="0"/>
+                  </a:moveTo>
+                  <a:lnTo>
+                    <a:pt x="70" y="0"/>
+                  </a:lnTo>
+                  <a:lnTo>
+                    <a:pt x="70" y="74"/>
+                  </a:lnTo>
+                  <a:lnTo>
+                    <a:pt x="70" y="74"/>
+                  </a:lnTo>
+                  <a:lnTo>
+                    <a:pt x="24" y="74"/>
+                  </a:lnTo>
+                  <a:lnTo>
+                    <a:pt x="0" y="101"/>
+                  </a:lnTo>
+                  <a:lnTo>
+                    <a:pt x="0" y="300"/>
+                  </a:lnTo>
+                  <a:lnTo>
+                    <a:pt x="37" y="376"/>
+                  </a:lnTo>
+                  <a:lnTo>
+                    <a:pt x="38" y="376"/>
+                  </a:lnTo>
+                  <a:lnTo>
+                    <a:pt x="38" y="376"/>
+                  </a:lnTo>
+                  <a:lnTo>
+                    <a:pt x="180" y="376"/>
+                  </a:lnTo>
+                  <a:lnTo>
+                    <a:pt x="180" y="376"/>
+                  </a:lnTo>
+                  <a:lnTo>
+                    <a:pt x="181" y="374"/>
+                  </a:lnTo>
+                  <a:lnTo>
+                    <a:pt x="181" y="373"/>
+                  </a:lnTo>
+                  <a:lnTo>
+                    <a:pt x="218" y="300"/>
+                  </a:lnTo>
+                  <a:lnTo>
+                    <a:pt x="218" y="101"/>
+                  </a:lnTo>
+                  <a:lnTo>
+                    <a:pt x="192" y="74"/>
+                  </a:lnTo>
+                  <a:lnTo>
+                    <a:pt x="192" y="74"/>
+                  </a:lnTo>
+                  <a:lnTo>
+                    <a:pt x="146" y="74"/>
+                  </a:lnTo>
+                  <a:lnTo>
+                    <a:pt x="146" y="74"/>
+                  </a:lnTo>
+                  <a:lnTo>
+                    <a:pt x="146" y="0"/>
+                  </a:lnTo>
+                  <a:lnTo>
+                    <a:pt x="70" y="0"/>
+                  </a:lnTo>
+                  <a:close/>
+                </a:path>
+              </a:pathLst>
+            </a:custGeom>
+            <a:solidFill>
+              <a:srgbClr val="FDCC99"/>
+            </a:solidFill>
+            <a:ln>
+              <a:noFill/>
+            </a:ln>
+            <a:extLst>
+              <a:ext uri="{91240B29-F687-4F45-9708-019B960494DF}">
+                <a14:hiddenLine xmlns:a14="http://schemas.microsoft.com/office/drawing/2010/main" w="9525">
+                  <a:solidFill>
+                    <a:srgbClr val="000000"/>
+                  </a:solidFill>
+                  <a:round/>
+                  <a:headEnd/>
+                  <a:tailEnd/>
+                </a14:hiddenLine>
+              </a:ext>
+            </a:extLst>
+          </p:spPr>
+          <p:txBody>
+            <a:bodyPr vert="horz" wrap="square" lIns="91440" tIns="45720" rIns="91440" bIns="45720" numCol="1" anchor="t" anchorCtr="0" compatLnSpc="1">
+              <a:prstTxWarp prst="textNoShape">
+                <a:avLst/>
+              </a:prstTxWarp>
+            </a:bodyPr>
+            <a:lstStyle/>
+            <a:p>
+              <a:endParaRPr lang="en-US"/>
+            </a:p>
+          </p:txBody>
+        </p:sp>
+        <p:sp>
+          <p:nvSpPr>
+            <p:cNvPr id="125" name="Line 8">
+              <a:extLst>
+                <a:ext uri="{FF2B5EF4-FFF2-40B4-BE49-F238E27FC236}">
+                  <a16:creationId xmlns:a16="http://schemas.microsoft.com/office/drawing/2014/main" id="{A9993A56-D98C-9349-9795-2D0ED52EDC35}"/>
+                </a:ext>
+              </a:extLst>
+            </p:cNvPr>
+            <p:cNvSpPr>
+              <a:spLocks noChangeShapeType="1"/>
+            </p:cNvSpPr>
+            <p:nvPr/>
+          </p:nvSpPr>
+          <p:spPr bwMode="auto">
+            <a:xfrm>
+              <a:off x="-2081" y="1488"/>
+              <a:ext cx="0" cy="0"/>
+            </a:xfrm>
+            <a:prstGeom prst="line">
+              <a:avLst/>
+            </a:prstGeom>
+            <a:noFill/>
+            <a:ln w="12700">
+              <a:solidFill>
+                <a:srgbClr val="000000"/>
+              </a:solidFill>
+              <a:prstDash val="solid"/>
+              <a:round/>
+              <a:headEnd/>
+              <a:tailEnd/>
+            </a:ln>
+            <a:extLst>
+              <a:ext uri="{909E8E84-426E-40DD-AFC4-6F175D3DCCD1}">
+                <a14:hiddenFill xmlns:a14="http://schemas.microsoft.com/office/drawing/2010/main">
+                  <a:noFill/>
+                </a14:hiddenFill>
+              </a:ext>
+            </a:extLst>
+          </p:spPr>
+          <p:txBody>
+            <a:bodyPr vert="horz" wrap="square" lIns="91440" tIns="45720" rIns="91440" bIns="45720" numCol="1" anchor="t" anchorCtr="0" compatLnSpc="1">
+              <a:prstTxWarp prst="textNoShape">
+                <a:avLst/>
+              </a:prstTxWarp>
+            </a:bodyPr>
+            <a:lstStyle/>
+            <a:p>
+              <a:endParaRPr lang="en-US"/>
+            </a:p>
+          </p:txBody>
+        </p:sp>
+        <p:sp>
+          <p:nvSpPr>
+            <p:cNvPr id="126" name="Line 9">
+              <a:extLst>
+                <a:ext uri="{FF2B5EF4-FFF2-40B4-BE49-F238E27FC236}">
+                  <a16:creationId xmlns:a16="http://schemas.microsoft.com/office/drawing/2014/main" id="{6C0EF26C-DF61-5F4E-BCBB-7F2F3BBD31D7}"/>
+                </a:ext>
+              </a:extLst>
+            </p:cNvPr>
+            <p:cNvSpPr>
+              <a:spLocks noChangeShapeType="1"/>
+            </p:cNvSpPr>
+            <p:nvPr/>
+          </p:nvSpPr>
+          <p:spPr bwMode="auto">
+            <a:xfrm>
+              <a:off x="-2081" y="1488"/>
+              <a:ext cx="0" cy="74"/>
+            </a:xfrm>
+            <a:prstGeom prst="line">
+              <a:avLst/>
+            </a:prstGeom>
+            <a:noFill/>
+            <a:ln w="12700">
+              <a:solidFill>
+                <a:srgbClr val="000000"/>
+              </a:solidFill>
+              <a:prstDash val="solid"/>
+              <a:round/>
+              <a:headEnd/>
+              <a:tailEnd/>
+            </a:ln>
+            <a:extLst>
+              <a:ext uri="{909E8E84-426E-40DD-AFC4-6F175D3DCCD1}">
+                <a14:hiddenFill xmlns:a14="http://schemas.microsoft.com/office/drawing/2010/main">
+                  <a:noFill/>
+                </a14:hiddenFill>
+              </a:ext>
+            </a:extLst>
+          </p:spPr>
+          <p:txBody>
+            <a:bodyPr vert="horz" wrap="square" lIns="91440" tIns="45720" rIns="91440" bIns="45720" numCol="1" anchor="t" anchorCtr="0" compatLnSpc="1">
+              <a:prstTxWarp prst="textNoShape">
+                <a:avLst/>
+              </a:prstTxWarp>
+            </a:bodyPr>
+            <a:lstStyle/>
+            <a:p>
+              <a:endParaRPr lang="en-US"/>
+            </a:p>
+          </p:txBody>
+        </p:sp>
+        <p:sp>
+          <p:nvSpPr>
+            <p:cNvPr id="127" name="Line 10">
+              <a:extLst>
+                <a:ext uri="{FF2B5EF4-FFF2-40B4-BE49-F238E27FC236}">
+                  <a16:creationId xmlns:a16="http://schemas.microsoft.com/office/drawing/2014/main" id="{B3475412-5F67-8748-AC71-2B3BF2F75D6E}"/>
+                </a:ext>
+              </a:extLst>
+            </p:cNvPr>
+            <p:cNvSpPr>
+              <a:spLocks noChangeShapeType="1"/>
+            </p:cNvSpPr>
+            <p:nvPr/>
+          </p:nvSpPr>
+          <p:spPr bwMode="auto">
+            <a:xfrm>
+              <a:off x="-2081" y="1562"/>
+              <a:ext cx="0" cy="0"/>
+            </a:xfrm>
+            <a:prstGeom prst="line">
+              <a:avLst/>
+            </a:prstGeom>
+            <a:noFill/>
+            <a:ln w="12700">
+              <a:solidFill>
+                <a:srgbClr val="000000"/>
+              </a:solidFill>
+              <a:prstDash val="solid"/>
+              <a:round/>
+              <a:headEnd/>
+              <a:tailEnd/>
+            </a:ln>
+            <a:extLst>
+              <a:ext uri="{909E8E84-426E-40DD-AFC4-6F175D3DCCD1}">
+                <a14:hiddenFill xmlns:a14="http://schemas.microsoft.com/office/drawing/2010/main">
+                  <a:noFill/>
+                </a14:hiddenFill>
+              </a:ext>
+            </a:extLst>
+          </p:spPr>
+          <p:txBody>
+            <a:bodyPr vert="horz" wrap="square" lIns="91440" tIns="45720" rIns="91440" bIns="45720" numCol="1" anchor="t" anchorCtr="0" compatLnSpc="1">
+              <a:prstTxWarp prst="textNoShape">
+                <a:avLst/>
+              </a:prstTxWarp>
+            </a:bodyPr>
+            <a:lstStyle/>
+            <a:p>
+              <a:endParaRPr lang="en-US"/>
+            </a:p>
+          </p:txBody>
+        </p:sp>
+        <p:sp>
+          <p:nvSpPr>
+            <p:cNvPr id="128" name="Line 11">
+              <a:extLst>
+                <a:ext uri="{FF2B5EF4-FFF2-40B4-BE49-F238E27FC236}">
+                  <a16:creationId xmlns:a16="http://schemas.microsoft.com/office/drawing/2014/main" id="{A5B744AA-D291-0F40-A1DC-3C13A99365F3}"/>
+                </a:ext>
+              </a:extLst>
+            </p:cNvPr>
+            <p:cNvSpPr>
+              <a:spLocks noChangeShapeType="1"/>
+            </p:cNvSpPr>
+            <p:nvPr/>
+          </p:nvSpPr>
+          <p:spPr bwMode="auto">
+            <a:xfrm flipH="1">
+              <a:off x="-2127" y="1562"/>
+              <a:ext cx="46" cy="0"/>
+            </a:xfrm>
+            <a:prstGeom prst="line">
+              <a:avLst/>
+            </a:prstGeom>
+            <a:noFill/>
+            <a:ln w="12700">
+              <a:solidFill>
+                <a:srgbClr val="000000"/>
+              </a:solidFill>
+              <a:prstDash val="solid"/>
+              <a:round/>
+              <a:headEnd/>
+              <a:tailEnd/>
+            </a:ln>
+            <a:extLst>
+              <a:ext uri="{909E8E84-426E-40DD-AFC4-6F175D3DCCD1}">
+                <a14:hiddenFill xmlns:a14="http://schemas.microsoft.com/office/drawing/2010/main">
+                  <a:noFill/>
+                </a14:hiddenFill>
+              </a:ext>
+            </a:extLst>
+          </p:spPr>
+          <p:txBody>
+            <a:bodyPr vert="horz" wrap="square" lIns="91440" tIns="45720" rIns="91440" bIns="45720" numCol="1" anchor="t" anchorCtr="0" compatLnSpc="1">
+              <a:prstTxWarp prst="textNoShape">
+                <a:avLst/>
+              </a:prstTxWarp>
+            </a:bodyPr>
+            <a:lstStyle/>
+            <a:p>
+              <a:endParaRPr lang="en-US"/>
+            </a:p>
+          </p:txBody>
+        </p:sp>
+        <p:sp>
+          <p:nvSpPr>
+            <p:cNvPr id="129" name="Line 12">
+              <a:extLst>
+                <a:ext uri="{FF2B5EF4-FFF2-40B4-BE49-F238E27FC236}">
+                  <a16:creationId xmlns:a16="http://schemas.microsoft.com/office/drawing/2014/main" id="{D186EE3B-633F-044F-8DE7-A34224286152}"/>
+                </a:ext>
+              </a:extLst>
+            </p:cNvPr>
+            <p:cNvSpPr>
+              <a:spLocks noChangeShapeType="1"/>
+            </p:cNvSpPr>
+            <p:nvPr/>
+          </p:nvSpPr>
+          <p:spPr bwMode="auto">
+            <a:xfrm flipH="1">
+              <a:off x="-2151" y="1562"/>
+              <a:ext cx="24" cy="27"/>
+            </a:xfrm>
+            <a:prstGeom prst="line">
+              <a:avLst/>
+            </a:prstGeom>
+            <a:noFill/>
+            <a:ln w="17463">
+              <a:solidFill>
+                <a:srgbClr val="000000"/>
+              </a:solidFill>
+              <a:prstDash val="solid"/>
+              <a:round/>
+              <a:headEnd/>
+              <a:tailEnd/>
+            </a:ln>
+            <a:extLst>
+              <a:ext uri="{909E8E84-426E-40DD-AFC4-6F175D3DCCD1}">
+                <a14:hiddenFill xmlns:a14="http://schemas.microsoft.com/office/drawing/2010/main">
+                  <a:noFill/>
+                </a14:hiddenFill>
+              </a:ext>
+            </a:extLst>
+          </p:spPr>
+          <p:txBody>
+            <a:bodyPr vert="horz" wrap="square" lIns="91440" tIns="45720" rIns="91440" bIns="45720" numCol="1" anchor="t" anchorCtr="0" compatLnSpc="1">
+              <a:prstTxWarp prst="textNoShape">
+                <a:avLst/>
+              </a:prstTxWarp>
+            </a:bodyPr>
+            <a:lstStyle/>
+            <a:p>
+              <a:endParaRPr lang="en-US"/>
+            </a:p>
+          </p:txBody>
+        </p:sp>
+        <p:sp>
+          <p:nvSpPr>
+            <p:cNvPr id="130" name="Line 13">
+              <a:extLst>
+                <a:ext uri="{FF2B5EF4-FFF2-40B4-BE49-F238E27FC236}">
+                  <a16:creationId xmlns:a16="http://schemas.microsoft.com/office/drawing/2014/main" id="{98B68988-B04B-F04B-9D7D-3DB7811436F7}"/>
+                </a:ext>
+              </a:extLst>
+            </p:cNvPr>
+            <p:cNvSpPr>
+              <a:spLocks noChangeShapeType="1"/>
+            </p:cNvSpPr>
+            <p:nvPr/>
+          </p:nvSpPr>
+          <p:spPr bwMode="auto">
+            <a:xfrm>
+              <a:off x="-2151" y="1589"/>
+              <a:ext cx="0" cy="199"/>
+            </a:xfrm>
+            <a:prstGeom prst="line">
+              <a:avLst/>
+            </a:prstGeom>
+            <a:noFill/>
+            <a:ln w="12700">
+              <a:solidFill>
+                <a:srgbClr val="000000"/>
+              </a:solidFill>
+              <a:prstDash val="solid"/>
+              <a:round/>
+              <a:headEnd/>
+              <a:tailEnd/>
+            </a:ln>
+            <a:extLst>
+              <a:ext uri="{909E8E84-426E-40DD-AFC4-6F175D3DCCD1}">
+                <a14:hiddenFill xmlns:a14="http://schemas.microsoft.com/office/drawing/2010/main">
+                  <a:noFill/>
+                </a14:hiddenFill>
+              </a:ext>
+            </a:extLst>
+          </p:spPr>
+          <p:txBody>
+            <a:bodyPr vert="horz" wrap="square" lIns="91440" tIns="45720" rIns="91440" bIns="45720" numCol="1" anchor="t" anchorCtr="0" compatLnSpc="1">
+              <a:prstTxWarp prst="textNoShape">
+                <a:avLst/>
+              </a:prstTxWarp>
+            </a:bodyPr>
+            <a:lstStyle/>
+            <a:p>
+              <a:endParaRPr lang="en-US"/>
+            </a:p>
+          </p:txBody>
+        </p:sp>
+        <p:sp>
+          <p:nvSpPr>
+            <p:cNvPr id="131" name="Line 14">
+              <a:extLst>
+                <a:ext uri="{FF2B5EF4-FFF2-40B4-BE49-F238E27FC236}">
+                  <a16:creationId xmlns:a16="http://schemas.microsoft.com/office/drawing/2014/main" id="{CECD1949-503C-A942-899E-294641ABBE37}"/>
+                </a:ext>
+              </a:extLst>
+            </p:cNvPr>
+            <p:cNvSpPr>
+              <a:spLocks noChangeShapeType="1"/>
+            </p:cNvSpPr>
+            <p:nvPr/>
+          </p:nvSpPr>
+          <p:spPr bwMode="auto">
+            <a:xfrm>
+              <a:off x="-2151" y="1788"/>
+              <a:ext cx="37" cy="76"/>
+            </a:xfrm>
+            <a:prstGeom prst="line">
+              <a:avLst/>
+            </a:prstGeom>
+            <a:noFill/>
+            <a:ln w="17463">
+              <a:solidFill>
+                <a:srgbClr val="000000"/>
+              </a:solidFill>
+              <a:prstDash val="solid"/>
+              <a:round/>
+              <a:headEnd/>
+              <a:tailEnd/>
+            </a:ln>
+            <a:extLst>
+              <a:ext uri="{909E8E84-426E-40DD-AFC4-6F175D3DCCD1}">
+                <a14:hiddenFill xmlns:a14="http://schemas.microsoft.com/office/drawing/2010/main">
+                  <a:noFill/>
+                </a14:hiddenFill>
+              </a:ext>
+            </a:extLst>
+          </p:spPr>
+          <p:txBody>
+            <a:bodyPr vert="horz" wrap="square" lIns="91440" tIns="45720" rIns="91440" bIns="45720" numCol="1" anchor="t" anchorCtr="0" compatLnSpc="1">
+              <a:prstTxWarp prst="textNoShape">
+                <a:avLst/>
+              </a:prstTxWarp>
+            </a:bodyPr>
+            <a:lstStyle/>
+            <a:p>
+              <a:endParaRPr lang="en-US"/>
+            </a:p>
+          </p:txBody>
+        </p:sp>
+        <p:sp>
+          <p:nvSpPr>
+            <p:cNvPr id="132" name="Line 15">
+              <a:extLst>
+                <a:ext uri="{FF2B5EF4-FFF2-40B4-BE49-F238E27FC236}">
+                  <a16:creationId xmlns:a16="http://schemas.microsoft.com/office/drawing/2014/main" id="{8477DADC-5BA4-B948-B99C-89DC67397DC8}"/>
+                </a:ext>
+              </a:extLst>
+            </p:cNvPr>
+            <p:cNvSpPr>
+              <a:spLocks noChangeShapeType="1"/>
+            </p:cNvSpPr>
+            <p:nvPr/>
+          </p:nvSpPr>
+          <p:spPr bwMode="auto">
+            <a:xfrm>
+              <a:off x="-2114" y="1864"/>
+              <a:ext cx="1" cy="0"/>
+            </a:xfrm>
+            <a:prstGeom prst="line">
+              <a:avLst/>
+            </a:prstGeom>
+            <a:noFill/>
+            <a:ln w="12700">
+              <a:solidFill>
+                <a:srgbClr val="000000"/>
+              </a:solidFill>
+              <a:prstDash val="solid"/>
+              <a:round/>
+              <a:headEnd/>
+              <a:tailEnd/>
+            </a:ln>
+            <a:extLst>
+              <a:ext uri="{909E8E84-426E-40DD-AFC4-6F175D3DCCD1}">
+                <a14:hiddenFill xmlns:a14="http://schemas.microsoft.com/office/drawing/2010/main">
+                  <a:noFill/>
+                </a14:hiddenFill>
+              </a:ext>
+            </a:extLst>
+          </p:spPr>
+          <p:txBody>
+            <a:bodyPr vert="horz" wrap="square" lIns="91440" tIns="45720" rIns="91440" bIns="45720" numCol="1" anchor="t" anchorCtr="0" compatLnSpc="1">
+              <a:prstTxWarp prst="textNoShape">
+                <a:avLst/>
+              </a:prstTxWarp>
+            </a:bodyPr>
+            <a:lstStyle/>
+            <a:p>
+              <a:endParaRPr lang="en-US"/>
+            </a:p>
+          </p:txBody>
+        </p:sp>
+        <p:sp>
+          <p:nvSpPr>
+            <p:cNvPr id="133" name="Line 16">
+              <a:extLst>
+                <a:ext uri="{FF2B5EF4-FFF2-40B4-BE49-F238E27FC236}">
+                  <a16:creationId xmlns:a16="http://schemas.microsoft.com/office/drawing/2014/main" id="{8576BE30-DF5D-E74F-B16C-C1B0AF1D1005}"/>
+                </a:ext>
+              </a:extLst>
+            </p:cNvPr>
+            <p:cNvSpPr>
+              <a:spLocks noChangeShapeType="1"/>
+            </p:cNvSpPr>
+            <p:nvPr/>
+          </p:nvSpPr>
+          <p:spPr bwMode="auto">
+            <a:xfrm>
+              <a:off x="-2113" y="1864"/>
+              <a:ext cx="0" cy="0"/>
+            </a:xfrm>
+            <a:prstGeom prst="line">
+              <a:avLst/>
+            </a:prstGeom>
+            <a:noFill/>
+            <a:ln w="12700">
+              <a:solidFill>
+                <a:srgbClr val="000000"/>
+              </a:solidFill>
+              <a:prstDash val="solid"/>
+              <a:round/>
+              <a:headEnd/>
+              <a:tailEnd/>
+            </a:ln>
+            <a:extLst>
+              <a:ext uri="{909E8E84-426E-40DD-AFC4-6F175D3DCCD1}">
+                <a14:hiddenFill xmlns:a14="http://schemas.microsoft.com/office/drawing/2010/main">
+                  <a:noFill/>
+                </a14:hiddenFill>
+              </a:ext>
+            </a:extLst>
+          </p:spPr>
+          <p:txBody>
+            <a:bodyPr vert="horz" wrap="square" lIns="91440" tIns="45720" rIns="91440" bIns="45720" numCol="1" anchor="t" anchorCtr="0" compatLnSpc="1">
+              <a:prstTxWarp prst="textNoShape">
+                <a:avLst/>
+              </a:prstTxWarp>
+            </a:bodyPr>
+            <a:lstStyle/>
+            <a:p>
+              <a:endParaRPr lang="en-US"/>
+            </a:p>
+          </p:txBody>
+        </p:sp>
+        <p:sp>
+          <p:nvSpPr>
+            <p:cNvPr id="134" name="Line 17">
+              <a:extLst>
+                <a:ext uri="{FF2B5EF4-FFF2-40B4-BE49-F238E27FC236}">
+                  <a16:creationId xmlns:a16="http://schemas.microsoft.com/office/drawing/2014/main" id="{016C419A-F0CD-4342-A5E9-58EAFA16271D}"/>
+                </a:ext>
+              </a:extLst>
+            </p:cNvPr>
+            <p:cNvSpPr>
+              <a:spLocks noChangeShapeType="1"/>
+            </p:cNvSpPr>
+            <p:nvPr/>
+          </p:nvSpPr>
+          <p:spPr bwMode="auto">
+            <a:xfrm>
+              <a:off x="-2113" y="1864"/>
+              <a:ext cx="142" cy="0"/>
+            </a:xfrm>
+            <a:prstGeom prst="line">
+              <a:avLst/>
+            </a:prstGeom>
+            <a:noFill/>
+            <a:ln w="12700">
+              <a:solidFill>
+                <a:srgbClr val="000000"/>
+              </a:solidFill>
+              <a:prstDash val="solid"/>
+              <a:round/>
+              <a:headEnd/>
+              <a:tailEnd/>
+            </a:ln>
+            <a:extLst>
+              <a:ext uri="{909E8E84-426E-40DD-AFC4-6F175D3DCCD1}">
+                <a14:hiddenFill xmlns:a14="http://schemas.microsoft.com/office/drawing/2010/main">
+                  <a:noFill/>
+                </a14:hiddenFill>
+              </a:ext>
+            </a:extLst>
+          </p:spPr>
+          <p:txBody>
+            <a:bodyPr vert="horz" wrap="square" lIns="91440" tIns="45720" rIns="91440" bIns="45720" numCol="1" anchor="t" anchorCtr="0" compatLnSpc="1">
+              <a:prstTxWarp prst="textNoShape">
+                <a:avLst/>
+              </a:prstTxWarp>
+            </a:bodyPr>
+            <a:lstStyle/>
+            <a:p>
+              <a:endParaRPr lang="en-US"/>
+            </a:p>
+          </p:txBody>
+        </p:sp>
+        <p:sp>
+          <p:nvSpPr>
+            <p:cNvPr id="147" name="Line 18">
+              <a:extLst>
+                <a:ext uri="{FF2B5EF4-FFF2-40B4-BE49-F238E27FC236}">
+                  <a16:creationId xmlns:a16="http://schemas.microsoft.com/office/drawing/2014/main" id="{A8916449-C536-9F4F-B488-572535273437}"/>
+                </a:ext>
+              </a:extLst>
+            </p:cNvPr>
+            <p:cNvSpPr>
+              <a:spLocks noChangeShapeType="1"/>
+            </p:cNvSpPr>
+            <p:nvPr/>
+          </p:nvSpPr>
+          <p:spPr bwMode="auto">
+            <a:xfrm>
+              <a:off x="-1971" y="1864"/>
+              <a:ext cx="0" cy="0"/>
+            </a:xfrm>
+            <a:prstGeom prst="line">
+              <a:avLst/>
+            </a:prstGeom>
+            <a:noFill/>
+            <a:ln w="12700">
+              <a:solidFill>
+                <a:srgbClr val="000000"/>
+              </a:solidFill>
+              <a:prstDash val="solid"/>
+              <a:round/>
+              <a:headEnd/>
+              <a:tailEnd/>
+            </a:ln>
+            <a:extLst>
+              <a:ext uri="{909E8E84-426E-40DD-AFC4-6F175D3DCCD1}">
+                <a14:hiddenFill xmlns:a14="http://schemas.microsoft.com/office/drawing/2010/main">
+                  <a:noFill/>
+                </a14:hiddenFill>
+              </a:ext>
+            </a:extLst>
+          </p:spPr>
+          <p:txBody>
+            <a:bodyPr vert="horz" wrap="square" lIns="91440" tIns="45720" rIns="91440" bIns="45720" numCol="1" anchor="t" anchorCtr="0" compatLnSpc="1">
+              <a:prstTxWarp prst="textNoShape">
+                <a:avLst/>
+              </a:prstTxWarp>
+            </a:bodyPr>
+            <a:lstStyle/>
+            <a:p>
+              <a:endParaRPr lang="en-US"/>
+            </a:p>
+          </p:txBody>
+        </p:sp>
+        <p:sp>
+          <p:nvSpPr>
+            <p:cNvPr id="148" name="Line 19">
+              <a:extLst>
+                <a:ext uri="{FF2B5EF4-FFF2-40B4-BE49-F238E27FC236}">
+                  <a16:creationId xmlns:a16="http://schemas.microsoft.com/office/drawing/2014/main" id="{C934EB24-533A-A444-A4EB-64E6C503CFFD}"/>
+                </a:ext>
+              </a:extLst>
+            </p:cNvPr>
+            <p:cNvSpPr>
+              <a:spLocks noChangeShapeType="1"/>
+            </p:cNvSpPr>
+            <p:nvPr/>
+          </p:nvSpPr>
+          <p:spPr bwMode="auto">
+            <a:xfrm flipV="1">
+              <a:off x="-1971" y="1862"/>
+              <a:ext cx="1" cy="2"/>
+            </a:xfrm>
+            <a:prstGeom prst="line">
+              <a:avLst/>
+            </a:prstGeom>
+            <a:noFill/>
+            <a:ln w="17463">
+              <a:solidFill>
+                <a:srgbClr val="000000"/>
+              </a:solidFill>
+              <a:prstDash val="solid"/>
+              <a:round/>
+              <a:headEnd/>
+              <a:tailEnd/>
+            </a:ln>
+            <a:extLst>
+              <a:ext uri="{909E8E84-426E-40DD-AFC4-6F175D3DCCD1}">
+                <a14:hiddenFill xmlns:a14="http://schemas.microsoft.com/office/drawing/2010/main">
+                  <a:noFill/>
+                </a14:hiddenFill>
+              </a:ext>
+            </a:extLst>
+          </p:spPr>
+          <p:txBody>
+            <a:bodyPr vert="horz" wrap="square" lIns="91440" tIns="45720" rIns="91440" bIns="45720" numCol="1" anchor="t" anchorCtr="0" compatLnSpc="1">
+              <a:prstTxWarp prst="textNoShape">
+                <a:avLst/>
+              </a:prstTxWarp>
+            </a:bodyPr>
+            <a:lstStyle/>
+            <a:p>
+              <a:endParaRPr lang="en-US"/>
+            </a:p>
+          </p:txBody>
+        </p:sp>
+        <p:sp>
+          <p:nvSpPr>
+            <p:cNvPr id="149" name="Line 20">
+              <a:extLst>
+                <a:ext uri="{FF2B5EF4-FFF2-40B4-BE49-F238E27FC236}">
+                  <a16:creationId xmlns:a16="http://schemas.microsoft.com/office/drawing/2014/main" id="{DF157EAE-D111-1540-B8B5-D36804471A7D}"/>
+                </a:ext>
+              </a:extLst>
+            </p:cNvPr>
+            <p:cNvSpPr>
+              <a:spLocks noChangeShapeType="1"/>
+            </p:cNvSpPr>
+            <p:nvPr/>
+          </p:nvSpPr>
+          <p:spPr bwMode="auto">
+            <a:xfrm flipV="1">
+              <a:off x="-1970" y="1861"/>
+              <a:ext cx="0" cy="1"/>
+            </a:xfrm>
+            <a:prstGeom prst="line">
+              <a:avLst/>
+            </a:prstGeom>
+            <a:noFill/>
+            <a:ln w="12700">
+              <a:solidFill>
+                <a:srgbClr val="000000"/>
+              </a:solidFill>
+              <a:prstDash val="solid"/>
+              <a:round/>
+              <a:headEnd/>
+              <a:tailEnd/>
+            </a:ln>
+            <a:extLst>
+              <a:ext uri="{909E8E84-426E-40DD-AFC4-6F175D3DCCD1}">
+                <a14:hiddenFill xmlns:a14="http://schemas.microsoft.com/office/drawing/2010/main">
+                  <a:noFill/>
+                </a14:hiddenFill>
+              </a:ext>
+            </a:extLst>
+          </p:spPr>
+          <p:txBody>
+            <a:bodyPr vert="horz" wrap="square" lIns="91440" tIns="45720" rIns="91440" bIns="45720" numCol="1" anchor="t" anchorCtr="0" compatLnSpc="1">
+              <a:prstTxWarp prst="textNoShape">
+                <a:avLst/>
+              </a:prstTxWarp>
+            </a:bodyPr>
+            <a:lstStyle/>
+            <a:p>
+              <a:endParaRPr lang="en-US"/>
+            </a:p>
+          </p:txBody>
+        </p:sp>
+        <p:sp>
+          <p:nvSpPr>
+            <p:cNvPr id="150" name="Line 21">
+              <a:extLst>
+                <a:ext uri="{FF2B5EF4-FFF2-40B4-BE49-F238E27FC236}">
+                  <a16:creationId xmlns:a16="http://schemas.microsoft.com/office/drawing/2014/main" id="{563E1FC7-4BB6-284B-B588-66D5DA7EB6C4}"/>
+                </a:ext>
+              </a:extLst>
+            </p:cNvPr>
+            <p:cNvSpPr>
+              <a:spLocks noChangeShapeType="1"/>
+            </p:cNvSpPr>
+            <p:nvPr/>
+          </p:nvSpPr>
+          <p:spPr bwMode="auto">
+            <a:xfrm flipV="1">
+              <a:off x="-1970" y="1788"/>
+              <a:ext cx="37" cy="73"/>
+            </a:xfrm>
+            <a:prstGeom prst="line">
+              <a:avLst/>
+            </a:prstGeom>
+            <a:noFill/>
+            <a:ln w="17463">
+              <a:solidFill>
+                <a:srgbClr val="000000"/>
+              </a:solidFill>
+              <a:prstDash val="solid"/>
+              <a:round/>
+              <a:headEnd/>
+              <a:tailEnd/>
+            </a:ln>
+            <a:extLst>
+              <a:ext uri="{909E8E84-426E-40DD-AFC4-6F175D3DCCD1}">
+                <a14:hiddenFill xmlns:a14="http://schemas.microsoft.com/office/drawing/2010/main">
+                  <a:noFill/>
+                </a14:hiddenFill>
+              </a:ext>
+            </a:extLst>
+          </p:spPr>
+          <p:txBody>
+            <a:bodyPr vert="horz" wrap="square" lIns="91440" tIns="45720" rIns="91440" bIns="45720" numCol="1" anchor="t" anchorCtr="0" compatLnSpc="1">
+              <a:prstTxWarp prst="textNoShape">
+                <a:avLst/>
+              </a:prstTxWarp>
+            </a:bodyPr>
+            <a:lstStyle/>
+            <a:p>
+              <a:endParaRPr lang="en-US"/>
+            </a:p>
+          </p:txBody>
+        </p:sp>
+        <p:sp>
+          <p:nvSpPr>
+            <p:cNvPr id="151" name="Line 22">
+              <a:extLst>
+                <a:ext uri="{FF2B5EF4-FFF2-40B4-BE49-F238E27FC236}">
+                  <a16:creationId xmlns:a16="http://schemas.microsoft.com/office/drawing/2014/main" id="{B2C45F55-67C4-BC4B-93C2-01B1DAD4CBD6}"/>
+                </a:ext>
+              </a:extLst>
+            </p:cNvPr>
+            <p:cNvSpPr>
+              <a:spLocks noChangeShapeType="1"/>
+            </p:cNvSpPr>
+            <p:nvPr/>
+          </p:nvSpPr>
+          <p:spPr bwMode="auto">
+            <a:xfrm flipV="1">
+              <a:off x="-1933" y="1589"/>
+              <a:ext cx="0" cy="199"/>
+            </a:xfrm>
+            <a:prstGeom prst="line">
+              <a:avLst/>
+            </a:prstGeom>
+            <a:noFill/>
+            <a:ln w="12700">
+              <a:solidFill>
+                <a:srgbClr val="000000"/>
+              </a:solidFill>
+              <a:prstDash val="solid"/>
+              <a:round/>
+              <a:headEnd/>
+              <a:tailEnd/>
+            </a:ln>
+            <a:extLst>
+              <a:ext uri="{909E8E84-426E-40DD-AFC4-6F175D3DCCD1}">
+                <a14:hiddenFill xmlns:a14="http://schemas.microsoft.com/office/drawing/2010/main">
+                  <a:noFill/>
+                </a14:hiddenFill>
+              </a:ext>
+            </a:extLst>
+          </p:spPr>
+          <p:txBody>
+            <a:bodyPr vert="horz" wrap="square" lIns="91440" tIns="45720" rIns="91440" bIns="45720" numCol="1" anchor="t" anchorCtr="0" compatLnSpc="1">
+              <a:prstTxWarp prst="textNoShape">
+                <a:avLst/>
+              </a:prstTxWarp>
+            </a:bodyPr>
+            <a:lstStyle/>
+            <a:p>
+              <a:endParaRPr lang="en-US"/>
+            </a:p>
+          </p:txBody>
+        </p:sp>
+        <p:sp>
+          <p:nvSpPr>
+            <p:cNvPr id="152" name="Line 23">
+              <a:extLst>
+                <a:ext uri="{FF2B5EF4-FFF2-40B4-BE49-F238E27FC236}">
+                  <a16:creationId xmlns:a16="http://schemas.microsoft.com/office/drawing/2014/main" id="{3DF8C9CF-A663-EC41-83AD-EB88ECC53867}"/>
+                </a:ext>
+              </a:extLst>
+            </p:cNvPr>
+            <p:cNvSpPr>
+              <a:spLocks noChangeShapeType="1"/>
+            </p:cNvSpPr>
+            <p:nvPr/>
+          </p:nvSpPr>
+          <p:spPr bwMode="auto">
+            <a:xfrm flipH="1" flipV="1">
+              <a:off x="-1959" y="1562"/>
+              <a:ext cx="26" cy="27"/>
+            </a:xfrm>
+            <a:prstGeom prst="line">
+              <a:avLst/>
+            </a:prstGeom>
+            <a:noFill/>
+            <a:ln w="17463">
+              <a:solidFill>
+                <a:srgbClr val="000000"/>
+              </a:solidFill>
+              <a:prstDash val="solid"/>
+              <a:round/>
+              <a:headEnd/>
+              <a:tailEnd/>
+            </a:ln>
+            <a:extLst>
+              <a:ext uri="{909E8E84-426E-40DD-AFC4-6F175D3DCCD1}">
+                <a14:hiddenFill xmlns:a14="http://schemas.microsoft.com/office/drawing/2010/main">
+                  <a:noFill/>
+                </a14:hiddenFill>
+              </a:ext>
+            </a:extLst>
+          </p:spPr>
+          <p:txBody>
+            <a:bodyPr vert="horz" wrap="square" lIns="91440" tIns="45720" rIns="91440" bIns="45720" numCol="1" anchor="t" anchorCtr="0" compatLnSpc="1">
+              <a:prstTxWarp prst="textNoShape">
+                <a:avLst/>
+              </a:prstTxWarp>
+            </a:bodyPr>
+            <a:lstStyle/>
+            <a:p>
+              <a:endParaRPr lang="en-US"/>
+            </a:p>
+          </p:txBody>
+        </p:sp>
+        <p:sp>
+          <p:nvSpPr>
+            <p:cNvPr id="153" name="Line 24">
+              <a:extLst>
+                <a:ext uri="{FF2B5EF4-FFF2-40B4-BE49-F238E27FC236}">
+                  <a16:creationId xmlns:a16="http://schemas.microsoft.com/office/drawing/2014/main" id="{80D5AE20-EDDB-0647-B12C-9DB8DDD6A213}"/>
+                </a:ext>
+              </a:extLst>
+            </p:cNvPr>
+            <p:cNvSpPr>
+              <a:spLocks noChangeShapeType="1"/>
+            </p:cNvSpPr>
+            <p:nvPr/>
+          </p:nvSpPr>
+          <p:spPr bwMode="auto">
+            <a:xfrm>
+              <a:off x="-1959" y="1562"/>
+              <a:ext cx="0" cy="0"/>
+            </a:xfrm>
+            <a:prstGeom prst="line">
+              <a:avLst/>
+            </a:prstGeom>
+            <a:noFill/>
+            <a:ln w="12700">
+              <a:solidFill>
+                <a:srgbClr val="000000"/>
+              </a:solidFill>
+              <a:prstDash val="solid"/>
+              <a:round/>
+              <a:headEnd/>
+              <a:tailEnd/>
+            </a:ln>
+            <a:extLst>
+              <a:ext uri="{909E8E84-426E-40DD-AFC4-6F175D3DCCD1}">
+                <a14:hiddenFill xmlns:a14="http://schemas.microsoft.com/office/drawing/2010/main">
+                  <a:noFill/>
+                </a14:hiddenFill>
+              </a:ext>
+            </a:extLst>
+          </p:spPr>
+          <p:txBody>
+            <a:bodyPr vert="horz" wrap="square" lIns="91440" tIns="45720" rIns="91440" bIns="45720" numCol="1" anchor="t" anchorCtr="0" compatLnSpc="1">
+              <a:prstTxWarp prst="textNoShape">
+                <a:avLst/>
+              </a:prstTxWarp>
+            </a:bodyPr>
+            <a:lstStyle/>
+            <a:p>
+              <a:endParaRPr lang="en-US"/>
+            </a:p>
+          </p:txBody>
+        </p:sp>
+        <p:sp>
+          <p:nvSpPr>
+            <p:cNvPr id="154" name="Line 25">
+              <a:extLst>
+                <a:ext uri="{FF2B5EF4-FFF2-40B4-BE49-F238E27FC236}">
+                  <a16:creationId xmlns:a16="http://schemas.microsoft.com/office/drawing/2014/main" id="{D0E4540C-8591-9743-81B4-A8C933C81208}"/>
+                </a:ext>
+              </a:extLst>
+            </p:cNvPr>
+            <p:cNvSpPr>
+              <a:spLocks noChangeShapeType="1"/>
+            </p:cNvSpPr>
+            <p:nvPr/>
+          </p:nvSpPr>
+          <p:spPr bwMode="auto">
+            <a:xfrm flipH="1">
+              <a:off x="-2005" y="1562"/>
+              <a:ext cx="46" cy="0"/>
+            </a:xfrm>
+            <a:prstGeom prst="line">
+              <a:avLst/>
+            </a:prstGeom>
+            <a:noFill/>
+            <a:ln w="12700">
+              <a:solidFill>
+                <a:srgbClr val="000000"/>
+              </a:solidFill>
+              <a:prstDash val="solid"/>
+              <a:round/>
+              <a:headEnd/>
+              <a:tailEnd/>
+            </a:ln>
+            <a:extLst>
+              <a:ext uri="{909E8E84-426E-40DD-AFC4-6F175D3DCCD1}">
+                <a14:hiddenFill xmlns:a14="http://schemas.microsoft.com/office/drawing/2010/main">
+                  <a:noFill/>
+                </a14:hiddenFill>
+              </a:ext>
+            </a:extLst>
+          </p:spPr>
+          <p:txBody>
+            <a:bodyPr vert="horz" wrap="square" lIns="91440" tIns="45720" rIns="91440" bIns="45720" numCol="1" anchor="t" anchorCtr="0" compatLnSpc="1">
+              <a:prstTxWarp prst="textNoShape">
+                <a:avLst/>
+              </a:prstTxWarp>
+            </a:bodyPr>
+            <a:lstStyle/>
+            <a:p>
+              <a:endParaRPr lang="en-US"/>
+            </a:p>
+          </p:txBody>
+        </p:sp>
+        <p:sp>
+          <p:nvSpPr>
+            <p:cNvPr id="155" name="Line 26">
+              <a:extLst>
+                <a:ext uri="{FF2B5EF4-FFF2-40B4-BE49-F238E27FC236}">
+                  <a16:creationId xmlns:a16="http://schemas.microsoft.com/office/drawing/2014/main" id="{389C5727-73EB-9D49-9B4B-5F0436D26898}"/>
+                </a:ext>
+              </a:extLst>
+            </p:cNvPr>
+            <p:cNvSpPr>
+              <a:spLocks noChangeShapeType="1"/>
+            </p:cNvSpPr>
+            <p:nvPr/>
+          </p:nvSpPr>
+          <p:spPr bwMode="auto">
+            <a:xfrm>
+              <a:off x="-2005" y="1562"/>
+              <a:ext cx="0" cy="0"/>
+            </a:xfrm>
+            <a:prstGeom prst="line">
+              <a:avLst/>
+            </a:prstGeom>
+            <a:noFill/>
+            <a:ln w="12700">
+              <a:solidFill>
+                <a:srgbClr val="000000"/>
+              </a:solidFill>
+              <a:prstDash val="solid"/>
+              <a:round/>
+              <a:headEnd/>
+              <a:tailEnd/>
+            </a:ln>
+            <a:extLst>
+              <a:ext uri="{909E8E84-426E-40DD-AFC4-6F175D3DCCD1}">
+                <a14:hiddenFill xmlns:a14="http://schemas.microsoft.com/office/drawing/2010/main">
+                  <a:noFill/>
+                </a14:hiddenFill>
+              </a:ext>
+            </a:extLst>
+          </p:spPr>
+          <p:txBody>
+            <a:bodyPr vert="horz" wrap="square" lIns="91440" tIns="45720" rIns="91440" bIns="45720" numCol="1" anchor="t" anchorCtr="0" compatLnSpc="1">
+              <a:prstTxWarp prst="textNoShape">
+                <a:avLst/>
+              </a:prstTxWarp>
+            </a:bodyPr>
+            <a:lstStyle/>
+            <a:p>
+              <a:endParaRPr lang="en-US"/>
+            </a:p>
+          </p:txBody>
+        </p:sp>
+        <p:sp>
+          <p:nvSpPr>
+            <p:cNvPr id="156" name="Line 27">
+              <a:extLst>
+                <a:ext uri="{FF2B5EF4-FFF2-40B4-BE49-F238E27FC236}">
+                  <a16:creationId xmlns:a16="http://schemas.microsoft.com/office/drawing/2014/main" id="{1D3C54B9-FBEC-BF4B-85E6-022E1E1CE9E4}"/>
+                </a:ext>
+              </a:extLst>
+            </p:cNvPr>
+            <p:cNvSpPr>
+              <a:spLocks noChangeShapeType="1"/>
+            </p:cNvSpPr>
+            <p:nvPr/>
+          </p:nvSpPr>
+          <p:spPr bwMode="auto">
+            <a:xfrm flipV="1">
+              <a:off x="-2005" y="1488"/>
+              <a:ext cx="0" cy="74"/>
+            </a:xfrm>
+            <a:prstGeom prst="line">
+              <a:avLst/>
+            </a:prstGeom>
+            <a:noFill/>
+            <a:ln w="12700">
+              <a:solidFill>
+                <a:srgbClr val="000000"/>
+              </a:solidFill>
+              <a:prstDash val="solid"/>
+              <a:round/>
+              <a:headEnd/>
+              <a:tailEnd/>
+            </a:ln>
+            <a:extLst>
+              <a:ext uri="{909E8E84-426E-40DD-AFC4-6F175D3DCCD1}">
+                <a14:hiddenFill xmlns:a14="http://schemas.microsoft.com/office/drawing/2010/main">
+                  <a:noFill/>
+                </a14:hiddenFill>
+              </a:ext>
+            </a:extLst>
+          </p:spPr>
+          <p:txBody>
+            <a:bodyPr vert="horz" wrap="square" lIns="91440" tIns="45720" rIns="91440" bIns="45720" numCol="1" anchor="t" anchorCtr="0" compatLnSpc="1">
+              <a:prstTxWarp prst="textNoShape">
+                <a:avLst/>
+              </a:prstTxWarp>
+            </a:bodyPr>
+            <a:lstStyle/>
+            <a:p>
+              <a:endParaRPr lang="en-US"/>
+            </a:p>
+          </p:txBody>
+        </p:sp>
+        <p:sp>
+          <p:nvSpPr>
+            <p:cNvPr id="157" name="Line 28">
+              <a:extLst>
+                <a:ext uri="{FF2B5EF4-FFF2-40B4-BE49-F238E27FC236}">
+                  <a16:creationId xmlns:a16="http://schemas.microsoft.com/office/drawing/2014/main" id="{EE51A24F-3CCA-6246-B3C4-A0F7F5ED5EE8}"/>
+                </a:ext>
+              </a:extLst>
+            </p:cNvPr>
+            <p:cNvSpPr>
+              <a:spLocks noChangeShapeType="1"/>
+            </p:cNvSpPr>
+            <p:nvPr/>
+          </p:nvSpPr>
+          <p:spPr bwMode="auto">
+            <a:xfrm flipH="1">
+              <a:off x="-2081" y="1488"/>
+              <a:ext cx="76" cy="0"/>
+            </a:xfrm>
+            <a:prstGeom prst="line">
+              <a:avLst/>
+            </a:prstGeom>
+            <a:noFill/>
+            <a:ln w="12700">
+              <a:solidFill>
+                <a:srgbClr val="000000"/>
+              </a:solidFill>
+              <a:prstDash val="solid"/>
+              <a:round/>
+              <a:headEnd/>
+              <a:tailEnd/>
+            </a:ln>
+            <a:extLst>
+              <a:ext uri="{909E8E84-426E-40DD-AFC4-6F175D3DCCD1}">
+                <a14:hiddenFill xmlns:a14="http://schemas.microsoft.com/office/drawing/2010/main">
+                  <a:noFill/>
+                </a14:hiddenFill>
+              </a:ext>
+            </a:extLst>
+          </p:spPr>
+          <p:txBody>
+            <a:bodyPr vert="horz" wrap="square" lIns="91440" tIns="45720" rIns="91440" bIns="45720" numCol="1" anchor="t" anchorCtr="0" compatLnSpc="1">
+              <a:prstTxWarp prst="textNoShape">
+                <a:avLst/>
+              </a:prstTxWarp>
+            </a:bodyPr>
+            <a:lstStyle/>
+            <a:p>
+              <a:endParaRPr lang="en-US"/>
+            </a:p>
+          </p:txBody>
+        </p:sp>
+        <p:sp>
+          <p:nvSpPr>
+            <p:cNvPr id="158" name="Freeform 29">
+              <a:extLst>
+                <a:ext uri="{FF2B5EF4-FFF2-40B4-BE49-F238E27FC236}">
+                  <a16:creationId xmlns:a16="http://schemas.microsoft.com/office/drawing/2014/main" id="{188CFB7F-B24D-B14E-9AA1-87AB8224C6FF}"/>
+                </a:ext>
+              </a:extLst>
+            </p:cNvPr>
+            <p:cNvSpPr>
+              <a:spLocks/>
+            </p:cNvSpPr>
+            <p:nvPr/>
+          </p:nvSpPr>
+          <p:spPr bwMode="auto">
+            <a:xfrm>
+              <a:off x="-2093" y="1616"/>
+              <a:ext cx="118" cy="122"/>
+            </a:xfrm>
+            <a:custGeom>
+              <a:avLst/>
+              <a:gdLst>
+                <a:gd name="T0" fmla="*/ 79 w 118"/>
+                <a:gd name="T1" fmla="*/ 113 h 122"/>
+                <a:gd name="T2" fmla="*/ 68 w 118"/>
+                <a:gd name="T3" fmla="*/ 120 h 122"/>
+                <a:gd name="T4" fmla="*/ 58 w 118"/>
+                <a:gd name="T5" fmla="*/ 122 h 122"/>
+                <a:gd name="T6" fmla="*/ 54 w 118"/>
+                <a:gd name="T7" fmla="*/ 122 h 122"/>
+                <a:gd name="T8" fmla="*/ 37 w 118"/>
+                <a:gd name="T9" fmla="*/ 121 h 122"/>
+                <a:gd name="T10" fmla="*/ 30 w 118"/>
+                <a:gd name="T11" fmla="*/ 118 h 122"/>
+                <a:gd name="T12" fmla="*/ 23 w 118"/>
+                <a:gd name="T13" fmla="*/ 111 h 122"/>
+                <a:gd name="T14" fmla="*/ 20 w 118"/>
+                <a:gd name="T15" fmla="*/ 100 h 122"/>
+                <a:gd name="T16" fmla="*/ 15 w 118"/>
+                <a:gd name="T17" fmla="*/ 76 h 122"/>
+                <a:gd name="T18" fmla="*/ 14 w 118"/>
+                <a:gd name="T19" fmla="*/ 70 h 122"/>
+                <a:gd name="T20" fmla="*/ 10 w 118"/>
+                <a:gd name="T21" fmla="*/ 62 h 122"/>
+                <a:gd name="T22" fmla="*/ 2 w 118"/>
+                <a:gd name="T23" fmla="*/ 45 h 122"/>
+                <a:gd name="T24" fmla="*/ 0 w 118"/>
+                <a:gd name="T25" fmla="*/ 41 h 122"/>
+                <a:gd name="T26" fmla="*/ 2 w 118"/>
+                <a:gd name="T27" fmla="*/ 32 h 122"/>
+                <a:gd name="T28" fmla="*/ 4 w 118"/>
+                <a:gd name="T29" fmla="*/ 31 h 122"/>
+                <a:gd name="T30" fmla="*/ 7 w 118"/>
+                <a:gd name="T31" fmla="*/ 34 h 122"/>
+                <a:gd name="T32" fmla="*/ 22 w 118"/>
+                <a:gd name="T33" fmla="*/ 58 h 122"/>
+                <a:gd name="T34" fmla="*/ 23 w 118"/>
+                <a:gd name="T35" fmla="*/ 59 h 122"/>
+                <a:gd name="T36" fmla="*/ 29 w 118"/>
+                <a:gd name="T37" fmla="*/ 59 h 122"/>
+                <a:gd name="T38" fmla="*/ 30 w 118"/>
+                <a:gd name="T39" fmla="*/ 55 h 122"/>
+                <a:gd name="T40" fmla="*/ 26 w 118"/>
+                <a:gd name="T41" fmla="*/ 15 h 122"/>
+                <a:gd name="T42" fmla="*/ 29 w 118"/>
+                <a:gd name="T43" fmla="*/ 6 h 122"/>
+                <a:gd name="T44" fmla="*/ 30 w 118"/>
+                <a:gd name="T45" fmla="*/ 6 h 122"/>
+                <a:gd name="T46" fmla="*/ 35 w 118"/>
+                <a:gd name="T47" fmla="*/ 8 h 122"/>
+                <a:gd name="T48" fmla="*/ 37 w 118"/>
+                <a:gd name="T49" fmla="*/ 11 h 122"/>
+                <a:gd name="T50" fmla="*/ 41 w 118"/>
+                <a:gd name="T51" fmla="*/ 49 h 122"/>
+                <a:gd name="T52" fmla="*/ 42 w 118"/>
+                <a:gd name="T53" fmla="*/ 52 h 122"/>
+                <a:gd name="T54" fmla="*/ 45 w 118"/>
+                <a:gd name="T55" fmla="*/ 48 h 122"/>
+                <a:gd name="T56" fmla="*/ 46 w 118"/>
+                <a:gd name="T57" fmla="*/ 24 h 122"/>
+                <a:gd name="T58" fmla="*/ 49 w 118"/>
+                <a:gd name="T59" fmla="*/ 4 h 122"/>
+                <a:gd name="T60" fmla="*/ 54 w 118"/>
+                <a:gd name="T61" fmla="*/ 0 h 122"/>
+                <a:gd name="T62" fmla="*/ 58 w 118"/>
+                <a:gd name="T63" fmla="*/ 1 h 122"/>
+                <a:gd name="T64" fmla="*/ 60 w 118"/>
+                <a:gd name="T65" fmla="*/ 7 h 122"/>
+                <a:gd name="T66" fmla="*/ 56 w 118"/>
+                <a:gd name="T67" fmla="*/ 49 h 122"/>
+                <a:gd name="T68" fmla="*/ 56 w 118"/>
+                <a:gd name="T69" fmla="*/ 51 h 122"/>
+                <a:gd name="T70" fmla="*/ 60 w 118"/>
+                <a:gd name="T71" fmla="*/ 51 h 122"/>
+                <a:gd name="T72" fmla="*/ 62 w 118"/>
+                <a:gd name="T73" fmla="*/ 49 h 122"/>
+                <a:gd name="T74" fmla="*/ 77 w 118"/>
+                <a:gd name="T75" fmla="*/ 14 h 122"/>
+                <a:gd name="T76" fmla="*/ 80 w 118"/>
+                <a:gd name="T77" fmla="*/ 11 h 122"/>
+                <a:gd name="T78" fmla="*/ 87 w 118"/>
+                <a:gd name="T79" fmla="*/ 13 h 122"/>
+                <a:gd name="T80" fmla="*/ 88 w 118"/>
+                <a:gd name="T81" fmla="*/ 17 h 122"/>
+                <a:gd name="T82" fmla="*/ 87 w 118"/>
+                <a:gd name="T83" fmla="*/ 21 h 122"/>
+                <a:gd name="T84" fmla="*/ 72 w 118"/>
+                <a:gd name="T85" fmla="*/ 62 h 122"/>
+                <a:gd name="T86" fmla="*/ 72 w 118"/>
+                <a:gd name="T87" fmla="*/ 66 h 122"/>
+                <a:gd name="T88" fmla="*/ 73 w 118"/>
+                <a:gd name="T89" fmla="*/ 76 h 122"/>
+                <a:gd name="T90" fmla="*/ 74 w 118"/>
+                <a:gd name="T91" fmla="*/ 80 h 122"/>
+                <a:gd name="T92" fmla="*/ 81 w 118"/>
+                <a:gd name="T93" fmla="*/ 84 h 122"/>
+                <a:gd name="T94" fmla="*/ 88 w 118"/>
+                <a:gd name="T95" fmla="*/ 82 h 122"/>
+                <a:gd name="T96" fmla="*/ 100 w 118"/>
+                <a:gd name="T97" fmla="*/ 75 h 122"/>
+                <a:gd name="T98" fmla="*/ 108 w 118"/>
+                <a:gd name="T99" fmla="*/ 72 h 122"/>
+                <a:gd name="T100" fmla="*/ 111 w 118"/>
+                <a:gd name="T101" fmla="*/ 73 h 122"/>
+                <a:gd name="T102" fmla="*/ 118 w 118"/>
+                <a:gd name="T103" fmla="*/ 80 h 122"/>
+                <a:gd name="T104" fmla="*/ 115 w 118"/>
+                <a:gd name="T105" fmla="*/ 83 h 122"/>
+                <a:gd name="T106" fmla="*/ 108 w 118"/>
+                <a:gd name="T107" fmla="*/ 86 h 122"/>
+                <a:gd name="T108" fmla="*/ 95 w 118"/>
+                <a:gd name="T109" fmla="*/ 94 h 122"/>
+                <a:gd name="T110" fmla="*/ 88 w 118"/>
+                <a:gd name="T111" fmla="*/ 101 h 122"/>
+                <a:gd name="T112" fmla="*/ 79 w 118"/>
+                <a:gd name="T113" fmla="*/ 113 h 122"/>
+              </a:gdLst>
+              <a:ahLst/>
+              <a:cxnLst>
+                <a:cxn ang="0">
+                  <a:pos x="T0" y="T1"/>
+                </a:cxn>
+                <a:cxn ang="0">
+                  <a:pos x="T2" y="T3"/>
+                </a:cxn>
+                <a:cxn ang="0">
+                  <a:pos x="T4" y="T5"/>
+                </a:cxn>
+                <a:cxn ang="0">
+                  <a:pos x="T6" y="T7"/>
+                </a:cxn>
+                <a:cxn ang="0">
+                  <a:pos x="T8" y="T9"/>
+                </a:cxn>
+                <a:cxn ang="0">
+                  <a:pos x="T10" y="T11"/>
+                </a:cxn>
+                <a:cxn ang="0">
+                  <a:pos x="T12" y="T13"/>
+                </a:cxn>
+                <a:cxn ang="0">
+                  <a:pos x="T14" y="T15"/>
+                </a:cxn>
+                <a:cxn ang="0">
+                  <a:pos x="T16" y="T17"/>
+                </a:cxn>
+                <a:cxn ang="0">
+                  <a:pos x="T18" y="T19"/>
+                </a:cxn>
+                <a:cxn ang="0">
+                  <a:pos x="T20" y="T21"/>
+                </a:cxn>
+                <a:cxn ang="0">
+                  <a:pos x="T22" y="T23"/>
+                </a:cxn>
+                <a:cxn ang="0">
+                  <a:pos x="T24" y="T25"/>
+                </a:cxn>
+                <a:cxn ang="0">
+                  <a:pos x="T26" y="T27"/>
+                </a:cxn>
+                <a:cxn ang="0">
+                  <a:pos x="T28" y="T29"/>
+                </a:cxn>
+                <a:cxn ang="0">
+                  <a:pos x="T30" y="T31"/>
+                </a:cxn>
+                <a:cxn ang="0">
+                  <a:pos x="T32" y="T33"/>
+                </a:cxn>
+                <a:cxn ang="0">
+                  <a:pos x="T34" y="T35"/>
+                </a:cxn>
+                <a:cxn ang="0">
+                  <a:pos x="T36" y="T37"/>
+                </a:cxn>
+                <a:cxn ang="0">
+                  <a:pos x="T38" y="T39"/>
+                </a:cxn>
+                <a:cxn ang="0">
+                  <a:pos x="T40" y="T41"/>
+                </a:cxn>
+                <a:cxn ang="0">
+                  <a:pos x="T42" y="T43"/>
+                </a:cxn>
+                <a:cxn ang="0">
+                  <a:pos x="T44" y="T45"/>
+                </a:cxn>
+                <a:cxn ang="0">
+                  <a:pos x="T46" y="T47"/>
+                </a:cxn>
+                <a:cxn ang="0">
+                  <a:pos x="T48" y="T49"/>
+                </a:cxn>
+                <a:cxn ang="0">
+                  <a:pos x="T50" y="T51"/>
+                </a:cxn>
+                <a:cxn ang="0">
+                  <a:pos x="T52" y="T53"/>
+                </a:cxn>
+                <a:cxn ang="0">
+                  <a:pos x="T54" y="T55"/>
+                </a:cxn>
+                <a:cxn ang="0">
+                  <a:pos x="T56" y="T57"/>
+                </a:cxn>
+                <a:cxn ang="0">
+                  <a:pos x="T58" y="T59"/>
+                </a:cxn>
+                <a:cxn ang="0">
+                  <a:pos x="T60" y="T61"/>
+                </a:cxn>
+                <a:cxn ang="0">
+                  <a:pos x="T62" y="T63"/>
+                </a:cxn>
+                <a:cxn ang="0">
+                  <a:pos x="T64" y="T65"/>
+                </a:cxn>
+                <a:cxn ang="0">
+                  <a:pos x="T66" y="T67"/>
+                </a:cxn>
+                <a:cxn ang="0">
+                  <a:pos x="T68" y="T69"/>
+                </a:cxn>
+                <a:cxn ang="0">
+                  <a:pos x="T70" y="T71"/>
+                </a:cxn>
+                <a:cxn ang="0">
+                  <a:pos x="T72" y="T73"/>
+                </a:cxn>
+                <a:cxn ang="0">
+                  <a:pos x="T74" y="T75"/>
+                </a:cxn>
+                <a:cxn ang="0">
+                  <a:pos x="T76" y="T77"/>
+                </a:cxn>
+                <a:cxn ang="0">
+                  <a:pos x="T78" y="T79"/>
+                </a:cxn>
+                <a:cxn ang="0">
+                  <a:pos x="T80" y="T81"/>
+                </a:cxn>
+                <a:cxn ang="0">
+                  <a:pos x="T82" y="T83"/>
+                </a:cxn>
+                <a:cxn ang="0">
+                  <a:pos x="T84" y="T85"/>
+                </a:cxn>
+                <a:cxn ang="0">
+                  <a:pos x="T86" y="T87"/>
+                </a:cxn>
+                <a:cxn ang="0">
+                  <a:pos x="T88" y="T89"/>
+                </a:cxn>
+                <a:cxn ang="0">
+                  <a:pos x="T90" y="T91"/>
+                </a:cxn>
+                <a:cxn ang="0">
+                  <a:pos x="T92" y="T93"/>
+                </a:cxn>
+                <a:cxn ang="0">
+                  <a:pos x="T94" y="T95"/>
+                </a:cxn>
+                <a:cxn ang="0">
+                  <a:pos x="T96" y="T97"/>
+                </a:cxn>
+                <a:cxn ang="0">
+                  <a:pos x="T98" y="T99"/>
+                </a:cxn>
+                <a:cxn ang="0">
+                  <a:pos x="T100" y="T101"/>
+                </a:cxn>
+                <a:cxn ang="0">
+                  <a:pos x="T102" y="T103"/>
+                </a:cxn>
+                <a:cxn ang="0">
+                  <a:pos x="T104" y="T105"/>
+                </a:cxn>
+                <a:cxn ang="0">
+                  <a:pos x="T106" y="T107"/>
+                </a:cxn>
+                <a:cxn ang="0">
+                  <a:pos x="T108" y="T109"/>
+                </a:cxn>
+                <a:cxn ang="0">
+                  <a:pos x="T110" y="T111"/>
+                </a:cxn>
+                <a:cxn ang="0">
+                  <a:pos x="T112" y="T113"/>
+                </a:cxn>
+              </a:cxnLst>
+              <a:rect l="0" t="0" r="r" b="b"/>
+              <a:pathLst>
+                <a:path w="118" h="122">
+                  <a:moveTo>
+                    <a:pt x="79" y="113"/>
+                  </a:moveTo>
+                  <a:lnTo>
+                    <a:pt x="79" y="113"/>
+                  </a:lnTo>
+                  <a:lnTo>
+                    <a:pt x="74" y="117"/>
+                  </a:lnTo>
+                  <a:lnTo>
+                    <a:pt x="68" y="120"/>
+                  </a:lnTo>
+                  <a:lnTo>
+                    <a:pt x="62" y="122"/>
+                  </a:lnTo>
+                  <a:lnTo>
+                    <a:pt x="58" y="122"/>
+                  </a:lnTo>
+                  <a:lnTo>
+                    <a:pt x="54" y="122"/>
+                  </a:lnTo>
+                  <a:lnTo>
+                    <a:pt x="54" y="122"/>
+                  </a:lnTo>
+                  <a:lnTo>
+                    <a:pt x="45" y="122"/>
+                  </a:lnTo>
+                  <a:lnTo>
+                    <a:pt x="37" y="121"/>
+                  </a:lnTo>
+                  <a:lnTo>
+                    <a:pt x="33" y="121"/>
+                  </a:lnTo>
+                  <a:lnTo>
+                    <a:pt x="30" y="118"/>
+                  </a:lnTo>
+                  <a:lnTo>
+                    <a:pt x="26" y="115"/>
+                  </a:lnTo>
+                  <a:lnTo>
+                    <a:pt x="23" y="111"/>
+                  </a:lnTo>
+                  <a:lnTo>
+                    <a:pt x="23" y="111"/>
+                  </a:lnTo>
+                  <a:lnTo>
+                    <a:pt x="20" y="100"/>
+                  </a:lnTo>
+                  <a:lnTo>
+                    <a:pt x="18" y="90"/>
+                  </a:lnTo>
+                  <a:lnTo>
+                    <a:pt x="15" y="76"/>
+                  </a:lnTo>
+                  <a:lnTo>
+                    <a:pt x="15" y="76"/>
+                  </a:lnTo>
+                  <a:lnTo>
+                    <a:pt x="14" y="70"/>
+                  </a:lnTo>
+                  <a:lnTo>
+                    <a:pt x="10" y="62"/>
+                  </a:lnTo>
+                  <a:lnTo>
+                    <a:pt x="10" y="62"/>
+                  </a:lnTo>
+                  <a:lnTo>
+                    <a:pt x="4" y="52"/>
+                  </a:lnTo>
+                  <a:lnTo>
+                    <a:pt x="2" y="45"/>
+                  </a:lnTo>
+                  <a:lnTo>
+                    <a:pt x="0" y="41"/>
+                  </a:lnTo>
+                  <a:lnTo>
+                    <a:pt x="0" y="41"/>
+                  </a:lnTo>
+                  <a:lnTo>
+                    <a:pt x="0" y="37"/>
+                  </a:lnTo>
+                  <a:lnTo>
+                    <a:pt x="2" y="32"/>
+                  </a:lnTo>
+                  <a:lnTo>
+                    <a:pt x="3" y="31"/>
+                  </a:lnTo>
+                  <a:lnTo>
+                    <a:pt x="4" y="31"/>
+                  </a:lnTo>
+                  <a:lnTo>
+                    <a:pt x="6" y="32"/>
+                  </a:lnTo>
+                  <a:lnTo>
+                    <a:pt x="7" y="34"/>
+                  </a:lnTo>
+                  <a:lnTo>
+                    <a:pt x="7" y="34"/>
+                  </a:lnTo>
+                  <a:lnTo>
+                    <a:pt x="22" y="58"/>
+                  </a:lnTo>
+                  <a:lnTo>
+                    <a:pt x="22" y="58"/>
+                  </a:lnTo>
+                  <a:lnTo>
+                    <a:pt x="23" y="59"/>
+                  </a:lnTo>
+                  <a:lnTo>
+                    <a:pt x="26" y="59"/>
+                  </a:lnTo>
+                  <a:lnTo>
+                    <a:pt x="29" y="59"/>
+                  </a:lnTo>
+                  <a:lnTo>
+                    <a:pt x="30" y="55"/>
+                  </a:lnTo>
+                  <a:lnTo>
+                    <a:pt x="30" y="55"/>
+                  </a:lnTo>
+                  <a:lnTo>
+                    <a:pt x="26" y="15"/>
+                  </a:lnTo>
+                  <a:lnTo>
+                    <a:pt x="26" y="15"/>
+                  </a:lnTo>
+                  <a:lnTo>
+                    <a:pt x="27" y="8"/>
+                  </a:lnTo>
+                  <a:lnTo>
+                    <a:pt x="29" y="6"/>
+                  </a:lnTo>
+                  <a:lnTo>
+                    <a:pt x="30" y="6"/>
+                  </a:lnTo>
+                  <a:lnTo>
+                    <a:pt x="30" y="6"/>
+                  </a:lnTo>
+                  <a:lnTo>
+                    <a:pt x="34" y="6"/>
+                  </a:lnTo>
+                  <a:lnTo>
+                    <a:pt x="35" y="8"/>
+                  </a:lnTo>
+                  <a:lnTo>
+                    <a:pt x="37" y="11"/>
+                  </a:lnTo>
+                  <a:lnTo>
+                    <a:pt x="37" y="11"/>
+                  </a:lnTo>
+                  <a:lnTo>
+                    <a:pt x="41" y="49"/>
+                  </a:lnTo>
+                  <a:lnTo>
+                    <a:pt x="41" y="49"/>
+                  </a:lnTo>
+                  <a:lnTo>
+                    <a:pt x="41" y="51"/>
+                  </a:lnTo>
+                  <a:lnTo>
+                    <a:pt x="42" y="52"/>
+                  </a:lnTo>
+                  <a:lnTo>
+                    <a:pt x="43" y="52"/>
+                  </a:lnTo>
+                  <a:lnTo>
+                    <a:pt x="45" y="48"/>
+                  </a:lnTo>
+                  <a:lnTo>
+                    <a:pt x="45" y="48"/>
+                  </a:lnTo>
+                  <a:lnTo>
+                    <a:pt x="46" y="24"/>
+                  </a:lnTo>
+                  <a:lnTo>
+                    <a:pt x="49" y="4"/>
+                  </a:lnTo>
+                  <a:lnTo>
+                    <a:pt x="49" y="4"/>
+                  </a:lnTo>
+                  <a:lnTo>
+                    <a:pt x="50" y="1"/>
+                  </a:lnTo>
+                  <a:lnTo>
+                    <a:pt x="54" y="0"/>
+                  </a:lnTo>
+                  <a:lnTo>
+                    <a:pt x="57" y="0"/>
+                  </a:lnTo>
+                  <a:lnTo>
+                    <a:pt x="58" y="1"/>
+                  </a:lnTo>
+                  <a:lnTo>
+                    <a:pt x="60" y="3"/>
+                  </a:lnTo>
+                  <a:lnTo>
+                    <a:pt x="60" y="7"/>
+                  </a:lnTo>
+                  <a:lnTo>
+                    <a:pt x="60" y="7"/>
+                  </a:lnTo>
+                  <a:lnTo>
+                    <a:pt x="56" y="49"/>
+                  </a:lnTo>
+                  <a:lnTo>
+                    <a:pt x="56" y="49"/>
+                  </a:lnTo>
+                  <a:lnTo>
+                    <a:pt x="56" y="51"/>
+                  </a:lnTo>
+                  <a:lnTo>
+                    <a:pt x="58" y="52"/>
+                  </a:lnTo>
+                  <a:lnTo>
+                    <a:pt x="60" y="51"/>
+                  </a:lnTo>
+                  <a:lnTo>
+                    <a:pt x="62" y="49"/>
+                  </a:lnTo>
+                  <a:lnTo>
+                    <a:pt x="62" y="49"/>
+                  </a:lnTo>
+                  <a:lnTo>
+                    <a:pt x="77" y="14"/>
+                  </a:lnTo>
+                  <a:lnTo>
+                    <a:pt x="77" y="14"/>
+                  </a:lnTo>
+                  <a:lnTo>
+                    <a:pt x="79" y="13"/>
+                  </a:lnTo>
+                  <a:lnTo>
+                    <a:pt x="80" y="11"/>
+                  </a:lnTo>
+                  <a:lnTo>
+                    <a:pt x="85" y="11"/>
+                  </a:lnTo>
+                  <a:lnTo>
+                    <a:pt x="87" y="13"/>
+                  </a:lnTo>
+                  <a:lnTo>
+                    <a:pt x="88" y="14"/>
+                  </a:lnTo>
+                  <a:lnTo>
+                    <a:pt x="88" y="17"/>
+                  </a:lnTo>
+                  <a:lnTo>
+                    <a:pt x="87" y="21"/>
+                  </a:lnTo>
+                  <a:lnTo>
+                    <a:pt x="87" y="21"/>
+                  </a:lnTo>
+                  <a:lnTo>
+                    <a:pt x="79" y="44"/>
+                  </a:lnTo>
+                  <a:lnTo>
+                    <a:pt x="72" y="62"/>
+                  </a:lnTo>
+                  <a:lnTo>
+                    <a:pt x="72" y="62"/>
+                  </a:lnTo>
+                  <a:lnTo>
+                    <a:pt x="72" y="66"/>
+                  </a:lnTo>
+                  <a:lnTo>
+                    <a:pt x="72" y="72"/>
+                  </a:lnTo>
+                  <a:lnTo>
+                    <a:pt x="73" y="76"/>
+                  </a:lnTo>
+                  <a:lnTo>
+                    <a:pt x="74" y="80"/>
+                  </a:lnTo>
+                  <a:lnTo>
+                    <a:pt x="74" y="80"/>
+                  </a:lnTo>
+                  <a:lnTo>
+                    <a:pt x="77" y="83"/>
+                  </a:lnTo>
+                  <a:lnTo>
+                    <a:pt x="81" y="84"/>
+                  </a:lnTo>
+                  <a:lnTo>
+                    <a:pt x="84" y="84"/>
+                  </a:lnTo>
+                  <a:lnTo>
+                    <a:pt x="88" y="82"/>
+                  </a:lnTo>
+                  <a:lnTo>
+                    <a:pt x="88" y="82"/>
+                  </a:lnTo>
+                  <a:lnTo>
+                    <a:pt x="100" y="75"/>
+                  </a:lnTo>
+                  <a:lnTo>
+                    <a:pt x="106" y="72"/>
+                  </a:lnTo>
+                  <a:lnTo>
+                    <a:pt x="108" y="72"/>
+                  </a:lnTo>
+                  <a:lnTo>
+                    <a:pt x="111" y="73"/>
+                  </a:lnTo>
+                  <a:lnTo>
+                    <a:pt x="111" y="73"/>
+                  </a:lnTo>
+                  <a:lnTo>
+                    <a:pt x="116" y="76"/>
+                  </a:lnTo>
+                  <a:lnTo>
+                    <a:pt x="118" y="80"/>
+                  </a:lnTo>
+                  <a:lnTo>
+                    <a:pt x="116" y="82"/>
+                  </a:lnTo>
+                  <a:lnTo>
+                    <a:pt x="115" y="83"/>
+                  </a:lnTo>
+                  <a:lnTo>
+                    <a:pt x="108" y="86"/>
+                  </a:lnTo>
+                  <a:lnTo>
+                    <a:pt x="108" y="86"/>
+                  </a:lnTo>
+                  <a:lnTo>
+                    <a:pt x="100" y="90"/>
+                  </a:lnTo>
+                  <a:lnTo>
+                    <a:pt x="95" y="94"/>
+                  </a:lnTo>
+                  <a:lnTo>
+                    <a:pt x="88" y="101"/>
+                  </a:lnTo>
+                  <a:lnTo>
+                    <a:pt x="88" y="101"/>
+                  </a:lnTo>
+                  <a:lnTo>
+                    <a:pt x="79" y="113"/>
+                  </a:lnTo>
+                  <a:lnTo>
+                    <a:pt x="79" y="113"/>
+                  </a:lnTo>
+                  <a:close/>
+                </a:path>
+              </a:pathLst>
+            </a:custGeom>
+            <a:solidFill>
+              <a:srgbClr val="000000"/>
+            </a:solidFill>
+            <a:ln>
+              <a:noFill/>
+            </a:ln>
+            <a:extLst>
+              <a:ext uri="{91240B29-F687-4F45-9708-019B960494DF}">
+                <a14:hiddenLine xmlns:a14="http://schemas.microsoft.com/office/drawing/2010/main" w="9525">
+                  <a:solidFill>
+                    <a:srgbClr val="000000"/>
+                  </a:solidFill>
+                  <a:round/>
+                  <a:headEnd/>
+                  <a:tailEnd/>
+                </a14:hiddenLine>
+              </a:ext>
+            </a:extLst>
+          </p:spPr>
+          <p:txBody>
+            <a:bodyPr vert="horz" wrap="square" lIns="91440" tIns="45720" rIns="91440" bIns="45720" numCol="1" anchor="t" anchorCtr="0" compatLnSpc="1">
+              <a:prstTxWarp prst="textNoShape">
+                <a:avLst/>
+              </a:prstTxWarp>
+            </a:bodyPr>
+            <a:lstStyle/>
+            <a:p>
+              <a:endParaRPr lang="en-US"/>
+            </a:p>
+          </p:txBody>
+        </p:sp>
+      </p:grpSp>
       <p:graphicFrame>
         <p:nvGraphicFramePr>
           <p:cNvPr id="56" name="Group 29"/>
@@ -4693,7 +7723,7 @@
           <p:nvPr>
             <p:extLst>
               <p:ext uri="{D42A27DB-BD31-4B8C-83A1-F6EECF244321}">
-                <p14:modId xmlns:p14="http://schemas.microsoft.com/office/powerpoint/2010/main" val="2874204902"/>
+                <p14:modId xmlns:p14="http://schemas.microsoft.com/office/powerpoint/2010/main" val="2290055772"/>
               </p:ext>
             </p:extLst>
           </p:nvPr>
@@ -5497,8 +8527,35 @@
                           <a:ea typeface="ＭＳ Ｐゴシック" pitchFamily="-112" charset="-128"/>
                           <a:cs typeface="Times New Roman" pitchFamily="-112" charset="0"/>
                         </a:rPr>
-                        <a:t>ROUND COUNT:      19</a:t>
+                        <a:t>ROUND COUNT</a:t>
                       </a:r>
+                      <a:r>
+                        <a:rPr kumimoji="0" lang="en-US" sz="1100" b="1" i="0" u="none" strike="noStrike" cap="none" normalizeH="0" baseline="0">
+                          <a:ln>
+                            <a:noFill/>
+                          </a:ln>
+                          <a:solidFill>
+                            <a:schemeClr val="tx1"/>
+                          </a:solidFill>
+                          <a:effectLst/>
+                          <a:latin typeface="Arial" charset="0"/>
+                          <a:ea typeface="ＭＳ Ｐゴシック" pitchFamily="-112" charset="-128"/>
+                          <a:cs typeface="Times New Roman" pitchFamily="-112" charset="0"/>
+                        </a:rPr>
+                        <a:t>:      17</a:t>
+                      </a:r>
+                      <a:endParaRPr kumimoji="0" lang="en-US" sz="1100" b="1" i="0" u="none" strike="noStrike" cap="none" normalizeH="0" baseline="0" dirty="0">
+                        <a:ln>
+                          <a:noFill/>
+                        </a:ln>
+                        <a:solidFill>
+                          <a:schemeClr val="tx1"/>
+                        </a:solidFill>
+                        <a:effectLst/>
+                        <a:latin typeface="Arial" charset="0"/>
+                        <a:ea typeface="ＭＳ Ｐゴシック" pitchFamily="-112" charset="-128"/>
+                        <a:cs typeface="Times New Roman" pitchFamily="-112" charset="0"/>
+                      </a:endParaRPr>
                     </a:p>
                     <a:p>
                       <a:pPr marL="0" marR="0" lvl="0" indent="0" algn="l" defTabSz="966788" rtl="0" eaLnBrk="0" fontAlgn="base" latinLnBrk="0" hangingPunct="0">
@@ -5862,6 +8919,7 @@
                         <a:buFontTx/>
                         <a:buNone/>
                         <a:tabLst/>
+                        <a:defRPr/>
                       </a:pPr>
                       <a:r>
                         <a:rPr kumimoji="0" lang="en-US" sz="1100" b="0" i="0" u="none" strike="noStrike" cap="none" normalizeH="0" baseline="0" dirty="0">
@@ -5876,7 +8934,7 @@
                           <a:ea typeface="ＭＳ Ｐゴシック" pitchFamily="-112" charset="-128"/>
                           <a:cs typeface="Times New Roman" pitchFamily="-112" charset="0"/>
                         </a:rPr>
-                        <a:t>T1, T2 from P1</a:t>
+                        <a:t>PP1* from P1</a:t>
                       </a:r>
                     </a:p>
                     <a:p>
@@ -5909,7 +8967,7 @@
                           <a:ea typeface="ＭＳ Ｐゴシック" pitchFamily="-112" charset="-128"/>
                           <a:cs typeface="Times New Roman" pitchFamily="-112" charset="0"/>
                         </a:rPr>
-                        <a:t>PP1* from P2</a:t>
+                        <a:t>T1, T2 from P2</a:t>
                       </a:r>
                     </a:p>
                     <a:p>
@@ -6056,7 +9114,7 @@
                           <a:ea typeface="ＭＳ Ｐゴシック" pitchFamily="-112" charset="-128"/>
                           <a:cs typeface="Times New Roman" pitchFamily="-112" charset="0"/>
                         </a:rPr>
-                        <a:t>Engaging PP1 from anywhere outside of P2 is a DQ</a:t>
+                        <a:t>Engaging PP1 from anywhere outside of P1 is a DQ</a:t>
                       </a:r>
                     </a:p>
                   </a:txBody>
@@ -6162,7 +9220,7 @@
         </p:nvSpPr>
         <p:spPr>
           <a:xfrm>
-            <a:off x="4914310" y="8932313"/>
+            <a:off x="1884862" y="9047706"/>
             <a:ext cx="533400" cy="369332"/>
           </a:xfrm>
           <a:prstGeom prst="rect">
@@ -6319,7 +9377,7 @@
         </p:nvSpPr>
         <p:spPr>
           <a:xfrm>
-            <a:off x="1926625" y="8942442"/>
+            <a:off x="4864357" y="9026181"/>
             <a:ext cx="533400" cy="369332"/>
           </a:xfrm>
           <a:prstGeom prst="rect">
@@ -6356,9 +9414,9 @@
           <p:nvPr/>
         </p:nvCxnSpPr>
         <p:spPr>
-          <a:xfrm flipH="1" flipV="1">
-            <a:off x="5374085" y="8899160"/>
-            <a:ext cx="73625" cy="549640"/>
+          <a:xfrm flipV="1">
+            <a:off x="5205768" y="8899160"/>
+            <a:ext cx="168318" cy="549640"/>
           </a:xfrm>
           <a:prstGeom prst="line">
             <a:avLst/>
@@ -6437,8 +9495,8 @@
         </p:nvSpPr>
         <p:spPr bwMode="auto">
           <a:xfrm>
-            <a:off x="1981200" y="8168093"/>
-            <a:ext cx="1675505" cy="774349"/>
+            <a:off x="2578271" y="4755139"/>
+            <a:ext cx="1675505" cy="1208294"/>
           </a:xfrm>
           <a:prstGeom prst="rect">
             <a:avLst/>
@@ -6723,2495 +9781,6 @@
           </a:p>
         </p:txBody>
       </p:sp>
-      <p:grpSp>
-        <p:nvGrpSpPr>
-          <p:cNvPr id="261" name="Group 356">
-            <a:extLst>
-              <a:ext uri="{FF2B5EF4-FFF2-40B4-BE49-F238E27FC236}">
-                <a16:creationId xmlns:a16="http://schemas.microsoft.com/office/drawing/2014/main" id="{629510F2-4839-45B2-92FC-71DD287F9321}"/>
-              </a:ext>
-            </a:extLst>
-          </p:cNvPr>
-          <p:cNvGrpSpPr>
-            <a:grpSpLocks/>
-          </p:cNvGrpSpPr>
-          <p:nvPr/>
-        </p:nvGrpSpPr>
-        <p:grpSpPr bwMode="auto">
-          <a:xfrm>
-            <a:off x="1419724" y="4723686"/>
-            <a:ext cx="223838" cy="862012"/>
-            <a:chOff x="1296" y="773"/>
-            <a:chExt cx="141" cy="543"/>
-          </a:xfrm>
-        </p:grpSpPr>
-        <p:sp>
-          <p:nvSpPr>
-            <p:cNvPr id="262" name="Line 357">
-              <a:extLst>
-                <a:ext uri="{FF2B5EF4-FFF2-40B4-BE49-F238E27FC236}">
-                  <a16:creationId xmlns:a16="http://schemas.microsoft.com/office/drawing/2014/main" id="{7501E266-6B40-4210-8A9C-04E56A551909}"/>
-                </a:ext>
-              </a:extLst>
-            </p:cNvPr>
-            <p:cNvSpPr>
-              <a:spLocks noChangeShapeType="1"/>
-            </p:cNvSpPr>
-            <p:nvPr/>
-          </p:nvSpPr>
-          <p:spPr bwMode="auto">
-            <a:xfrm>
-              <a:off x="1303" y="1066"/>
-              <a:ext cx="0" cy="250"/>
-            </a:xfrm>
-            <a:prstGeom prst="line">
-              <a:avLst/>
-            </a:prstGeom>
-            <a:noFill/>
-            <a:ln w="28575">
-              <a:solidFill>
-                <a:schemeClr val="tx1"/>
-              </a:solidFill>
-              <a:round/>
-              <a:headEnd/>
-              <a:tailEnd/>
-            </a:ln>
-            <a:extLst>
-              <a:ext uri="{909E8E84-426E-40DD-AFC4-6F175D3DCCD1}">
-                <a14:hiddenFill xmlns:a14="http://schemas.microsoft.com/office/drawing/2010/main">
-                  <a:noFill/>
-                </a14:hiddenFill>
-              </a:ext>
-            </a:extLst>
-          </p:spPr>
-          <p:txBody>
-            <a:bodyPr wrap="none" anchor="ctr"/>
-            <a:lstStyle/>
-            <a:p>
-              <a:endParaRPr lang="en-US"/>
-            </a:p>
-          </p:txBody>
-        </p:sp>
-        <p:sp>
-          <p:nvSpPr>
-            <p:cNvPr id="263" name="Line 358">
-              <a:extLst>
-                <a:ext uri="{FF2B5EF4-FFF2-40B4-BE49-F238E27FC236}">
-                  <a16:creationId xmlns:a16="http://schemas.microsoft.com/office/drawing/2014/main" id="{1B9D8FFF-888A-4F9B-8E83-FFBC07B9397A}"/>
-                </a:ext>
-              </a:extLst>
-            </p:cNvPr>
-            <p:cNvSpPr>
-              <a:spLocks noChangeShapeType="1"/>
-            </p:cNvSpPr>
-            <p:nvPr/>
-          </p:nvSpPr>
-          <p:spPr bwMode="auto">
-            <a:xfrm>
-              <a:off x="1428" y="1024"/>
-              <a:ext cx="0" cy="251"/>
-            </a:xfrm>
-            <a:prstGeom prst="line">
-              <a:avLst/>
-            </a:prstGeom>
-            <a:noFill/>
-            <a:ln w="28575">
-              <a:solidFill>
-                <a:schemeClr val="tx1"/>
-              </a:solidFill>
-              <a:round/>
-              <a:headEnd/>
-              <a:tailEnd/>
-            </a:ln>
-            <a:extLst>
-              <a:ext uri="{909E8E84-426E-40DD-AFC4-6F175D3DCCD1}">
-                <a14:hiddenFill xmlns:a14="http://schemas.microsoft.com/office/drawing/2010/main">
-                  <a:noFill/>
-                </a14:hiddenFill>
-              </a:ext>
-            </a:extLst>
-          </p:spPr>
-          <p:txBody>
-            <a:bodyPr wrap="none" anchor="ctr"/>
-            <a:lstStyle/>
-            <a:p>
-              <a:endParaRPr lang="en-US"/>
-            </a:p>
-          </p:txBody>
-        </p:sp>
-        <p:grpSp>
-          <p:nvGrpSpPr>
-            <p:cNvPr id="264" name="Group 359">
-              <a:extLst>
-                <a:ext uri="{FF2B5EF4-FFF2-40B4-BE49-F238E27FC236}">
-                  <a16:creationId xmlns:a16="http://schemas.microsoft.com/office/drawing/2014/main" id="{90B85BA7-9ADB-4A43-9634-A0E3D6A42BCE}"/>
-                </a:ext>
-              </a:extLst>
-            </p:cNvPr>
-            <p:cNvGrpSpPr>
-              <a:grpSpLocks/>
-            </p:cNvGrpSpPr>
-            <p:nvPr/>
-          </p:nvGrpSpPr>
-          <p:grpSpPr bwMode="auto">
-            <a:xfrm>
-              <a:off x="1296" y="773"/>
-              <a:ext cx="141" cy="364"/>
-              <a:chOff x="1296" y="773"/>
-              <a:chExt cx="141" cy="364"/>
-            </a:xfrm>
-          </p:grpSpPr>
-          <p:sp>
-            <p:nvSpPr>
-              <p:cNvPr id="265" name="Freeform 360">
-                <a:extLst>
-                  <a:ext uri="{FF2B5EF4-FFF2-40B4-BE49-F238E27FC236}">
-                    <a16:creationId xmlns:a16="http://schemas.microsoft.com/office/drawing/2014/main" id="{4AA7D0D4-1A95-487D-BBBD-B8B7688BD5F1}"/>
-                  </a:ext>
-                </a:extLst>
-              </p:cNvPr>
-              <p:cNvSpPr>
-                <a:spLocks/>
-              </p:cNvSpPr>
-              <p:nvPr/>
-            </p:nvSpPr>
-            <p:spPr bwMode="auto">
-              <a:xfrm>
-                <a:off x="1296" y="773"/>
-                <a:ext cx="141" cy="364"/>
-              </a:xfrm>
-              <a:custGeom>
-                <a:avLst/>
-                <a:gdLst>
-                  <a:gd name="T0" fmla="*/ 53 w 141"/>
-                  <a:gd name="T1" fmla="*/ 12 h 364"/>
-                  <a:gd name="T2" fmla="*/ 104 w 141"/>
-                  <a:gd name="T3" fmla="*/ 0 h 364"/>
-                  <a:gd name="T4" fmla="*/ 103 w 141"/>
-                  <a:gd name="T5" fmla="*/ 61 h 364"/>
-                  <a:gd name="T6" fmla="*/ 123 w 141"/>
-                  <a:gd name="T7" fmla="*/ 65 h 364"/>
-                  <a:gd name="T8" fmla="*/ 141 w 141"/>
-                  <a:gd name="T9" fmla="*/ 82 h 364"/>
-                  <a:gd name="T10" fmla="*/ 141 w 141"/>
-                  <a:gd name="T11" fmla="*/ 270 h 364"/>
-                  <a:gd name="T12" fmla="*/ 121 w 141"/>
-                  <a:gd name="T13" fmla="*/ 333 h 364"/>
-                  <a:gd name="T14" fmla="*/ 33 w 141"/>
-                  <a:gd name="T15" fmla="*/ 364 h 364"/>
-                  <a:gd name="T16" fmla="*/ 0 w 141"/>
-                  <a:gd name="T17" fmla="*/ 308 h 364"/>
-                  <a:gd name="T18" fmla="*/ 0 w 141"/>
-                  <a:gd name="T19" fmla="*/ 120 h 364"/>
-                  <a:gd name="T20" fmla="*/ 29 w 141"/>
-                  <a:gd name="T21" fmla="*/ 85 h 364"/>
-                  <a:gd name="T22" fmla="*/ 53 w 141"/>
-                  <a:gd name="T23" fmla="*/ 73 h 364"/>
-                  <a:gd name="T24" fmla="*/ 53 w 141"/>
-                  <a:gd name="T25" fmla="*/ 15 h 364"/>
-                  <a:gd name="T26" fmla="*/ 0 60000 65536"/>
-                  <a:gd name="T27" fmla="*/ 0 60000 65536"/>
-                  <a:gd name="T28" fmla="*/ 0 60000 65536"/>
-                  <a:gd name="T29" fmla="*/ 0 60000 65536"/>
-                  <a:gd name="T30" fmla="*/ 0 60000 65536"/>
-                  <a:gd name="T31" fmla="*/ 0 60000 65536"/>
-                  <a:gd name="T32" fmla="*/ 0 60000 65536"/>
-                  <a:gd name="T33" fmla="*/ 0 60000 65536"/>
-                  <a:gd name="T34" fmla="*/ 0 60000 65536"/>
-                  <a:gd name="T35" fmla="*/ 0 60000 65536"/>
-                  <a:gd name="T36" fmla="*/ 0 60000 65536"/>
-                  <a:gd name="T37" fmla="*/ 0 60000 65536"/>
-                  <a:gd name="T38" fmla="*/ 0 60000 65536"/>
-                  <a:gd name="T39" fmla="*/ 0 w 141"/>
-                  <a:gd name="T40" fmla="*/ 0 h 364"/>
-                  <a:gd name="T41" fmla="*/ 141 w 141"/>
-                  <a:gd name="T42" fmla="*/ 364 h 364"/>
-                </a:gdLst>
-                <a:ahLst/>
-                <a:cxnLst>
-                  <a:cxn ang="T26">
-                    <a:pos x="T0" y="T1"/>
-                  </a:cxn>
-                  <a:cxn ang="T27">
-                    <a:pos x="T2" y="T3"/>
-                  </a:cxn>
-                  <a:cxn ang="T28">
-                    <a:pos x="T4" y="T5"/>
-                  </a:cxn>
-                  <a:cxn ang="T29">
-                    <a:pos x="T6" y="T7"/>
-                  </a:cxn>
-                  <a:cxn ang="T30">
-                    <a:pos x="T8" y="T9"/>
-                  </a:cxn>
-                  <a:cxn ang="T31">
-                    <a:pos x="T10" y="T11"/>
-                  </a:cxn>
-                  <a:cxn ang="T32">
-                    <a:pos x="T12" y="T13"/>
-                  </a:cxn>
-                  <a:cxn ang="T33">
-                    <a:pos x="T14" y="T15"/>
-                  </a:cxn>
-                  <a:cxn ang="T34">
-                    <a:pos x="T16" y="T17"/>
-                  </a:cxn>
-                  <a:cxn ang="T35">
-                    <a:pos x="T18" y="T19"/>
-                  </a:cxn>
-                  <a:cxn ang="T36">
-                    <a:pos x="T20" y="T21"/>
-                  </a:cxn>
-                  <a:cxn ang="T37">
-                    <a:pos x="T22" y="T23"/>
-                  </a:cxn>
-                  <a:cxn ang="T38">
-                    <a:pos x="T24" y="T25"/>
-                  </a:cxn>
-                </a:cxnLst>
-                <a:rect l="T39" t="T40" r="T41" b="T42"/>
-                <a:pathLst>
-                  <a:path w="141" h="364">
-                    <a:moveTo>
-                      <a:pt x="53" y="12"/>
-                    </a:moveTo>
-                    <a:lnTo>
-                      <a:pt x="104" y="0"/>
-                    </a:lnTo>
-                    <a:lnTo>
-                      <a:pt x="103" y="61"/>
-                    </a:lnTo>
-                    <a:lnTo>
-                      <a:pt x="123" y="65"/>
-                    </a:lnTo>
-                    <a:lnTo>
-                      <a:pt x="141" y="82"/>
-                    </a:lnTo>
-                    <a:lnTo>
-                      <a:pt x="141" y="270"/>
-                    </a:lnTo>
-                    <a:lnTo>
-                      <a:pt x="121" y="333"/>
-                    </a:lnTo>
-                    <a:lnTo>
-                      <a:pt x="33" y="364"/>
-                    </a:lnTo>
-                    <a:lnTo>
-                      <a:pt x="0" y="308"/>
-                    </a:lnTo>
-                    <a:lnTo>
-                      <a:pt x="0" y="120"/>
-                    </a:lnTo>
-                    <a:lnTo>
-                      <a:pt x="29" y="85"/>
-                    </a:lnTo>
-                    <a:lnTo>
-                      <a:pt x="53" y="73"/>
-                    </a:lnTo>
-                    <a:lnTo>
-                      <a:pt x="53" y="15"/>
-                    </a:lnTo>
-                  </a:path>
-                </a:pathLst>
-              </a:custGeom>
-              <a:solidFill>
-                <a:srgbClr val="FFCC99"/>
-              </a:solidFill>
-              <a:ln w="12700" cap="rnd">
-                <a:solidFill>
-                  <a:schemeClr val="tx1"/>
-                </a:solidFill>
-                <a:round/>
-                <a:headEnd/>
-                <a:tailEnd/>
-              </a:ln>
-            </p:spPr>
-            <p:txBody>
-              <a:bodyPr/>
-              <a:lstStyle/>
-              <a:p>
-                <a:endParaRPr lang="en-US"/>
-              </a:p>
-            </p:txBody>
-          </p:sp>
-          <p:sp>
-            <p:nvSpPr>
-              <p:cNvPr id="266" name="Freeform 361">
-                <a:extLst>
-                  <a:ext uri="{FF2B5EF4-FFF2-40B4-BE49-F238E27FC236}">
-                    <a16:creationId xmlns:a16="http://schemas.microsoft.com/office/drawing/2014/main" id="{831AC95C-50A5-4B92-909A-70D297725D5E}"/>
-                  </a:ext>
-                </a:extLst>
-              </p:cNvPr>
-              <p:cNvSpPr>
-                <a:spLocks/>
-              </p:cNvSpPr>
-              <p:nvPr/>
-            </p:nvSpPr>
-            <p:spPr bwMode="auto">
-              <a:xfrm>
-                <a:off x="1296" y="851"/>
-                <a:ext cx="56" cy="283"/>
-              </a:xfrm>
-              <a:custGeom>
-                <a:avLst/>
-                <a:gdLst>
-                  <a:gd name="T0" fmla="*/ 0 w 56"/>
-                  <a:gd name="T1" fmla="*/ 230 h 283"/>
-                  <a:gd name="T2" fmla="*/ 36 w 56"/>
-                  <a:gd name="T3" fmla="*/ 283 h 283"/>
-                  <a:gd name="T4" fmla="*/ 56 w 56"/>
-                  <a:gd name="T5" fmla="*/ 277 h 283"/>
-                  <a:gd name="T6" fmla="*/ 56 w 56"/>
-                  <a:gd name="T7" fmla="*/ 0 h 283"/>
-                  <a:gd name="T8" fmla="*/ 36 w 56"/>
-                  <a:gd name="T9" fmla="*/ 6 h 283"/>
-                  <a:gd name="T10" fmla="*/ 0 w 56"/>
-                  <a:gd name="T11" fmla="*/ 45 h 283"/>
-                  <a:gd name="T12" fmla="*/ 0 w 56"/>
-                  <a:gd name="T13" fmla="*/ 230 h 283"/>
-                  <a:gd name="T14" fmla="*/ 0 60000 65536"/>
-                  <a:gd name="T15" fmla="*/ 0 60000 65536"/>
-                  <a:gd name="T16" fmla="*/ 0 60000 65536"/>
-                  <a:gd name="T17" fmla="*/ 0 60000 65536"/>
-                  <a:gd name="T18" fmla="*/ 0 60000 65536"/>
-                  <a:gd name="T19" fmla="*/ 0 60000 65536"/>
-                  <a:gd name="T20" fmla="*/ 0 60000 65536"/>
-                  <a:gd name="T21" fmla="*/ 0 w 56"/>
-                  <a:gd name="T22" fmla="*/ 0 h 283"/>
-                  <a:gd name="T23" fmla="*/ 56 w 56"/>
-                  <a:gd name="T24" fmla="*/ 283 h 283"/>
-                </a:gdLst>
-                <a:ahLst/>
-                <a:cxnLst>
-                  <a:cxn ang="T14">
-                    <a:pos x="T0" y="T1"/>
-                  </a:cxn>
-                  <a:cxn ang="T15">
-                    <a:pos x="T2" y="T3"/>
-                  </a:cxn>
-                  <a:cxn ang="T16">
-                    <a:pos x="T4" y="T5"/>
-                  </a:cxn>
-                  <a:cxn ang="T17">
-                    <a:pos x="T6" y="T7"/>
-                  </a:cxn>
-                  <a:cxn ang="T18">
-                    <a:pos x="T8" y="T9"/>
-                  </a:cxn>
-                  <a:cxn ang="T19">
-                    <a:pos x="T10" y="T11"/>
-                  </a:cxn>
-                  <a:cxn ang="T20">
-                    <a:pos x="T12" y="T13"/>
-                  </a:cxn>
-                </a:cxnLst>
-                <a:rect l="T21" t="T22" r="T23" b="T24"/>
-                <a:pathLst>
-                  <a:path w="56" h="283">
-                    <a:moveTo>
-                      <a:pt x="0" y="230"/>
-                    </a:moveTo>
-                    <a:lnTo>
-                      <a:pt x="36" y="283"/>
-                    </a:lnTo>
-                    <a:lnTo>
-                      <a:pt x="56" y="277"/>
-                    </a:lnTo>
-                    <a:lnTo>
-                      <a:pt x="56" y="0"/>
-                    </a:lnTo>
-                    <a:lnTo>
-                      <a:pt x="36" y="6"/>
-                    </a:lnTo>
-                    <a:lnTo>
-                      <a:pt x="0" y="45"/>
-                    </a:lnTo>
-                    <a:lnTo>
-                      <a:pt x="0" y="230"/>
-                    </a:lnTo>
-                    <a:close/>
-                  </a:path>
-                </a:pathLst>
-              </a:custGeom>
-              <a:solidFill>
-                <a:schemeClr val="tx1"/>
-              </a:solidFill>
-              <a:ln w="0">
-                <a:solidFill>
-                  <a:schemeClr val="tx1"/>
-                </a:solidFill>
-                <a:round/>
-                <a:headEnd/>
-                <a:tailEnd/>
-              </a:ln>
-            </p:spPr>
-            <p:txBody>
-              <a:bodyPr/>
-              <a:lstStyle/>
-              <a:p>
-                <a:endParaRPr lang="en-US"/>
-              </a:p>
-            </p:txBody>
-          </p:sp>
-        </p:grpSp>
-      </p:grpSp>
-      <p:grpSp>
-        <p:nvGrpSpPr>
-          <p:cNvPr id="267" name="Group 368">
-            <a:extLst>
-              <a:ext uri="{FF2B5EF4-FFF2-40B4-BE49-F238E27FC236}">
-                <a16:creationId xmlns:a16="http://schemas.microsoft.com/office/drawing/2014/main" id="{586844CC-2D70-4C11-BC9C-3CB480CF49CD}"/>
-              </a:ext>
-            </a:extLst>
-          </p:cNvPr>
-          <p:cNvGrpSpPr>
-            <a:grpSpLocks/>
-          </p:cNvGrpSpPr>
-          <p:nvPr/>
-        </p:nvGrpSpPr>
-        <p:grpSpPr bwMode="auto">
-          <a:xfrm>
-            <a:off x="1724524" y="4715748"/>
-            <a:ext cx="228600" cy="862013"/>
-            <a:chOff x="1488" y="768"/>
-            <a:chExt cx="144" cy="543"/>
-          </a:xfrm>
-        </p:grpSpPr>
-        <p:sp>
-          <p:nvSpPr>
-            <p:cNvPr id="268" name="Line 369">
-              <a:extLst>
-                <a:ext uri="{FF2B5EF4-FFF2-40B4-BE49-F238E27FC236}">
-                  <a16:creationId xmlns:a16="http://schemas.microsoft.com/office/drawing/2014/main" id="{AF7E29B8-3B14-4244-AD09-DACC9909AF3D}"/>
-                </a:ext>
-              </a:extLst>
-            </p:cNvPr>
-            <p:cNvSpPr>
-              <a:spLocks noChangeShapeType="1"/>
-            </p:cNvSpPr>
-            <p:nvPr/>
-          </p:nvSpPr>
-          <p:spPr bwMode="auto">
-            <a:xfrm>
-              <a:off x="1495" y="1061"/>
-              <a:ext cx="0" cy="250"/>
-            </a:xfrm>
-            <a:prstGeom prst="line">
-              <a:avLst/>
-            </a:prstGeom>
-            <a:noFill/>
-            <a:ln w="28575">
-              <a:solidFill>
-                <a:schemeClr val="tx1"/>
-              </a:solidFill>
-              <a:round/>
-              <a:headEnd/>
-              <a:tailEnd/>
-            </a:ln>
-            <a:extLst>
-              <a:ext uri="{909E8E84-426E-40DD-AFC4-6F175D3DCCD1}">
-                <a14:hiddenFill xmlns:a14="http://schemas.microsoft.com/office/drawing/2010/main">
-                  <a:noFill/>
-                </a14:hiddenFill>
-              </a:ext>
-            </a:extLst>
-          </p:spPr>
-          <p:txBody>
-            <a:bodyPr wrap="none" anchor="ctr"/>
-            <a:lstStyle/>
-            <a:p>
-              <a:endParaRPr lang="en-US"/>
-            </a:p>
-          </p:txBody>
-        </p:sp>
-        <p:sp>
-          <p:nvSpPr>
-            <p:cNvPr id="269" name="Line 370">
-              <a:extLst>
-                <a:ext uri="{FF2B5EF4-FFF2-40B4-BE49-F238E27FC236}">
-                  <a16:creationId xmlns:a16="http://schemas.microsoft.com/office/drawing/2014/main" id="{26676D8D-B4E8-4C80-B425-EE9001FEEEA5}"/>
-                </a:ext>
-              </a:extLst>
-            </p:cNvPr>
-            <p:cNvSpPr>
-              <a:spLocks noChangeShapeType="1"/>
-            </p:cNvSpPr>
-            <p:nvPr/>
-          </p:nvSpPr>
-          <p:spPr bwMode="auto">
-            <a:xfrm>
-              <a:off x="1620" y="1019"/>
-              <a:ext cx="0" cy="251"/>
-            </a:xfrm>
-            <a:prstGeom prst="line">
-              <a:avLst/>
-            </a:prstGeom>
-            <a:noFill/>
-            <a:ln w="28575">
-              <a:solidFill>
-                <a:schemeClr val="tx1"/>
-              </a:solidFill>
-              <a:round/>
-              <a:headEnd/>
-              <a:tailEnd/>
-            </a:ln>
-            <a:extLst>
-              <a:ext uri="{909E8E84-426E-40DD-AFC4-6F175D3DCCD1}">
-                <a14:hiddenFill xmlns:a14="http://schemas.microsoft.com/office/drawing/2010/main">
-                  <a:noFill/>
-                </a14:hiddenFill>
-              </a:ext>
-            </a:extLst>
-          </p:spPr>
-          <p:txBody>
-            <a:bodyPr wrap="none" anchor="ctr"/>
-            <a:lstStyle/>
-            <a:p>
-              <a:endParaRPr lang="en-US"/>
-            </a:p>
-          </p:txBody>
-        </p:sp>
-        <p:grpSp>
-          <p:nvGrpSpPr>
-            <p:cNvPr id="270" name="Group 371">
-              <a:extLst>
-                <a:ext uri="{FF2B5EF4-FFF2-40B4-BE49-F238E27FC236}">
-                  <a16:creationId xmlns:a16="http://schemas.microsoft.com/office/drawing/2014/main" id="{583C27F8-9924-4EF8-85B3-53F715918882}"/>
-                </a:ext>
-              </a:extLst>
-            </p:cNvPr>
-            <p:cNvGrpSpPr>
-              <a:grpSpLocks/>
-            </p:cNvGrpSpPr>
-            <p:nvPr/>
-          </p:nvGrpSpPr>
-          <p:grpSpPr bwMode="auto">
-            <a:xfrm>
-              <a:off x="1488" y="768"/>
-              <a:ext cx="144" cy="364"/>
-              <a:chOff x="1488" y="768"/>
-              <a:chExt cx="144" cy="364"/>
-            </a:xfrm>
-          </p:grpSpPr>
-          <p:sp>
-            <p:nvSpPr>
-              <p:cNvPr id="271" name="Freeform 372">
-                <a:extLst>
-                  <a:ext uri="{FF2B5EF4-FFF2-40B4-BE49-F238E27FC236}">
-                    <a16:creationId xmlns:a16="http://schemas.microsoft.com/office/drawing/2014/main" id="{42D5AE69-206C-4140-B87F-7D4EBE95CC6E}"/>
-                  </a:ext>
-                </a:extLst>
-              </p:cNvPr>
-              <p:cNvSpPr>
-                <a:spLocks/>
-              </p:cNvSpPr>
-              <p:nvPr/>
-            </p:nvSpPr>
-            <p:spPr bwMode="auto">
-              <a:xfrm>
-                <a:off x="1488" y="768"/>
-                <a:ext cx="141" cy="364"/>
-              </a:xfrm>
-              <a:custGeom>
-                <a:avLst/>
-                <a:gdLst>
-                  <a:gd name="T0" fmla="*/ 53 w 141"/>
-                  <a:gd name="T1" fmla="*/ 12 h 364"/>
-                  <a:gd name="T2" fmla="*/ 104 w 141"/>
-                  <a:gd name="T3" fmla="*/ 0 h 364"/>
-                  <a:gd name="T4" fmla="*/ 103 w 141"/>
-                  <a:gd name="T5" fmla="*/ 61 h 364"/>
-                  <a:gd name="T6" fmla="*/ 123 w 141"/>
-                  <a:gd name="T7" fmla="*/ 65 h 364"/>
-                  <a:gd name="T8" fmla="*/ 141 w 141"/>
-                  <a:gd name="T9" fmla="*/ 82 h 364"/>
-                  <a:gd name="T10" fmla="*/ 141 w 141"/>
-                  <a:gd name="T11" fmla="*/ 270 h 364"/>
-                  <a:gd name="T12" fmla="*/ 121 w 141"/>
-                  <a:gd name="T13" fmla="*/ 333 h 364"/>
-                  <a:gd name="T14" fmla="*/ 33 w 141"/>
-                  <a:gd name="T15" fmla="*/ 364 h 364"/>
-                  <a:gd name="T16" fmla="*/ 0 w 141"/>
-                  <a:gd name="T17" fmla="*/ 308 h 364"/>
-                  <a:gd name="T18" fmla="*/ 0 w 141"/>
-                  <a:gd name="T19" fmla="*/ 120 h 364"/>
-                  <a:gd name="T20" fmla="*/ 29 w 141"/>
-                  <a:gd name="T21" fmla="*/ 85 h 364"/>
-                  <a:gd name="T22" fmla="*/ 53 w 141"/>
-                  <a:gd name="T23" fmla="*/ 73 h 364"/>
-                  <a:gd name="T24" fmla="*/ 53 w 141"/>
-                  <a:gd name="T25" fmla="*/ 15 h 364"/>
-                  <a:gd name="T26" fmla="*/ 0 60000 65536"/>
-                  <a:gd name="T27" fmla="*/ 0 60000 65536"/>
-                  <a:gd name="T28" fmla="*/ 0 60000 65536"/>
-                  <a:gd name="T29" fmla="*/ 0 60000 65536"/>
-                  <a:gd name="T30" fmla="*/ 0 60000 65536"/>
-                  <a:gd name="T31" fmla="*/ 0 60000 65536"/>
-                  <a:gd name="T32" fmla="*/ 0 60000 65536"/>
-                  <a:gd name="T33" fmla="*/ 0 60000 65536"/>
-                  <a:gd name="T34" fmla="*/ 0 60000 65536"/>
-                  <a:gd name="T35" fmla="*/ 0 60000 65536"/>
-                  <a:gd name="T36" fmla="*/ 0 60000 65536"/>
-                  <a:gd name="T37" fmla="*/ 0 60000 65536"/>
-                  <a:gd name="T38" fmla="*/ 0 60000 65536"/>
-                  <a:gd name="T39" fmla="*/ 0 w 141"/>
-                  <a:gd name="T40" fmla="*/ 0 h 364"/>
-                  <a:gd name="T41" fmla="*/ 141 w 141"/>
-                  <a:gd name="T42" fmla="*/ 364 h 364"/>
-                </a:gdLst>
-                <a:ahLst/>
-                <a:cxnLst>
-                  <a:cxn ang="T26">
-                    <a:pos x="T0" y="T1"/>
-                  </a:cxn>
-                  <a:cxn ang="T27">
-                    <a:pos x="T2" y="T3"/>
-                  </a:cxn>
-                  <a:cxn ang="T28">
-                    <a:pos x="T4" y="T5"/>
-                  </a:cxn>
-                  <a:cxn ang="T29">
-                    <a:pos x="T6" y="T7"/>
-                  </a:cxn>
-                  <a:cxn ang="T30">
-                    <a:pos x="T8" y="T9"/>
-                  </a:cxn>
-                  <a:cxn ang="T31">
-                    <a:pos x="T10" y="T11"/>
-                  </a:cxn>
-                  <a:cxn ang="T32">
-                    <a:pos x="T12" y="T13"/>
-                  </a:cxn>
-                  <a:cxn ang="T33">
-                    <a:pos x="T14" y="T15"/>
-                  </a:cxn>
-                  <a:cxn ang="T34">
-                    <a:pos x="T16" y="T17"/>
-                  </a:cxn>
-                  <a:cxn ang="T35">
-                    <a:pos x="T18" y="T19"/>
-                  </a:cxn>
-                  <a:cxn ang="T36">
-                    <a:pos x="T20" y="T21"/>
-                  </a:cxn>
-                  <a:cxn ang="T37">
-                    <a:pos x="T22" y="T23"/>
-                  </a:cxn>
-                  <a:cxn ang="T38">
-                    <a:pos x="T24" y="T25"/>
-                  </a:cxn>
-                </a:cxnLst>
-                <a:rect l="T39" t="T40" r="T41" b="T42"/>
-                <a:pathLst>
-                  <a:path w="141" h="364">
-                    <a:moveTo>
-                      <a:pt x="53" y="12"/>
-                    </a:moveTo>
-                    <a:lnTo>
-                      <a:pt x="104" y="0"/>
-                    </a:lnTo>
-                    <a:lnTo>
-                      <a:pt x="103" y="61"/>
-                    </a:lnTo>
-                    <a:lnTo>
-                      <a:pt x="123" y="65"/>
-                    </a:lnTo>
-                    <a:lnTo>
-                      <a:pt x="141" y="82"/>
-                    </a:lnTo>
-                    <a:lnTo>
-                      <a:pt x="141" y="270"/>
-                    </a:lnTo>
-                    <a:lnTo>
-                      <a:pt x="121" y="333"/>
-                    </a:lnTo>
-                    <a:lnTo>
-                      <a:pt x="33" y="364"/>
-                    </a:lnTo>
-                    <a:lnTo>
-                      <a:pt x="0" y="308"/>
-                    </a:lnTo>
-                    <a:lnTo>
-                      <a:pt x="0" y="120"/>
-                    </a:lnTo>
-                    <a:lnTo>
-                      <a:pt x="29" y="85"/>
-                    </a:lnTo>
-                    <a:lnTo>
-                      <a:pt x="53" y="73"/>
-                    </a:lnTo>
-                    <a:lnTo>
-                      <a:pt x="53" y="15"/>
-                    </a:lnTo>
-                  </a:path>
-                </a:pathLst>
-              </a:custGeom>
-              <a:solidFill>
-                <a:srgbClr val="FFCC99"/>
-              </a:solidFill>
-              <a:ln w="12700" cap="rnd">
-                <a:solidFill>
-                  <a:schemeClr val="tx1"/>
-                </a:solidFill>
-                <a:round/>
-                <a:headEnd/>
-                <a:tailEnd/>
-              </a:ln>
-            </p:spPr>
-            <p:txBody>
-              <a:bodyPr/>
-              <a:lstStyle/>
-              <a:p>
-                <a:endParaRPr lang="en-US"/>
-              </a:p>
-            </p:txBody>
-          </p:sp>
-          <p:sp>
-            <p:nvSpPr>
-              <p:cNvPr id="272" name="Freeform 373">
-                <a:extLst>
-                  <a:ext uri="{FF2B5EF4-FFF2-40B4-BE49-F238E27FC236}">
-                    <a16:creationId xmlns:a16="http://schemas.microsoft.com/office/drawing/2014/main" id="{F3EF2FB1-0FA0-4F05-BCC8-8B5D40D2743E}"/>
-                  </a:ext>
-                </a:extLst>
-              </p:cNvPr>
-              <p:cNvSpPr>
-                <a:spLocks/>
-              </p:cNvSpPr>
-              <p:nvPr/>
-            </p:nvSpPr>
-            <p:spPr bwMode="auto">
-              <a:xfrm>
-                <a:off x="1589" y="831"/>
-                <a:ext cx="43" cy="276"/>
-              </a:xfrm>
-              <a:custGeom>
-                <a:avLst/>
-                <a:gdLst>
-                  <a:gd name="T0" fmla="*/ 43 w 43"/>
-                  <a:gd name="T1" fmla="*/ 209 h 276"/>
-                  <a:gd name="T2" fmla="*/ 28 w 43"/>
-                  <a:gd name="T3" fmla="*/ 264 h 276"/>
-                  <a:gd name="T4" fmla="*/ 0 w 43"/>
-                  <a:gd name="T5" fmla="*/ 276 h 276"/>
-                  <a:gd name="T6" fmla="*/ 0 w 43"/>
-                  <a:gd name="T7" fmla="*/ 0 h 276"/>
-                  <a:gd name="T8" fmla="*/ 22 w 43"/>
-                  <a:gd name="T9" fmla="*/ 0 h 276"/>
-                  <a:gd name="T10" fmla="*/ 40 w 43"/>
-                  <a:gd name="T11" fmla="*/ 21 h 276"/>
-                  <a:gd name="T12" fmla="*/ 43 w 43"/>
-                  <a:gd name="T13" fmla="*/ 209 h 276"/>
-                  <a:gd name="T14" fmla="*/ 0 60000 65536"/>
-                  <a:gd name="T15" fmla="*/ 0 60000 65536"/>
-                  <a:gd name="T16" fmla="*/ 0 60000 65536"/>
-                  <a:gd name="T17" fmla="*/ 0 60000 65536"/>
-                  <a:gd name="T18" fmla="*/ 0 60000 65536"/>
-                  <a:gd name="T19" fmla="*/ 0 60000 65536"/>
-                  <a:gd name="T20" fmla="*/ 0 60000 65536"/>
-                  <a:gd name="T21" fmla="*/ 0 w 43"/>
-                  <a:gd name="T22" fmla="*/ 0 h 276"/>
-                  <a:gd name="T23" fmla="*/ 43 w 43"/>
-                  <a:gd name="T24" fmla="*/ 276 h 276"/>
-                </a:gdLst>
-                <a:ahLst/>
-                <a:cxnLst>
-                  <a:cxn ang="T14">
-                    <a:pos x="T0" y="T1"/>
-                  </a:cxn>
-                  <a:cxn ang="T15">
-                    <a:pos x="T2" y="T3"/>
-                  </a:cxn>
-                  <a:cxn ang="T16">
-                    <a:pos x="T4" y="T5"/>
-                  </a:cxn>
-                  <a:cxn ang="T17">
-                    <a:pos x="T6" y="T7"/>
-                  </a:cxn>
-                  <a:cxn ang="T18">
-                    <a:pos x="T8" y="T9"/>
-                  </a:cxn>
-                  <a:cxn ang="T19">
-                    <a:pos x="T10" y="T11"/>
-                  </a:cxn>
-                  <a:cxn ang="T20">
-                    <a:pos x="T12" y="T13"/>
-                  </a:cxn>
-                </a:cxnLst>
-                <a:rect l="T21" t="T22" r="T23" b="T24"/>
-                <a:pathLst>
-                  <a:path w="43" h="276">
-                    <a:moveTo>
-                      <a:pt x="43" y="209"/>
-                    </a:moveTo>
-                    <a:lnTo>
-                      <a:pt x="28" y="264"/>
-                    </a:lnTo>
-                    <a:lnTo>
-                      <a:pt x="0" y="276"/>
-                    </a:lnTo>
-                    <a:lnTo>
-                      <a:pt x="0" y="0"/>
-                    </a:lnTo>
-                    <a:lnTo>
-                      <a:pt x="22" y="0"/>
-                    </a:lnTo>
-                    <a:lnTo>
-                      <a:pt x="40" y="21"/>
-                    </a:lnTo>
-                    <a:lnTo>
-                      <a:pt x="43" y="209"/>
-                    </a:lnTo>
-                    <a:close/>
-                  </a:path>
-                </a:pathLst>
-              </a:custGeom>
-              <a:solidFill>
-                <a:schemeClr val="tx1"/>
-              </a:solidFill>
-              <a:ln w="0">
-                <a:solidFill>
-                  <a:schemeClr val="tx1"/>
-                </a:solidFill>
-                <a:round/>
-                <a:headEnd/>
-                <a:tailEnd/>
-              </a:ln>
-            </p:spPr>
-            <p:txBody>
-              <a:bodyPr/>
-              <a:lstStyle/>
-              <a:p>
-                <a:endParaRPr lang="en-US"/>
-              </a:p>
-            </p:txBody>
-          </p:sp>
-        </p:grpSp>
-      </p:grpSp>
-      <p:grpSp>
-        <p:nvGrpSpPr>
-          <p:cNvPr id="273" name="Group 32">
-            <a:extLst>
-              <a:ext uri="{FF2B5EF4-FFF2-40B4-BE49-F238E27FC236}">
-                <a16:creationId xmlns:a16="http://schemas.microsoft.com/office/drawing/2014/main" id="{4D65E1F9-E00E-4577-B9BF-E6D8A1F880B4}"/>
-              </a:ext>
-            </a:extLst>
-          </p:cNvPr>
-          <p:cNvGrpSpPr>
-            <a:grpSpLocks noChangeAspect="1"/>
-          </p:cNvGrpSpPr>
-          <p:nvPr/>
-        </p:nvGrpSpPr>
-        <p:grpSpPr bwMode="auto">
-          <a:xfrm>
-            <a:off x="1621642" y="4943554"/>
-            <a:ext cx="228600" cy="984250"/>
-            <a:chOff x="-3024" y="1431"/>
-            <a:chExt cx="144" cy="620"/>
-          </a:xfrm>
-        </p:grpSpPr>
-        <p:sp>
-          <p:nvSpPr>
-            <p:cNvPr id="274" name="AutoShape 31">
-              <a:extLst>
-                <a:ext uri="{FF2B5EF4-FFF2-40B4-BE49-F238E27FC236}">
-                  <a16:creationId xmlns:a16="http://schemas.microsoft.com/office/drawing/2014/main" id="{CD6EFA4F-BDAA-4507-8C99-CFADF2BB3D86}"/>
-                </a:ext>
-              </a:extLst>
-            </p:cNvPr>
-            <p:cNvSpPr>
-              <a:spLocks noChangeAspect="1" noChangeArrowheads="1" noTextEdit="1"/>
-            </p:cNvSpPr>
-            <p:nvPr/>
-          </p:nvSpPr>
-          <p:spPr bwMode="auto">
-            <a:xfrm>
-              <a:off x="-3024" y="1431"/>
-              <a:ext cx="144" cy="620"/>
-            </a:xfrm>
-            <a:prstGeom prst="rect">
-              <a:avLst/>
-            </a:prstGeom>
-            <a:noFill/>
-            <a:ln>
-              <a:noFill/>
-            </a:ln>
-            <a:extLst>
-              <a:ext uri="{909E8E84-426E-40DD-AFC4-6F175D3DCCD1}">
-                <a14:hiddenFill xmlns:a14="http://schemas.microsoft.com/office/drawing/2010/main">
-                  <a:solidFill>
-                    <a:srgbClr val="FFFFFF"/>
-                  </a:solidFill>
-                </a14:hiddenFill>
-              </a:ext>
-              <a:ext uri="{91240B29-F687-4F45-9708-019B960494DF}">
-                <a14:hiddenLine xmlns:a14="http://schemas.microsoft.com/office/drawing/2010/main" w="9525">
-                  <a:solidFill>
-                    <a:srgbClr val="000000"/>
-                  </a:solidFill>
-                  <a:miter lim="800000"/>
-                  <a:headEnd/>
-                  <a:tailEnd/>
-                </a14:hiddenLine>
-              </a:ext>
-            </a:extLst>
-          </p:spPr>
-          <p:txBody>
-            <a:bodyPr vert="horz" wrap="square" lIns="91440" tIns="45720" rIns="91440" bIns="45720" numCol="1" anchor="t" anchorCtr="0" compatLnSpc="1">
-              <a:prstTxWarp prst="textNoShape">
-                <a:avLst/>
-              </a:prstTxWarp>
-            </a:bodyPr>
-            <a:lstStyle/>
-            <a:p>
-              <a:endParaRPr lang="en-US"/>
-            </a:p>
-          </p:txBody>
-        </p:sp>
-        <p:sp>
-          <p:nvSpPr>
-            <p:cNvPr id="275" name="Rectangle 33">
-              <a:extLst>
-                <a:ext uri="{FF2B5EF4-FFF2-40B4-BE49-F238E27FC236}">
-                  <a16:creationId xmlns:a16="http://schemas.microsoft.com/office/drawing/2014/main" id="{7F692320-B4DC-4F8A-B41A-7D9412FA934E}"/>
-                </a:ext>
-              </a:extLst>
-            </p:cNvPr>
-            <p:cNvSpPr>
-              <a:spLocks noChangeArrowheads="1"/>
-            </p:cNvSpPr>
-            <p:nvPr/>
-          </p:nvSpPr>
-          <p:spPr bwMode="auto">
-            <a:xfrm>
-              <a:off x="-2912" y="1739"/>
-              <a:ext cx="14" cy="271"/>
-            </a:xfrm>
-            <a:prstGeom prst="rect">
-              <a:avLst/>
-            </a:prstGeom>
-            <a:solidFill>
-              <a:schemeClr val="tx1"/>
-            </a:solidFill>
-            <a:ln>
-              <a:noFill/>
-            </a:ln>
-            <a:extLst>
-              <a:ext uri="{91240B29-F687-4F45-9708-019B960494DF}">
-                <a14:hiddenLine xmlns:a14="http://schemas.microsoft.com/office/drawing/2010/main" w="9525">
-                  <a:solidFill>
-                    <a:srgbClr val="000000"/>
-                  </a:solidFill>
-                  <a:miter lim="800000"/>
-                  <a:headEnd/>
-                  <a:tailEnd/>
-                </a14:hiddenLine>
-              </a:ext>
-            </a:extLst>
-          </p:spPr>
-          <p:txBody>
-            <a:bodyPr vert="horz" wrap="square" lIns="91440" tIns="45720" rIns="91440" bIns="45720" numCol="1" anchor="t" anchorCtr="0" compatLnSpc="1">
-              <a:prstTxWarp prst="textNoShape">
-                <a:avLst/>
-              </a:prstTxWarp>
-            </a:bodyPr>
-            <a:lstStyle/>
-            <a:p>
-              <a:endParaRPr lang="en-US"/>
-            </a:p>
-          </p:txBody>
-        </p:sp>
-        <p:sp>
-          <p:nvSpPr>
-            <p:cNvPr id="276" name="Rectangle 34">
-              <a:extLst>
-                <a:ext uri="{FF2B5EF4-FFF2-40B4-BE49-F238E27FC236}">
-                  <a16:creationId xmlns:a16="http://schemas.microsoft.com/office/drawing/2014/main" id="{3AB0DBD5-C5D9-4527-97F2-A53FE36AF969}"/>
-                </a:ext>
-              </a:extLst>
-            </p:cNvPr>
-            <p:cNvSpPr>
-              <a:spLocks noChangeArrowheads="1"/>
-            </p:cNvSpPr>
-            <p:nvPr/>
-          </p:nvSpPr>
-          <p:spPr bwMode="auto">
-            <a:xfrm>
-              <a:off x="-3006" y="1778"/>
-              <a:ext cx="14" cy="271"/>
-            </a:xfrm>
-            <a:prstGeom prst="rect">
-              <a:avLst/>
-            </a:prstGeom>
-            <a:solidFill>
-              <a:schemeClr val="tx1"/>
-            </a:solidFill>
-            <a:ln>
-              <a:noFill/>
-            </a:ln>
-            <a:extLst>
-              <a:ext uri="{91240B29-F687-4F45-9708-019B960494DF}">
-                <a14:hiddenLine xmlns:a14="http://schemas.microsoft.com/office/drawing/2010/main" w="9525">
-                  <a:solidFill>
-                    <a:srgbClr val="000000"/>
-                  </a:solidFill>
-                  <a:miter lim="800000"/>
-                  <a:headEnd/>
-                  <a:tailEnd/>
-                </a14:hiddenLine>
-              </a:ext>
-            </a:extLst>
-          </p:spPr>
-          <p:txBody>
-            <a:bodyPr vert="horz" wrap="square" lIns="91440" tIns="45720" rIns="91440" bIns="45720" numCol="1" anchor="t" anchorCtr="0" compatLnSpc="1">
-              <a:prstTxWarp prst="textNoShape">
-                <a:avLst/>
-              </a:prstTxWarp>
-            </a:bodyPr>
-            <a:lstStyle/>
-            <a:p>
-              <a:endParaRPr lang="en-US"/>
-            </a:p>
-          </p:txBody>
-        </p:sp>
-        <p:sp>
-          <p:nvSpPr>
-            <p:cNvPr id="277" name="Freeform 35">
-              <a:extLst>
-                <a:ext uri="{FF2B5EF4-FFF2-40B4-BE49-F238E27FC236}">
-                  <a16:creationId xmlns:a16="http://schemas.microsoft.com/office/drawing/2014/main" id="{191F820C-DEFB-46B7-A770-A3CABC5B3225}"/>
-                </a:ext>
-              </a:extLst>
-            </p:cNvPr>
-            <p:cNvSpPr>
-              <a:spLocks/>
-            </p:cNvSpPr>
-            <p:nvPr/>
-          </p:nvSpPr>
-          <p:spPr bwMode="auto">
-            <a:xfrm>
-              <a:off x="-3019" y="1438"/>
-              <a:ext cx="132" cy="442"/>
-            </a:xfrm>
-            <a:custGeom>
-              <a:avLst/>
-              <a:gdLst>
-                <a:gd name="T0" fmla="*/ 48 w 132"/>
-                <a:gd name="T1" fmla="*/ 19 h 442"/>
-                <a:gd name="T2" fmla="*/ 97 w 132"/>
-                <a:gd name="T3" fmla="*/ 0 h 442"/>
-                <a:gd name="T4" fmla="*/ 97 w 132"/>
-                <a:gd name="T5" fmla="*/ 78 h 442"/>
-                <a:gd name="T6" fmla="*/ 114 w 132"/>
-                <a:gd name="T7" fmla="*/ 84 h 442"/>
-                <a:gd name="T8" fmla="*/ 132 w 132"/>
-                <a:gd name="T9" fmla="*/ 103 h 442"/>
-                <a:gd name="T10" fmla="*/ 132 w 132"/>
-                <a:gd name="T11" fmla="*/ 329 h 442"/>
-                <a:gd name="T12" fmla="*/ 113 w 132"/>
-                <a:gd name="T13" fmla="*/ 403 h 442"/>
-                <a:gd name="T14" fmla="*/ 30 w 132"/>
-                <a:gd name="T15" fmla="*/ 442 h 442"/>
-                <a:gd name="T16" fmla="*/ 0 w 132"/>
-                <a:gd name="T17" fmla="*/ 375 h 442"/>
-                <a:gd name="T18" fmla="*/ 0 w 132"/>
-                <a:gd name="T19" fmla="*/ 149 h 442"/>
-                <a:gd name="T20" fmla="*/ 21 w 132"/>
-                <a:gd name="T21" fmla="*/ 114 h 442"/>
-                <a:gd name="T22" fmla="*/ 46 w 132"/>
-                <a:gd name="T23" fmla="*/ 101 h 442"/>
-                <a:gd name="T24" fmla="*/ 48 w 132"/>
-                <a:gd name="T25" fmla="*/ 19 h 442"/>
-                <a:gd name="T26" fmla="*/ 48 w 132"/>
-                <a:gd name="T27" fmla="*/ 19 h 442"/>
-              </a:gdLst>
-              <a:ahLst/>
-              <a:cxnLst>
-                <a:cxn ang="0">
-                  <a:pos x="T0" y="T1"/>
-                </a:cxn>
-                <a:cxn ang="0">
-                  <a:pos x="T2" y="T3"/>
-                </a:cxn>
-                <a:cxn ang="0">
-                  <a:pos x="T4" y="T5"/>
-                </a:cxn>
-                <a:cxn ang="0">
-                  <a:pos x="T6" y="T7"/>
-                </a:cxn>
-                <a:cxn ang="0">
-                  <a:pos x="T8" y="T9"/>
-                </a:cxn>
-                <a:cxn ang="0">
-                  <a:pos x="T10" y="T11"/>
-                </a:cxn>
-                <a:cxn ang="0">
-                  <a:pos x="T12" y="T13"/>
-                </a:cxn>
-                <a:cxn ang="0">
-                  <a:pos x="T14" y="T15"/>
-                </a:cxn>
-                <a:cxn ang="0">
-                  <a:pos x="T16" y="T17"/>
-                </a:cxn>
-                <a:cxn ang="0">
-                  <a:pos x="T18" y="T19"/>
-                </a:cxn>
-                <a:cxn ang="0">
-                  <a:pos x="T20" y="T21"/>
-                </a:cxn>
-                <a:cxn ang="0">
-                  <a:pos x="T22" y="T23"/>
-                </a:cxn>
-                <a:cxn ang="0">
-                  <a:pos x="T24" y="T25"/>
-                </a:cxn>
-                <a:cxn ang="0">
-                  <a:pos x="T26" y="T27"/>
-                </a:cxn>
-              </a:cxnLst>
-              <a:rect l="0" t="0" r="r" b="b"/>
-              <a:pathLst>
-                <a:path w="132" h="442">
-                  <a:moveTo>
-                    <a:pt x="48" y="19"/>
-                  </a:moveTo>
-                  <a:lnTo>
-                    <a:pt x="97" y="0"/>
-                  </a:lnTo>
-                  <a:lnTo>
-                    <a:pt x="97" y="78"/>
-                  </a:lnTo>
-                  <a:lnTo>
-                    <a:pt x="114" y="84"/>
-                  </a:lnTo>
-                  <a:lnTo>
-                    <a:pt x="132" y="103"/>
-                  </a:lnTo>
-                  <a:lnTo>
-                    <a:pt x="132" y="329"/>
-                  </a:lnTo>
-                  <a:lnTo>
-                    <a:pt x="113" y="403"/>
-                  </a:lnTo>
-                  <a:lnTo>
-                    <a:pt x="30" y="442"/>
-                  </a:lnTo>
-                  <a:lnTo>
-                    <a:pt x="0" y="375"/>
-                  </a:lnTo>
-                  <a:lnTo>
-                    <a:pt x="0" y="149"/>
-                  </a:lnTo>
-                  <a:lnTo>
-                    <a:pt x="21" y="114"/>
-                  </a:lnTo>
-                  <a:lnTo>
-                    <a:pt x="46" y="101"/>
-                  </a:lnTo>
-                  <a:lnTo>
-                    <a:pt x="48" y="19"/>
-                  </a:lnTo>
-                  <a:lnTo>
-                    <a:pt x="48" y="19"/>
-                  </a:lnTo>
-                  <a:close/>
-                </a:path>
-              </a:pathLst>
-            </a:custGeom>
-            <a:solidFill>
-              <a:srgbClr val="FDC784"/>
-            </a:solidFill>
-            <a:ln>
-              <a:noFill/>
-            </a:ln>
-            <a:extLst>
-              <a:ext uri="{91240B29-F687-4F45-9708-019B960494DF}">
-                <a14:hiddenLine xmlns:a14="http://schemas.microsoft.com/office/drawing/2010/main" w="9525">
-                  <a:solidFill>
-                    <a:srgbClr val="000000"/>
-                  </a:solidFill>
-                  <a:round/>
-                  <a:headEnd/>
-                  <a:tailEnd/>
-                </a14:hiddenLine>
-              </a:ext>
-            </a:extLst>
-          </p:spPr>
-          <p:txBody>
-            <a:bodyPr vert="horz" wrap="square" lIns="91440" tIns="45720" rIns="91440" bIns="45720" numCol="1" anchor="t" anchorCtr="0" compatLnSpc="1">
-              <a:prstTxWarp prst="textNoShape">
-                <a:avLst/>
-              </a:prstTxWarp>
-            </a:bodyPr>
-            <a:lstStyle/>
-            <a:p>
-              <a:endParaRPr lang="en-US"/>
-            </a:p>
-          </p:txBody>
-        </p:sp>
-        <p:sp>
-          <p:nvSpPr>
-            <p:cNvPr id="278" name="Line 36">
-              <a:extLst>
-                <a:ext uri="{FF2B5EF4-FFF2-40B4-BE49-F238E27FC236}">
-                  <a16:creationId xmlns:a16="http://schemas.microsoft.com/office/drawing/2014/main" id="{76ABBD9B-61AA-47B8-917B-F9D034C47ED0}"/>
-                </a:ext>
-              </a:extLst>
-            </p:cNvPr>
-            <p:cNvSpPr>
-              <a:spLocks noChangeShapeType="1"/>
-            </p:cNvSpPr>
-            <p:nvPr/>
-          </p:nvSpPr>
-          <p:spPr bwMode="auto">
-            <a:xfrm flipV="1">
-              <a:off x="-2971" y="1438"/>
-              <a:ext cx="49" cy="19"/>
-            </a:xfrm>
-            <a:prstGeom prst="line">
-              <a:avLst/>
-            </a:prstGeom>
-            <a:noFill/>
-            <a:ln w="17463">
-              <a:solidFill>
-                <a:srgbClr val="000000"/>
-              </a:solidFill>
-              <a:prstDash val="solid"/>
-              <a:round/>
-              <a:headEnd/>
-              <a:tailEnd/>
-            </a:ln>
-            <a:extLst>
-              <a:ext uri="{909E8E84-426E-40DD-AFC4-6F175D3DCCD1}">
-                <a14:hiddenFill xmlns:a14="http://schemas.microsoft.com/office/drawing/2010/main">
-                  <a:noFill/>
-                </a14:hiddenFill>
-              </a:ext>
-            </a:extLst>
-          </p:spPr>
-          <p:txBody>
-            <a:bodyPr vert="horz" wrap="square" lIns="91440" tIns="45720" rIns="91440" bIns="45720" numCol="1" anchor="t" anchorCtr="0" compatLnSpc="1">
-              <a:prstTxWarp prst="textNoShape">
-                <a:avLst/>
-              </a:prstTxWarp>
-            </a:bodyPr>
-            <a:lstStyle/>
-            <a:p>
-              <a:endParaRPr lang="en-US"/>
-            </a:p>
-          </p:txBody>
-        </p:sp>
-        <p:sp>
-          <p:nvSpPr>
-            <p:cNvPr id="279" name="Line 37">
-              <a:extLst>
-                <a:ext uri="{FF2B5EF4-FFF2-40B4-BE49-F238E27FC236}">
-                  <a16:creationId xmlns:a16="http://schemas.microsoft.com/office/drawing/2014/main" id="{80EC7717-7ABA-4C4F-B654-8F2F929054D6}"/>
-                </a:ext>
-              </a:extLst>
-            </p:cNvPr>
-            <p:cNvSpPr>
-              <a:spLocks noChangeShapeType="1"/>
-            </p:cNvSpPr>
-            <p:nvPr/>
-          </p:nvSpPr>
-          <p:spPr bwMode="auto">
-            <a:xfrm>
-              <a:off x="-2922" y="1438"/>
-              <a:ext cx="0" cy="78"/>
-            </a:xfrm>
-            <a:prstGeom prst="line">
-              <a:avLst/>
-            </a:prstGeom>
-            <a:noFill/>
-            <a:ln w="14288">
-              <a:solidFill>
-                <a:srgbClr val="000000"/>
-              </a:solidFill>
-              <a:prstDash val="solid"/>
-              <a:round/>
-              <a:headEnd/>
-              <a:tailEnd/>
-            </a:ln>
-            <a:extLst>
-              <a:ext uri="{909E8E84-426E-40DD-AFC4-6F175D3DCCD1}">
-                <a14:hiddenFill xmlns:a14="http://schemas.microsoft.com/office/drawing/2010/main">
-                  <a:noFill/>
-                </a14:hiddenFill>
-              </a:ext>
-            </a:extLst>
-          </p:spPr>
-          <p:txBody>
-            <a:bodyPr vert="horz" wrap="square" lIns="91440" tIns="45720" rIns="91440" bIns="45720" numCol="1" anchor="t" anchorCtr="0" compatLnSpc="1">
-              <a:prstTxWarp prst="textNoShape">
-                <a:avLst/>
-              </a:prstTxWarp>
-            </a:bodyPr>
-            <a:lstStyle/>
-            <a:p>
-              <a:endParaRPr lang="en-US"/>
-            </a:p>
-          </p:txBody>
-        </p:sp>
-        <p:sp>
-          <p:nvSpPr>
-            <p:cNvPr id="280" name="Line 38">
-              <a:extLst>
-                <a:ext uri="{FF2B5EF4-FFF2-40B4-BE49-F238E27FC236}">
-                  <a16:creationId xmlns:a16="http://schemas.microsoft.com/office/drawing/2014/main" id="{F82206D3-F3A7-499E-A8E4-75899F743362}"/>
-                </a:ext>
-              </a:extLst>
-            </p:cNvPr>
-            <p:cNvSpPr>
-              <a:spLocks noChangeShapeType="1"/>
-            </p:cNvSpPr>
-            <p:nvPr/>
-          </p:nvSpPr>
-          <p:spPr bwMode="auto">
-            <a:xfrm>
-              <a:off x="-2922" y="1516"/>
-              <a:ext cx="17" cy="6"/>
-            </a:xfrm>
-            <a:prstGeom prst="line">
-              <a:avLst/>
-            </a:prstGeom>
-            <a:noFill/>
-            <a:ln w="17463">
-              <a:solidFill>
-                <a:srgbClr val="000000"/>
-              </a:solidFill>
-              <a:prstDash val="solid"/>
-              <a:round/>
-              <a:headEnd/>
-              <a:tailEnd/>
-            </a:ln>
-            <a:extLst>
-              <a:ext uri="{909E8E84-426E-40DD-AFC4-6F175D3DCCD1}">
-                <a14:hiddenFill xmlns:a14="http://schemas.microsoft.com/office/drawing/2010/main">
-                  <a:noFill/>
-                </a14:hiddenFill>
-              </a:ext>
-            </a:extLst>
-          </p:spPr>
-          <p:txBody>
-            <a:bodyPr vert="horz" wrap="square" lIns="91440" tIns="45720" rIns="91440" bIns="45720" numCol="1" anchor="t" anchorCtr="0" compatLnSpc="1">
-              <a:prstTxWarp prst="textNoShape">
-                <a:avLst/>
-              </a:prstTxWarp>
-            </a:bodyPr>
-            <a:lstStyle/>
-            <a:p>
-              <a:endParaRPr lang="en-US"/>
-            </a:p>
-          </p:txBody>
-        </p:sp>
-        <p:sp>
-          <p:nvSpPr>
-            <p:cNvPr id="281" name="Line 39">
-              <a:extLst>
-                <a:ext uri="{FF2B5EF4-FFF2-40B4-BE49-F238E27FC236}">
-                  <a16:creationId xmlns:a16="http://schemas.microsoft.com/office/drawing/2014/main" id="{B3C6CCAC-3C95-4AEB-B97F-2E225B390903}"/>
-                </a:ext>
-              </a:extLst>
-            </p:cNvPr>
-            <p:cNvSpPr>
-              <a:spLocks noChangeShapeType="1"/>
-            </p:cNvSpPr>
-            <p:nvPr/>
-          </p:nvSpPr>
-          <p:spPr bwMode="auto">
-            <a:xfrm>
-              <a:off x="-2905" y="1522"/>
-              <a:ext cx="18" cy="19"/>
-            </a:xfrm>
-            <a:prstGeom prst="line">
-              <a:avLst/>
-            </a:prstGeom>
-            <a:noFill/>
-            <a:ln w="19050">
-              <a:solidFill>
-                <a:srgbClr val="000000"/>
-              </a:solidFill>
-              <a:prstDash val="solid"/>
-              <a:round/>
-              <a:headEnd/>
-              <a:tailEnd/>
-            </a:ln>
-            <a:extLst>
-              <a:ext uri="{909E8E84-426E-40DD-AFC4-6F175D3DCCD1}">
-                <a14:hiddenFill xmlns:a14="http://schemas.microsoft.com/office/drawing/2010/main">
-                  <a:noFill/>
-                </a14:hiddenFill>
-              </a:ext>
-            </a:extLst>
-          </p:spPr>
-          <p:txBody>
-            <a:bodyPr vert="horz" wrap="square" lIns="91440" tIns="45720" rIns="91440" bIns="45720" numCol="1" anchor="t" anchorCtr="0" compatLnSpc="1">
-              <a:prstTxWarp prst="textNoShape">
-                <a:avLst/>
-              </a:prstTxWarp>
-            </a:bodyPr>
-            <a:lstStyle/>
-            <a:p>
-              <a:endParaRPr lang="en-US"/>
-            </a:p>
-          </p:txBody>
-        </p:sp>
-        <p:sp>
-          <p:nvSpPr>
-            <p:cNvPr id="282" name="Line 40">
-              <a:extLst>
-                <a:ext uri="{FF2B5EF4-FFF2-40B4-BE49-F238E27FC236}">
-                  <a16:creationId xmlns:a16="http://schemas.microsoft.com/office/drawing/2014/main" id="{306824F6-7E4B-47F9-80A6-3062A7D0B763}"/>
-                </a:ext>
-              </a:extLst>
-            </p:cNvPr>
-            <p:cNvSpPr>
-              <a:spLocks noChangeShapeType="1"/>
-            </p:cNvSpPr>
-            <p:nvPr/>
-          </p:nvSpPr>
-          <p:spPr bwMode="auto">
-            <a:xfrm>
-              <a:off x="-2887" y="1541"/>
-              <a:ext cx="0" cy="226"/>
-            </a:xfrm>
-            <a:prstGeom prst="line">
-              <a:avLst/>
-            </a:prstGeom>
-            <a:noFill/>
-            <a:ln w="14288">
-              <a:solidFill>
-                <a:srgbClr val="000000"/>
-              </a:solidFill>
-              <a:prstDash val="solid"/>
-              <a:round/>
-              <a:headEnd/>
-              <a:tailEnd/>
-            </a:ln>
-            <a:extLst>
-              <a:ext uri="{909E8E84-426E-40DD-AFC4-6F175D3DCCD1}">
-                <a14:hiddenFill xmlns:a14="http://schemas.microsoft.com/office/drawing/2010/main">
-                  <a:noFill/>
-                </a14:hiddenFill>
-              </a:ext>
-            </a:extLst>
-          </p:spPr>
-          <p:txBody>
-            <a:bodyPr vert="horz" wrap="square" lIns="91440" tIns="45720" rIns="91440" bIns="45720" numCol="1" anchor="t" anchorCtr="0" compatLnSpc="1">
-              <a:prstTxWarp prst="textNoShape">
-                <a:avLst/>
-              </a:prstTxWarp>
-            </a:bodyPr>
-            <a:lstStyle/>
-            <a:p>
-              <a:endParaRPr lang="en-US"/>
-            </a:p>
-          </p:txBody>
-        </p:sp>
-        <p:sp>
-          <p:nvSpPr>
-            <p:cNvPr id="283" name="Line 41">
-              <a:extLst>
-                <a:ext uri="{FF2B5EF4-FFF2-40B4-BE49-F238E27FC236}">
-                  <a16:creationId xmlns:a16="http://schemas.microsoft.com/office/drawing/2014/main" id="{989D79CA-00D3-48FA-81D9-C599C657AB81}"/>
-                </a:ext>
-              </a:extLst>
-            </p:cNvPr>
-            <p:cNvSpPr>
-              <a:spLocks noChangeShapeType="1"/>
-            </p:cNvSpPr>
-            <p:nvPr/>
-          </p:nvSpPr>
-          <p:spPr bwMode="auto">
-            <a:xfrm flipH="1">
-              <a:off x="-2906" y="1767"/>
-              <a:ext cx="19" cy="74"/>
-            </a:xfrm>
-            <a:prstGeom prst="line">
-              <a:avLst/>
-            </a:prstGeom>
-            <a:noFill/>
-            <a:ln w="17463">
-              <a:solidFill>
-                <a:srgbClr val="000000"/>
-              </a:solidFill>
-              <a:prstDash val="solid"/>
-              <a:round/>
-              <a:headEnd/>
-              <a:tailEnd/>
-            </a:ln>
-            <a:extLst>
-              <a:ext uri="{909E8E84-426E-40DD-AFC4-6F175D3DCCD1}">
-                <a14:hiddenFill xmlns:a14="http://schemas.microsoft.com/office/drawing/2010/main">
-                  <a:noFill/>
-                </a14:hiddenFill>
-              </a:ext>
-            </a:extLst>
-          </p:spPr>
-          <p:txBody>
-            <a:bodyPr vert="horz" wrap="square" lIns="91440" tIns="45720" rIns="91440" bIns="45720" numCol="1" anchor="t" anchorCtr="0" compatLnSpc="1">
-              <a:prstTxWarp prst="textNoShape">
-                <a:avLst/>
-              </a:prstTxWarp>
-            </a:bodyPr>
-            <a:lstStyle/>
-            <a:p>
-              <a:endParaRPr lang="en-US"/>
-            </a:p>
-          </p:txBody>
-        </p:sp>
-        <p:sp>
-          <p:nvSpPr>
-            <p:cNvPr id="284" name="Line 42">
-              <a:extLst>
-                <a:ext uri="{FF2B5EF4-FFF2-40B4-BE49-F238E27FC236}">
-                  <a16:creationId xmlns:a16="http://schemas.microsoft.com/office/drawing/2014/main" id="{9DAED74E-254F-4554-9C4B-B3EF39E84D2F}"/>
-                </a:ext>
-              </a:extLst>
-            </p:cNvPr>
-            <p:cNvSpPr>
-              <a:spLocks noChangeShapeType="1"/>
-            </p:cNvSpPr>
-            <p:nvPr/>
-          </p:nvSpPr>
-          <p:spPr bwMode="auto">
-            <a:xfrm flipH="1">
-              <a:off x="-2989" y="1841"/>
-              <a:ext cx="83" cy="39"/>
-            </a:xfrm>
-            <a:prstGeom prst="line">
-              <a:avLst/>
-            </a:prstGeom>
-            <a:noFill/>
-            <a:ln w="17463">
-              <a:solidFill>
-                <a:srgbClr val="000000"/>
-              </a:solidFill>
-              <a:prstDash val="solid"/>
-              <a:round/>
-              <a:headEnd/>
-              <a:tailEnd/>
-            </a:ln>
-            <a:extLst>
-              <a:ext uri="{909E8E84-426E-40DD-AFC4-6F175D3DCCD1}">
-                <a14:hiddenFill xmlns:a14="http://schemas.microsoft.com/office/drawing/2010/main">
-                  <a:noFill/>
-                </a14:hiddenFill>
-              </a:ext>
-            </a:extLst>
-          </p:spPr>
-          <p:txBody>
-            <a:bodyPr vert="horz" wrap="square" lIns="91440" tIns="45720" rIns="91440" bIns="45720" numCol="1" anchor="t" anchorCtr="0" compatLnSpc="1">
-              <a:prstTxWarp prst="textNoShape">
-                <a:avLst/>
-              </a:prstTxWarp>
-            </a:bodyPr>
-            <a:lstStyle/>
-            <a:p>
-              <a:endParaRPr lang="en-US"/>
-            </a:p>
-          </p:txBody>
-        </p:sp>
-        <p:sp>
-          <p:nvSpPr>
-            <p:cNvPr id="285" name="Line 43">
-              <a:extLst>
-                <a:ext uri="{FF2B5EF4-FFF2-40B4-BE49-F238E27FC236}">
-                  <a16:creationId xmlns:a16="http://schemas.microsoft.com/office/drawing/2014/main" id="{F193B4B2-09F5-41B7-AB99-4D2664AE351C}"/>
-                </a:ext>
-              </a:extLst>
-            </p:cNvPr>
-            <p:cNvSpPr>
-              <a:spLocks noChangeShapeType="1"/>
-            </p:cNvSpPr>
-            <p:nvPr/>
-          </p:nvSpPr>
-          <p:spPr bwMode="auto">
-            <a:xfrm flipH="1" flipV="1">
-              <a:off x="-3019" y="1813"/>
-              <a:ext cx="30" cy="67"/>
-            </a:xfrm>
-            <a:prstGeom prst="line">
-              <a:avLst/>
-            </a:prstGeom>
-            <a:noFill/>
-            <a:ln w="17463">
-              <a:solidFill>
-                <a:srgbClr val="000000"/>
-              </a:solidFill>
-              <a:prstDash val="solid"/>
-              <a:round/>
-              <a:headEnd/>
-              <a:tailEnd/>
-            </a:ln>
-            <a:extLst>
-              <a:ext uri="{909E8E84-426E-40DD-AFC4-6F175D3DCCD1}">
-                <a14:hiddenFill xmlns:a14="http://schemas.microsoft.com/office/drawing/2010/main">
-                  <a:noFill/>
-                </a14:hiddenFill>
-              </a:ext>
-            </a:extLst>
-          </p:spPr>
-          <p:txBody>
-            <a:bodyPr vert="horz" wrap="square" lIns="91440" tIns="45720" rIns="91440" bIns="45720" numCol="1" anchor="t" anchorCtr="0" compatLnSpc="1">
-              <a:prstTxWarp prst="textNoShape">
-                <a:avLst/>
-              </a:prstTxWarp>
-            </a:bodyPr>
-            <a:lstStyle/>
-            <a:p>
-              <a:endParaRPr lang="en-US"/>
-            </a:p>
-          </p:txBody>
-        </p:sp>
-        <p:sp>
-          <p:nvSpPr>
-            <p:cNvPr id="286" name="Line 44">
-              <a:extLst>
-                <a:ext uri="{FF2B5EF4-FFF2-40B4-BE49-F238E27FC236}">
-                  <a16:creationId xmlns:a16="http://schemas.microsoft.com/office/drawing/2014/main" id="{A49EB811-84C9-4ED3-9FB8-0F15144B887A}"/>
-                </a:ext>
-              </a:extLst>
-            </p:cNvPr>
-            <p:cNvSpPr>
-              <a:spLocks noChangeShapeType="1"/>
-            </p:cNvSpPr>
-            <p:nvPr/>
-          </p:nvSpPr>
-          <p:spPr bwMode="auto">
-            <a:xfrm flipV="1">
-              <a:off x="-3019" y="1587"/>
-              <a:ext cx="0" cy="226"/>
-            </a:xfrm>
-            <a:prstGeom prst="line">
-              <a:avLst/>
-            </a:prstGeom>
-            <a:noFill/>
-            <a:ln w="14288">
-              <a:solidFill>
-                <a:srgbClr val="000000"/>
-              </a:solidFill>
-              <a:prstDash val="solid"/>
-              <a:round/>
-              <a:headEnd/>
-              <a:tailEnd/>
-            </a:ln>
-            <a:extLst>
-              <a:ext uri="{909E8E84-426E-40DD-AFC4-6F175D3DCCD1}">
-                <a14:hiddenFill xmlns:a14="http://schemas.microsoft.com/office/drawing/2010/main">
-                  <a:noFill/>
-                </a14:hiddenFill>
-              </a:ext>
-            </a:extLst>
-          </p:spPr>
-          <p:txBody>
-            <a:bodyPr vert="horz" wrap="square" lIns="91440" tIns="45720" rIns="91440" bIns="45720" numCol="1" anchor="t" anchorCtr="0" compatLnSpc="1">
-              <a:prstTxWarp prst="textNoShape">
-                <a:avLst/>
-              </a:prstTxWarp>
-            </a:bodyPr>
-            <a:lstStyle/>
-            <a:p>
-              <a:endParaRPr lang="en-US"/>
-            </a:p>
-          </p:txBody>
-        </p:sp>
-        <p:sp>
-          <p:nvSpPr>
-            <p:cNvPr id="287" name="Line 45">
-              <a:extLst>
-                <a:ext uri="{FF2B5EF4-FFF2-40B4-BE49-F238E27FC236}">
-                  <a16:creationId xmlns:a16="http://schemas.microsoft.com/office/drawing/2014/main" id="{779B9317-C1A3-4164-9180-AC280AD123EC}"/>
-                </a:ext>
-              </a:extLst>
-            </p:cNvPr>
-            <p:cNvSpPr>
-              <a:spLocks noChangeShapeType="1"/>
-            </p:cNvSpPr>
-            <p:nvPr/>
-          </p:nvSpPr>
-          <p:spPr bwMode="auto">
-            <a:xfrm flipV="1">
-              <a:off x="-3019" y="1552"/>
-              <a:ext cx="21" cy="35"/>
-            </a:xfrm>
-            <a:prstGeom prst="line">
-              <a:avLst/>
-            </a:prstGeom>
-            <a:noFill/>
-            <a:ln w="17463">
-              <a:solidFill>
-                <a:srgbClr val="000000"/>
-              </a:solidFill>
-              <a:prstDash val="solid"/>
-              <a:round/>
-              <a:headEnd/>
-              <a:tailEnd/>
-            </a:ln>
-            <a:extLst>
-              <a:ext uri="{909E8E84-426E-40DD-AFC4-6F175D3DCCD1}">
-                <a14:hiddenFill xmlns:a14="http://schemas.microsoft.com/office/drawing/2010/main">
-                  <a:noFill/>
-                </a14:hiddenFill>
-              </a:ext>
-            </a:extLst>
-          </p:spPr>
-          <p:txBody>
-            <a:bodyPr vert="horz" wrap="square" lIns="91440" tIns="45720" rIns="91440" bIns="45720" numCol="1" anchor="t" anchorCtr="0" compatLnSpc="1">
-              <a:prstTxWarp prst="textNoShape">
-                <a:avLst/>
-              </a:prstTxWarp>
-            </a:bodyPr>
-            <a:lstStyle/>
-            <a:p>
-              <a:endParaRPr lang="en-US"/>
-            </a:p>
-          </p:txBody>
-        </p:sp>
-        <p:sp>
-          <p:nvSpPr>
-            <p:cNvPr id="288" name="Line 46">
-              <a:extLst>
-                <a:ext uri="{FF2B5EF4-FFF2-40B4-BE49-F238E27FC236}">
-                  <a16:creationId xmlns:a16="http://schemas.microsoft.com/office/drawing/2014/main" id="{BE217CEF-83D5-4AC6-9F1E-4723AB3155C4}"/>
-                </a:ext>
-              </a:extLst>
-            </p:cNvPr>
-            <p:cNvSpPr>
-              <a:spLocks noChangeShapeType="1"/>
-            </p:cNvSpPr>
-            <p:nvPr/>
-          </p:nvSpPr>
-          <p:spPr bwMode="auto">
-            <a:xfrm flipV="1">
-              <a:off x="-2998" y="1539"/>
-              <a:ext cx="25" cy="13"/>
-            </a:xfrm>
-            <a:prstGeom prst="line">
-              <a:avLst/>
-            </a:prstGeom>
-            <a:noFill/>
-            <a:ln w="17463">
-              <a:solidFill>
-                <a:srgbClr val="000000"/>
-              </a:solidFill>
-              <a:prstDash val="solid"/>
-              <a:round/>
-              <a:headEnd/>
-              <a:tailEnd/>
-            </a:ln>
-            <a:extLst>
-              <a:ext uri="{909E8E84-426E-40DD-AFC4-6F175D3DCCD1}">
-                <a14:hiddenFill xmlns:a14="http://schemas.microsoft.com/office/drawing/2010/main">
-                  <a:noFill/>
-                </a14:hiddenFill>
-              </a:ext>
-            </a:extLst>
-          </p:spPr>
-          <p:txBody>
-            <a:bodyPr vert="horz" wrap="square" lIns="91440" tIns="45720" rIns="91440" bIns="45720" numCol="1" anchor="t" anchorCtr="0" compatLnSpc="1">
-              <a:prstTxWarp prst="textNoShape">
-                <a:avLst/>
-              </a:prstTxWarp>
-            </a:bodyPr>
-            <a:lstStyle/>
-            <a:p>
-              <a:endParaRPr lang="en-US"/>
-            </a:p>
-          </p:txBody>
-        </p:sp>
-        <p:sp>
-          <p:nvSpPr>
-            <p:cNvPr id="289" name="Line 47">
-              <a:extLst>
-                <a:ext uri="{FF2B5EF4-FFF2-40B4-BE49-F238E27FC236}">
-                  <a16:creationId xmlns:a16="http://schemas.microsoft.com/office/drawing/2014/main" id="{3363CD02-09E8-41B2-AB0F-C47AAD1EBBA9}"/>
-                </a:ext>
-              </a:extLst>
-            </p:cNvPr>
-            <p:cNvSpPr>
-              <a:spLocks noChangeShapeType="1"/>
-            </p:cNvSpPr>
-            <p:nvPr/>
-          </p:nvSpPr>
-          <p:spPr bwMode="auto">
-            <a:xfrm flipV="1">
-              <a:off x="-2973" y="1457"/>
-              <a:ext cx="2" cy="82"/>
-            </a:xfrm>
-            <a:prstGeom prst="line">
-              <a:avLst/>
-            </a:prstGeom>
-            <a:noFill/>
-            <a:ln w="14288">
-              <a:solidFill>
-                <a:srgbClr val="000000"/>
-              </a:solidFill>
-              <a:prstDash val="solid"/>
-              <a:round/>
-              <a:headEnd/>
-              <a:tailEnd/>
-            </a:ln>
-            <a:extLst>
-              <a:ext uri="{909E8E84-426E-40DD-AFC4-6F175D3DCCD1}">
-                <a14:hiddenFill xmlns:a14="http://schemas.microsoft.com/office/drawing/2010/main">
-                  <a:noFill/>
-                </a14:hiddenFill>
-              </a:ext>
-            </a:extLst>
-          </p:spPr>
-          <p:txBody>
-            <a:bodyPr vert="horz" wrap="square" lIns="91440" tIns="45720" rIns="91440" bIns="45720" numCol="1" anchor="t" anchorCtr="0" compatLnSpc="1">
-              <a:prstTxWarp prst="textNoShape">
-                <a:avLst/>
-              </a:prstTxWarp>
-            </a:bodyPr>
-            <a:lstStyle/>
-            <a:p>
-              <a:endParaRPr lang="en-US"/>
-            </a:p>
-          </p:txBody>
-        </p:sp>
-        <p:sp>
-          <p:nvSpPr>
-            <p:cNvPr id="290" name="Line 48">
-              <a:extLst>
-                <a:ext uri="{FF2B5EF4-FFF2-40B4-BE49-F238E27FC236}">
-                  <a16:creationId xmlns:a16="http://schemas.microsoft.com/office/drawing/2014/main" id="{1A1D6EDB-07BC-43C9-A5F0-1C7C03E7CB51}"/>
-                </a:ext>
-              </a:extLst>
-            </p:cNvPr>
-            <p:cNvSpPr>
-              <a:spLocks noChangeShapeType="1"/>
-            </p:cNvSpPr>
-            <p:nvPr/>
-          </p:nvSpPr>
-          <p:spPr bwMode="auto">
-            <a:xfrm>
-              <a:off x="-2971" y="1457"/>
-              <a:ext cx="0" cy="0"/>
-            </a:xfrm>
-            <a:prstGeom prst="line">
-              <a:avLst/>
-            </a:prstGeom>
-            <a:noFill/>
-            <a:ln w="14288">
-              <a:solidFill>
-                <a:srgbClr val="000000"/>
-              </a:solidFill>
-              <a:prstDash val="solid"/>
-              <a:round/>
-              <a:headEnd/>
-              <a:tailEnd/>
-            </a:ln>
-            <a:extLst>
-              <a:ext uri="{909E8E84-426E-40DD-AFC4-6F175D3DCCD1}">
-                <a14:hiddenFill xmlns:a14="http://schemas.microsoft.com/office/drawing/2010/main">
-                  <a:noFill/>
-                </a14:hiddenFill>
-              </a:ext>
-            </a:extLst>
-          </p:spPr>
-          <p:txBody>
-            <a:bodyPr vert="horz" wrap="square" lIns="91440" tIns="45720" rIns="91440" bIns="45720" numCol="1" anchor="t" anchorCtr="0" compatLnSpc="1">
-              <a:prstTxWarp prst="textNoShape">
-                <a:avLst/>
-              </a:prstTxWarp>
-            </a:bodyPr>
-            <a:lstStyle/>
-            <a:p>
-              <a:endParaRPr lang="en-US"/>
-            </a:p>
-          </p:txBody>
-        </p:sp>
-        <p:sp>
-          <p:nvSpPr>
-            <p:cNvPr id="291" name="Freeform 49">
-              <a:extLst>
-                <a:ext uri="{FF2B5EF4-FFF2-40B4-BE49-F238E27FC236}">
-                  <a16:creationId xmlns:a16="http://schemas.microsoft.com/office/drawing/2014/main" id="{C21F37D7-970A-4707-856D-F8DC9A034F3E}"/>
-                </a:ext>
-              </a:extLst>
-            </p:cNvPr>
-            <p:cNvSpPr>
-              <a:spLocks/>
-            </p:cNvSpPr>
-            <p:nvPr/>
-          </p:nvSpPr>
-          <p:spPr bwMode="auto">
-            <a:xfrm>
-              <a:off x="-3001" y="1594"/>
-              <a:ext cx="98" cy="104"/>
-            </a:xfrm>
-            <a:custGeom>
-              <a:avLst/>
-              <a:gdLst>
-                <a:gd name="T0" fmla="*/ 65 w 98"/>
-                <a:gd name="T1" fmla="*/ 95 h 104"/>
-                <a:gd name="T2" fmla="*/ 51 w 98"/>
-                <a:gd name="T3" fmla="*/ 104 h 104"/>
-                <a:gd name="T4" fmla="*/ 45 w 98"/>
-                <a:gd name="T5" fmla="*/ 104 h 104"/>
-                <a:gd name="T6" fmla="*/ 24 w 98"/>
-                <a:gd name="T7" fmla="*/ 101 h 104"/>
-                <a:gd name="T8" fmla="*/ 19 w 98"/>
-                <a:gd name="T9" fmla="*/ 95 h 104"/>
-                <a:gd name="T10" fmla="*/ 16 w 98"/>
-                <a:gd name="T11" fmla="*/ 86 h 104"/>
-                <a:gd name="T12" fmla="*/ 14 w 98"/>
-                <a:gd name="T13" fmla="*/ 65 h 104"/>
-                <a:gd name="T14" fmla="*/ 12 w 98"/>
-                <a:gd name="T15" fmla="*/ 60 h 104"/>
-                <a:gd name="T16" fmla="*/ 9 w 98"/>
-                <a:gd name="T17" fmla="*/ 54 h 104"/>
-                <a:gd name="T18" fmla="*/ 0 w 98"/>
-                <a:gd name="T19" fmla="*/ 36 h 104"/>
-                <a:gd name="T20" fmla="*/ 0 w 98"/>
-                <a:gd name="T21" fmla="*/ 32 h 104"/>
-                <a:gd name="T22" fmla="*/ 3 w 98"/>
-                <a:gd name="T23" fmla="*/ 26 h 104"/>
-                <a:gd name="T24" fmla="*/ 5 w 98"/>
-                <a:gd name="T25" fmla="*/ 30 h 104"/>
-                <a:gd name="T26" fmla="*/ 17 w 98"/>
-                <a:gd name="T27" fmla="*/ 50 h 104"/>
-                <a:gd name="T28" fmla="*/ 23 w 98"/>
-                <a:gd name="T29" fmla="*/ 52 h 104"/>
-                <a:gd name="T30" fmla="*/ 24 w 98"/>
-                <a:gd name="T31" fmla="*/ 49 h 104"/>
-                <a:gd name="T32" fmla="*/ 23 w 98"/>
-                <a:gd name="T33" fmla="*/ 15 h 104"/>
-                <a:gd name="T34" fmla="*/ 23 w 98"/>
-                <a:gd name="T35" fmla="*/ 8 h 104"/>
-                <a:gd name="T36" fmla="*/ 26 w 98"/>
-                <a:gd name="T37" fmla="*/ 6 h 104"/>
-                <a:gd name="T38" fmla="*/ 28 w 98"/>
-                <a:gd name="T39" fmla="*/ 6 h 104"/>
-                <a:gd name="T40" fmla="*/ 30 w 98"/>
-                <a:gd name="T41" fmla="*/ 10 h 104"/>
-                <a:gd name="T42" fmla="*/ 33 w 98"/>
-                <a:gd name="T43" fmla="*/ 43 h 104"/>
-                <a:gd name="T44" fmla="*/ 37 w 98"/>
-                <a:gd name="T45" fmla="*/ 45 h 104"/>
-                <a:gd name="T46" fmla="*/ 37 w 98"/>
-                <a:gd name="T47" fmla="*/ 41 h 104"/>
-                <a:gd name="T48" fmla="*/ 40 w 98"/>
-                <a:gd name="T49" fmla="*/ 4 h 104"/>
-                <a:gd name="T50" fmla="*/ 42 w 98"/>
-                <a:gd name="T51" fmla="*/ 2 h 104"/>
-                <a:gd name="T52" fmla="*/ 49 w 98"/>
-                <a:gd name="T53" fmla="*/ 2 h 104"/>
-                <a:gd name="T54" fmla="*/ 49 w 98"/>
-                <a:gd name="T55" fmla="*/ 6 h 104"/>
-                <a:gd name="T56" fmla="*/ 45 w 98"/>
-                <a:gd name="T57" fmla="*/ 41 h 104"/>
-                <a:gd name="T58" fmla="*/ 47 w 98"/>
-                <a:gd name="T59" fmla="*/ 45 h 104"/>
-                <a:gd name="T60" fmla="*/ 53 w 98"/>
-                <a:gd name="T61" fmla="*/ 41 h 104"/>
-                <a:gd name="T62" fmla="*/ 65 w 98"/>
-                <a:gd name="T63" fmla="*/ 13 h 104"/>
-                <a:gd name="T64" fmla="*/ 67 w 98"/>
-                <a:gd name="T65" fmla="*/ 11 h 104"/>
-                <a:gd name="T66" fmla="*/ 74 w 98"/>
-                <a:gd name="T67" fmla="*/ 13 h 104"/>
-                <a:gd name="T68" fmla="*/ 72 w 98"/>
-                <a:gd name="T69" fmla="*/ 19 h 104"/>
-                <a:gd name="T70" fmla="*/ 60 w 98"/>
-                <a:gd name="T71" fmla="*/ 52 h 104"/>
-                <a:gd name="T72" fmla="*/ 60 w 98"/>
-                <a:gd name="T73" fmla="*/ 62 h 104"/>
-                <a:gd name="T74" fmla="*/ 63 w 98"/>
-                <a:gd name="T75" fmla="*/ 69 h 104"/>
-                <a:gd name="T76" fmla="*/ 67 w 98"/>
-                <a:gd name="T77" fmla="*/ 73 h 104"/>
-                <a:gd name="T78" fmla="*/ 74 w 98"/>
-                <a:gd name="T79" fmla="*/ 71 h 104"/>
-                <a:gd name="T80" fmla="*/ 82 w 98"/>
-                <a:gd name="T81" fmla="*/ 63 h 104"/>
-                <a:gd name="T82" fmla="*/ 93 w 98"/>
-                <a:gd name="T83" fmla="*/ 62 h 104"/>
-                <a:gd name="T84" fmla="*/ 96 w 98"/>
-                <a:gd name="T85" fmla="*/ 65 h 104"/>
-                <a:gd name="T86" fmla="*/ 96 w 98"/>
-                <a:gd name="T87" fmla="*/ 71 h 104"/>
-                <a:gd name="T88" fmla="*/ 89 w 98"/>
-                <a:gd name="T89" fmla="*/ 75 h 104"/>
-                <a:gd name="T90" fmla="*/ 79 w 98"/>
-                <a:gd name="T91" fmla="*/ 80 h 104"/>
-                <a:gd name="T92" fmla="*/ 74 w 98"/>
-                <a:gd name="T93" fmla="*/ 88 h 104"/>
-              </a:gdLst>
-              <a:ahLst/>
-              <a:cxnLst>
-                <a:cxn ang="0">
-                  <a:pos x="T0" y="T1"/>
-                </a:cxn>
-                <a:cxn ang="0">
-                  <a:pos x="T2" y="T3"/>
-                </a:cxn>
-                <a:cxn ang="0">
-                  <a:pos x="T4" y="T5"/>
-                </a:cxn>
-                <a:cxn ang="0">
-                  <a:pos x="T6" y="T7"/>
-                </a:cxn>
-                <a:cxn ang="0">
-                  <a:pos x="T8" y="T9"/>
-                </a:cxn>
-                <a:cxn ang="0">
-                  <a:pos x="T10" y="T11"/>
-                </a:cxn>
-                <a:cxn ang="0">
-                  <a:pos x="T12" y="T13"/>
-                </a:cxn>
-                <a:cxn ang="0">
-                  <a:pos x="T14" y="T15"/>
-                </a:cxn>
-                <a:cxn ang="0">
-                  <a:pos x="T16" y="T17"/>
-                </a:cxn>
-                <a:cxn ang="0">
-                  <a:pos x="T18" y="T19"/>
-                </a:cxn>
-                <a:cxn ang="0">
-                  <a:pos x="T20" y="T21"/>
-                </a:cxn>
-                <a:cxn ang="0">
-                  <a:pos x="T22" y="T23"/>
-                </a:cxn>
-                <a:cxn ang="0">
-                  <a:pos x="T24" y="T25"/>
-                </a:cxn>
-                <a:cxn ang="0">
-                  <a:pos x="T26" y="T27"/>
-                </a:cxn>
-                <a:cxn ang="0">
-                  <a:pos x="T28" y="T29"/>
-                </a:cxn>
-                <a:cxn ang="0">
-                  <a:pos x="T30" y="T31"/>
-                </a:cxn>
-                <a:cxn ang="0">
-                  <a:pos x="T32" y="T33"/>
-                </a:cxn>
-                <a:cxn ang="0">
-                  <a:pos x="T34" y="T35"/>
-                </a:cxn>
-                <a:cxn ang="0">
-                  <a:pos x="T36" y="T37"/>
-                </a:cxn>
-                <a:cxn ang="0">
-                  <a:pos x="T38" y="T39"/>
-                </a:cxn>
-                <a:cxn ang="0">
-                  <a:pos x="T40" y="T41"/>
-                </a:cxn>
-                <a:cxn ang="0">
-                  <a:pos x="T42" y="T43"/>
-                </a:cxn>
-                <a:cxn ang="0">
-                  <a:pos x="T44" y="T45"/>
-                </a:cxn>
-                <a:cxn ang="0">
-                  <a:pos x="T46" y="T47"/>
-                </a:cxn>
-                <a:cxn ang="0">
-                  <a:pos x="T48" y="T49"/>
-                </a:cxn>
-                <a:cxn ang="0">
-                  <a:pos x="T50" y="T51"/>
-                </a:cxn>
-                <a:cxn ang="0">
-                  <a:pos x="T52" y="T53"/>
-                </a:cxn>
-                <a:cxn ang="0">
-                  <a:pos x="T54" y="T55"/>
-                </a:cxn>
-                <a:cxn ang="0">
-                  <a:pos x="T56" y="T57"/>
-                </a:cxn>
-                <a:cxn ang="0">
-                  <a:pos x="T58" y="T59"/>
-                </a:cxn>
-                <a:cxn ang="0">
-                  <a:pos x="T60" y="T61"/>
-                </a:cxn>
-                <a:cxn ang="0">
-                  <a:pos x="T62" y="T63"/>
-                </a:cxn>
-                <a:cxn ang="0">
-                  <a:pos x="T64" y="T65"/>
-                </a:cxn>
-                <a:cxn ang="0">
-                  <a:pos x="T66" y="T67"/>
-                </a:cxn>
-                <a:cxn ang="0">
-                  <a:pos x="T68" y="T69"/>
-                </a:cxn>
-                <a:cxn ang="0">
-                  <a:pos x="T70" y="T71"/>
-                </a:cxn>
-                <a:cxn ang="0">
-                  <a:pos x="T72" y="T73"/>
-                </a:cxn>
-                <a:cxn ang="0">
-                  <a:pos x="T74" y="T75"/>
-                </a:cxn>
-                <a:cxn ang="0">
-                  <a:pos x="T76" y="T77"/>
-                </a:cxn>
-                <a:cxn ang="0">
-                  <a:pos x="T78" y="T79"/>
-                </a:cxn>
-                <a:cxn ang="0">
-                  <a:pos x="T80" y="T81"/>
-                </a:cxn>
-                <a:cxn ang="0">
-                  <a:pos x="T82" y="T83"/>
-                </a:cxn>
-                <a:cxn ang="0">
-                  <a:pos x="T84" y="T85"/>
-                </a:cxn>
-                <a:cxn ang="0">
-                  <a:pos x="T86" y="T87"/>
-                </a:cxn>
-                <a:cxn ang="0">
-                  <a:pos x="T88" y="T89"/>
-                </a:cxn>
-                <a:cxn ang="0">
-                  <a:pos x="T90" y="T91"/>
-                </a:cxn>
-                <a:cxn ang="0">
-                  <a:pos x="T92" y="T93"/>
-                </a:cxn>
-              </a:cxnLst>
-              <a:rect l="0" t="0" r="r" b="b"/>
-              <a:pathLst>
-                <a:path w="98" h="104">
-                  <a:moveTo>
-                    <a:pt x="65" y="95"/>
-                  </a:moveTo>
-                  <a:lnTo>
-                    <a:pt x="65" y="95"/>
-                  </a:lnTo>
-                  <a:lnTo>
-                    <a:pt x="56" y="102"/>
-                  </a:lnTo>
-                  <a:lnTo>
-                    <a:pt x="51" y="104"/>
-                  </a:lnTo>
-                  <a:lnTo>
-                    <a:pt x="45" y="104"/>
-                  </a:lnTo>
-                  <a:lnTo>
-                    <a:pt x="45" y="104"/>
-                  </a:lnTo>
-                  <a:lnTo>
-                    <a:pt x="31" y="104"/>
-                  </a:lnTo>
-                  <a:lnTo>
-                    <a:pt x="24" y="101"/>
-                  </a:lnTo>
-                  <a:lnTo>
-                    <a:pt x="23" y="99"/>
-                  </a:lnTo>
-                  <a:lnTo>
-                    <a:pt x="19" y="95"/>
-                  </a:lnTo>
-                  <a:lnTo>
-                    <a:pt x="19" y="95"/>
-                  </a:lnTo>
-                  <a:lnTo>
-                    <a:pt x="16" y="86"/>
-                  </a:lnTo>
-                  <a:lnTo>
-                    <a:pt x="14" y="76"/>
-                  </a:lnTo>
-                  <a:lnTo>
-                    <a:pt x="14" y="65"/>
-                  </a:lnTo>
-                  <a:lnTo>
-                    <a:pt x="14" y="65"/>
-                  </a:lnTo>
-                  <a:lnTo>
-                    <a:pt x="12" y="60"/>
-                  </a:lnTo>
-                  <a:lnTo>
-                    <a:pt x="9" y="54"/>
-                  </a:lnTo>
-                  <a:lnTo>
-                    <a:pt x="9" y="54"/>
-                  </a:lnTo>
-                  <a:lnTo>
-                    <a:pt x="3" y="45"/>
-                  </a:lnTo>
-                  <a:lnTo>
-                    <a:pt x="0" y="36"/>
-                  </a:lnTo>
-                  <a:lnTo>
-                    <a:pt x="0" y="36"/>
-                  </a:lnTo>
-                  <a:lnTo>
-                    <a:pt x="0" y="32"/>
-                  </a:lnTo>
-                  <a:lnTo>
-                    <a:pt x="2" y="28"/>
-                  </a:lnTo>
-                  <a:lnTo>
-                    <a:pt x="3" y="26"/>
-                  </a:lnTo>
-                  <a:lnTo>
-                    <a:pt x="5" y="30"/>
-                  </a:lnTo>
-                  <a:lnTo>
-                    <a:pt x="5" y="30"/>
-                  </a:lnTo>
-                  <a:lnTo>
-                    <a:pt x="17" y="50"/>
-                  </a:lnTo>
-                  <a:lnTo>
-                    <a:pt x="17" y="50"/>
-                  </a:lnTo>
-                  <a:lnTo>
-                    <a:pt x="19" y="50"/>
-                  </a:lnTo>
-                  <a:lnTo>
-                    <a:pt x="23" y="52"/>
-                  </a:lnTo>
-                  <a:lnTo>
-                    <a:pt x="24" y="50"/>
-                  </a:lnTo>
-                  <a:lnTo>
-                    <a:pt x="24" y="49"/>
-                  </a:lnTo>
-                  <a:lnTo>
-                    <a:pt x="24" y="49"/>
-                  </a:lnTo>
-                  <a:lnTo>
-                    <a:pt x="23" y="15"/>
-                  </a:lnTo>
-                  <a:lnTo>
-                    <a:pt x="23" y="15"/>
-                  </a:lnTo>
-                  <a:lnTo>
-                    <a:pt x="23" y="8"/>
-                  </a:lnTo>
-                  <a:lnTo>
-                    <a:pt x="24" y="6"/>
-                  </a:lnTo>
-                  <a:lnTo>
-                    <a:pt x="26" y="6"/>
-                  </a:lnTo>
-                  <a:lnTo>
-                    <a:pt x="26" y="6"/>
-                  </a:lnTo>
-                  <a:lnTo>
-                    <a:pt x="28" y="6"/>
-                  </a:lnTo>
-                  <a:lnTo>
-                    <a:pt x="30" y="10"/>
-                  </a:lnTo>
-                  <a:lnTo>
-                    <a:pt x="30" y="10"/>
-                  </a:lnTo>
-                  <a:lnTo>
-                    <a:pt x="33" y="43"/>
-                  </a:lnTo>
-                  <a:lnTo>
-                    <a:pt x="33" y="43"/>
-                  </a:lnTo>
-                  <a:lnTo>
-                    <a:pt x="35" y="45"/>
-                  </a:lnTo>
-                  <a:lnTo>
-                    <a:pt x="37" y="45"/>
-                  </a:lnTo>
-                  <a:lnTo>
-                    <a:pt x="37" y="41"/>
-                  </a:lnTo>
-                  <a:lnTo>
-                    <a:pt x="37" y="41"/>
-                  </a:lnTo>
-                  <a:lnTo>
-                    <a:pt x="38" y="23"/>
-                  </a:lnTo>
-                  <a:lnTo>
-                    <a:pt x="40" y="4"/>
-                  </a:lnTo>
-                  <a:lnTo>
-                    <a:pt x="40" y="4"/>
-                  </a:lnTo>
-                  <a:lnTo>
-                    <a:pt x="42" y="2"/>
-                  </a:lnTo>
-                  <a:lnTo>
-                    <a:pt x="45" y="0"/>
-                  </a:lnTo>
-                  <a:lnTo>
-                    <a:pt x="49" y="2"/>
-                  </a:lnTo>
-                  <a:lnTo>
-                    <a:pt x="49" y="6"/>
-                  </a:lnTo>
-                  <a:lnTo>
-                    <a:pt x="49" y="6"/>
-                  </a:lnTo>
-                  <a:lnTo>
-                    <a:pt x="45" y="41"/>
-                  </a:lnTo>
-                  <a:lnTo>
-                    <a:pt x="45" y="41"/>
-                  </a:lnTo>
-                  <a:lnTo>
-                    <a:pt x="47" y="43"/>
-                  </a:lnTo>
-                  <a:lnTo>
-                    <a:pt x="47" y="45"/>
-                  </a:lnTo>
-                  <a:lnTo>
-                    <a:pt x="51" y="45"/>
-                  </a:lnTo>
-                  <a:lnTo>
-                    <a:pt x="53" y="41"/>
-                  </a:lnTo>
-                  <a:lnTo>
-                    <a:pt x="53" y="41"/>
-                  </a:lnTo>
-                  <a:lnTo>
-                    <a:pt x="65" y="13"/>
-                  </a:lnTo>
-                  <a:lnTo>
-                    <a:pt x="65" y="13"/>
-                  </a:lnTo>
-                  <a:lnTo>
-                    <a:pt x="67" y="11"/>
-                  </a:lnTo>
-                  <a:lnTo>
-                    <a:pt x="70" y="10"/>
-                  </a:lnTo>
-                  <a:lnTo>
-                    <a:pt x="74" y="13"/>
-                  </a:lnTo>
-                  <a:lnTo>
-                    <a:pt x="74" y="15"/>
-                  </a:lnTo>
-                  <a:lnTo>
-                    <a:pt x="72" y="19"/>
-                  </a:lnTo>
-                  <a:lnTo>
-                    <a:pt x="72" y="19"/>
-                  </a:lnTo>
-                  <a:lnTo>
-                    <a:pt x="60" y="52"/>
-                  </a:lnTo>
-                  <a:lnTo>
-                    <a:pt x="60" y="52"/>
-                  </a:lnTo>
-                  <a:lnTo>
-                    <a:pt x="60" y="62"/>
-                  </a:lnTo>
-                  <a:lnTo>
-                    <a:pt x="63" y="69"/>
-                  </a:lnTo>
-                  <a:lnTo>
-                    <a:pt x="63" y="69"/>
-                  </a:lnTo>
-                  <a:lnTo>
-                    <a:pt x="65" y="71"/>
-                  </a:lnTo>
-                  <a:lnTo>
-                    <a:pt x="67" y="73"/>
-                  </a:lnTo>
-                  <a:lnTo>
-                    <a:pt x="70" y="73"/>
-                  </a:lnTo>
-                  <a:lnTo>
-                    <a:pt x="74" y="71"/>
-                  </a:lnTo>
-                  <a:lnTo>
-                    <a:pt x="74" y="71"/>
-                  </a:lnTo>
-                  <a:lnTo>
-                    <a:pt x="82" y="63"/>
-                  </a:lnTo>
-                  <a:lnTo>
-                    <a:pt x="88" y="62"/>
-                  </a:lnTo>
-                  <a:lnTo>
-                    <a:pt x="93" y="62"/>
-                  </a:lnTo>
-                  <a:lnTo>
-                    <a:pt x="93" y="62"/>
-                  </a:lnTo>
-                  <a:lnTo>
-                    <a:pt x="96" y="65"/>
-                  </a:lnTo>
-                  <a:lnTo>
-                    <a:pt x="98" y="69"/>
-                  </a:lnTo>
-                  <a:lnTo>
-                    <a:pt x="96" y="71"/>
-                  </a:lnTo>
-                  <a:lnTo>
-                    <a:pt x="89" y="75"/>
-                  </a:lnTo>
-                  <a:lnTo>
-                    <a:pt x="89" y="75"/>
-                  </a:lnTo>
-                  <a:lnTo>
-                    <a:pt x="84" y="76"/>
-                  </a:lnTo>
-                  <a:lnTo>
-                    <a:pt x="79" y="80"/>
-                  </a:lnTo>
-                  <a:lnTo>
-                    <a:pt x="74" y="88"/>
-                  </a:lnTo>
-                  <a:lnTo>
-                    <a:pt x="74" y="88"/>
-                  </a:lnTo>
-                  <a:lnTo>
-                    <a:pt x="65" y="95"/>
-                  </a:lnTo>
-                  <a:close/>
-                </a:path>
-              </a:pathLst>
-            </a:custGeom>
-            <a:solidFill>
-              <a:srgbClr val="000000"/>
-            </a:solidFill>
-            <a:ln>
-              <a:noFill/>
-            </a:ln>
-            <a:extLst>
-              <a:ext uri="{91240B29-F687-4F45-9708-019B960494DF}">
-                <a14:hiddenLine xmlns:a14="http://schemas.microsoft.com/office/drawing/2010/main" w="9525">
-                  <a:solidFill>
-                    <a:srgbClr val="000000"/>
-                  </a:solidFill>
-                  <a:round/>
-                  <a:headEnd/>
-                  <a:tailEnd/>
-                </a14:hiddenLine>
-              </a:ext>
-            </a:extLst>
-          </p:spPr>
-          <p:txBody>
-            <a:bodyPr vert="horz" wrap="square" lIns="91440" tIns="45720" rIns="91440" bIns="45720" numCol="1" anchor="t" anchorCtr="0" compatLnSpc="1">
-              <a:prstTxWarp prst="textNoShape">
-                <a:avLst/>
-              </a:prstTxWarp>
-            </a:bodyPr>
-            <a:lstStyle/>
-            <a:p>
-              <a:endParaRPr lang="en-US"/>
-            </a:p>
-          </p:txBody>
-        </p:sp>
-      </p:grpSp>
       <p:cxnSp>
         <p:nvCxnSpPr>
           <p:cNvPr id="304" name="Straight Connector 303">
@@ -9227,9 +9796,9 @@
           <p:nvPr/>
         </p:nvCxnSpPr>
         <p:spPr>
-          <a:xfrm flipH="1">
-            <a:off x="495384" y="7974505"/>
-            <a:ext cx="261357" cy="266670"/>
+          <a:xfrm flipH="1" flipV="1">
+            <a:off x="2503111" y="6908522"/>
+            <a:ext cx="450764" cy="129426"/>
           </a:xfrm>
           <a:prstGeom prst="line">
             <a:avLst/>
@@ -9272,7 +9841,7 @@
         </p:nvCxnSpPr>
         <p:spPr>
           <a:xfrm flipH="1">
-            <a:off x="5113585" y="6109025"/>
+            <a:off x="5231212" y="7096592"/>
             <a:ext cx="184367" cy="201184"/>
           </a:xfrm>
           <a:prstGeom prst="line">
@@ -9315,9 +9884,9 @@
           <p:nvPr/>
         </p:nvCxnSpPr>
         <p:spPr>
-          <a:xfrm>
-            <a:off x="1791858" y="6309787"/>
-            <a:ext cx="494142" cy="191490"/>
+          <a:xfrm flipH="1">
+            <a:off x="2503111" y="5931367"/>
+            <a:ext cx="77359" cy="536575"/>
           </a:xfrm>
           <a:prstGeom prst="line">
             <a:avLst/>
@@ -9358,7 +9927,7 @@
         </p:nvSpPr>
         <p:spPr>
           <a:xfrm>
-            <a:off x="609600" y="8012668"/>
+            <a:off x="5192962" y="7283375"/>
             <a:ext cx="533400" cy="369332"/>
           </a:xfrm>
           <a:prstGeom prst="rect">
@@ -9394,7 +9963,7 @@
         </p:nvSpPr>
         <p:spPr>
           <a:xfrm>
-            <a:off x="5057937" y="6261425"/>
+            <a:off x="2958638" y="6674188"/>
             <a:ext cx="533400" cy="369332"/>
           </a:xfrm>
           <a:prstGeom prst="rect">
@@ -9430,7 +9999,7 @@
         </p:nvSpPr>
         <p:spPr>
           <a:xfrm>
-            <a:off x="1918993" y="6038326"/>
+            <a:off x="2788740" y="5916721"/>
             <a:ext cx="533400" cy="369332"/>
           </a:xfrm>
           <a:prstGeom prst="rect">
@@ -9468,7 +10037,7 @@
         </p:nvGrpSpPr>
         <p:grpSpPr bwMode="auto">
           <a:xfrm flipH="1">
-            <a:off x="799131" y="6315246"/>
+            <a:off x="292682" y="5116496"/>
             <a:ext cx="533401" cy="1008063"/>
             <a:chOff x="1252" y="5165"/>
             <a:chExt cx="231" cy="635"/>
@@ -10255,7 +10824,7 @@
         </p:nvSpPr>
         <p:spPr>
           <a:xfrm>
-            <a:off x="3459919" y="5068157"/>
+            <a:off x="4686191" y="4318534"/>
             <a:ext cx="671512" cy="369332"/>
           </a:xfrm>
           <a:prstGeom prst="rect">
@@ -10290,7 +10859,7 @@
         </p:nvSpPr>
         <p:spPr>
           <a:xfrm>
-            <a:off x="5899320" y="6995339"/>
+            <a:off x="6304987" y="7054347"/>
             <a:ext cx="533400" cy="369332"/>
           </a:xfrm>
           <a:prstGeom prst="rect">
@@ -10325,7 +10894,7 @@
         </p:nvSpPr>
         <p:spPr>
           <a:xfrm>
-            <a:off x="266616" y="6426662"/>
+            <a:off x="5676806" y="5616289"/>
             <a:ext cx="533400" cy="369332"/>
           </a:xfrm>
           <a:prstGeom prst="rect">
@@ -10360,7 +10929,7 @@
         </p:nvSpPr>
         <p:spPr>
           <a:xfrm>
-            <a:off x="1143000" y="6201180"/>
+            <a:off x="6313081" y="6066590"/>
             <a:ext cx="533400" cy="369332"/>
           </a:xfrm>
           <a:prstGeom prst="rect">
@@ -10395,7 +10964,7 @@
         </p:nvSpPr>
         <p:spPr>
           <a:xfrm>
-            <a:off x="5437206" y="4703870"/>
+            <a:off x="204290" y="4626611"/>
             <a:ext cx="533400" cy="369332"/>
           </a:xfrm>
           <a:prstGeom prst="rect">
@@ -10430,7 +10999,7 @@
         </p:nvSpPr>
         <p:spPr>
           <a:xfrm>
-            <a:off x="6039610" y="4997326"/>
+            <a:off x="835911" y="5302233"/>
             <a:ext cx="533400" cy="369332"/>
           </a:xfrm>
           <a:prstGeom prst="rect">
@@ -10465,7 +11034,7 @@
         </p:nvSpPr>
         <p:spPr>
           <a:xfrm>
-            <a:off x="1813730" y="4431268"/>
+            <a:off x="2100153" y="4339954"/>
             <a:ext cx="533400" cy="369332"/>
           </a:xfrm>
           <a:prstGeom prst="rect">
@@ -10500,7 +11069,7 @@
         </p:nvSpPr>
         <p:spPr>
           <a:xfrm>
-            <a:off x="1003652" y="4648200"/>
+            <a:off x="3357364" y="4295936"/>
             <a:ext cx="533400" cy="369332"/>
           </a:xfrm>
           <a:prstGeom prst="rect">
@@ -10537,7 +11106,7 @@
         </p:nvGrpSpPr>
         <p:grpSpPr bwMode="auto">
           <a:xfrm>
-            <a:off x="3541610" y="4603820"/>
+            <a:off x="5250261" y="4513657"/>
             <a:ext cx="123825" cy="434975"/>
             <a:chOff x="2574" y="2166"/>
             <a:chExt cx="96" cy="398"/>
@@ -11562,7 +12131,7 @@
         </p:nvGrpSpPr>
         <p:grpSpPr bwMode="auto">
           <a:xfrm flipH="1">
-            <a:off x="5780943" y="5170812"/>
+            <a:off x="6093524" y="6234579"/>
             <a:ext cx="228600" cy="862013"/>
             <a:chOff x="1680" y="768"/>
             <a:chExt cx="144" cy="543"/>
@@ -12115,7 +12684,7 @@
         </p:nvGrpSpPr>
         <p:grpSpPr bwMode="auto">
           <a:xfrm flipH="1">
-            <a:off x="5407187" y="4943800"/>
+            <a:off x="5524814" y="5931367"/>
             <a:ext cx="228600" cy="862013"/>
             <a:chOff x="1680" y="768"/>
             <a:chExt cx="144" cy="543"/>
@@ -12668,7 +13237,7 @@
         </p:nvSpPr>
         <p:spPr bwMode="auto">
           <a:xfrm>
-            <a:off x="1782403" y="4767317"/>
+            <a:off x="2528882" y="6121073"/>
             <a:ext cx="474266" cy="1518554"/>
           </a:xfrm>
           <a:custGeom>
@@ -12772,7 +13341,7 @@
         </p:nvSpPr>
         <p:spPr bwMode="auto">
           <a:xfrm flipH="1">
-            <a:off x="5304308" y="5247698"/>
+            <a:off x="5421935" y="6235265"/>
             <a:ext cx="683010" cy="1282014"/>
           </a:xfrm>
           <a:custGeom>
@@ -12876,7 +13445,7 @@
         </p:nvGrpSpPr>
         <p:grpSpPr bwMode="auto">
           <a:xfrm>
-            <a:off x="749300" y="6817280"/>
+            <a:off x="2221238" y="5679452"/>
             <a:ext cx="393700" cy="1271588"/>
             <a:chOff x="2901" y="4325"/>
             <a:chExt cx="236" cy="690"/>
@@ -14092,6 +14661,261 @@
           </a:extLst>
         </p:spPr>
       </p:pic>
+      <p:sp>
+        <p:nvSpPr>
+          <p:cNvPr id="107" name="Rectangle 11">
+            <a:extLst>
+              <a:ext uri="{FF2B5EF4-FFF2-40B4-BE49-F238E27FC236}">
+                <a16:creationId xmlns:a16="http://schemas.microsoft.com/office/drawing/2014/main" id="{56E251FC-2D5D-BE43-B810-E037C379ED3E}"/>
+              </a:ext>
+            </a:extLst>
+          </p:cNvPr>
+          <p:cNvSpPr>
+            <a:spLocks noChangeArrowheads="1"/>
+          </p:cNvSpPr>
+          <p:nvPr/>
+        </p:nvSpPr>
+        <p:spPr bwMode="auto">
+          <a:xfrm>
+            <a:off x="1981200" y="8168093"/>
+            <a:ext cx="1675505" cy="774349"/>
+          </a:xfrm>
+          <a:prstGeom prst="rect">
+            <a:avLst/>
+          </a:prstGeom>
+          <a:solidFill>
+            <a:schemeClr val="accent1">
+              <a:alpha val="50195"/>
+            </a:schemeClr>
+          </a:solidFill>
+          <a:ln w="9525">
+            <a:solidFill>
+              <a:schemeClr val="tx1"/>
+            </a:solidFill>
+            <a:miter lim="800000"/>
+            <a:headEnd/>
+            <a:tailEnd/>
+          </a:ln>
+        </p:spPr>
+        <p:txBody>
+          <a:bodyPr wrap="none" anchor="ctr"/>
+          <a:lstStyle>
+            <a:lvl1pPr eaLnBrk="0" hangingPunct="0">
+              <a:defRPr>
+                <a:solidFill>
+                  <a:schemeClr val="tx1"/>
+                </a:solidFill>
+                <a:latin typeface="Arial" panose="020B0604020202020204" pitchFamily="34" charset="0"/>
+                <a:ea typeface="ＭＳ Ｐゴシック" panose="020B0600070205080204" pitchFamily="34" charset="-128"/>
+              </a:defRPr>
+            </a:lvl1pPr>
+            <a:lvl2pPr marL="742950" indent="-285750" eaLnBrk="0" hangingPunct="0">
+              <a:defRPr>
+                <a:solidFill>
+                  <a:schemeClr val="tx1"/>
+                </a:solidFill>
+                <a:latin typeface="Arial" panose="020B0604020202020204" pitchFamily="34" charset="0"/>
+                <a:ea typeface="ＭＳ Ｐゴシック" panose="020B0600070205080204" pitchFamily="34" charset="-128"/>
+              </a:defRPr>
+            </a:lvl2pPr>
+            <a:lvl3pPr marL="1143000" indent="-228600" eaLnBrk="0" hangingPunct="0">
+              <a:defRPr>
+                <a:solidFill>
+                  <a:schemeClr val="tx1"/>
+                </a:solidFill>
+                <a:latin typeface="Arial" panose="020B0604020202020204" pitchFamily="34" charset="0"/>
+                <a:ea typeface="ＭＳ Ｐゴシック" panose="020B0600070205080204" pitchFamily="34" charset="-128"/>
+              </a:defRPr>
+            </a:lvl3pPr>
+            <a:lvl4pPr marL="1600200" indent="-228600" eaLnBrk="0" hangingPunct="0">
+              <a:defRPr>
+                <a:solidFill>
+                  <a:schemeClr val="tx1"/>
+                </a:solidFill>
+                <a:latin typeface="Arial" panose="020B0604020202020204" pitchFamily="34" charset="0"/>
+                <a:ea typeface="ＭＳ Ｐゴシック" panose="020B0600070205080204" pitchFamily="34" charset="-128"/>
+              </a:defRPr>
+            </a:lvl4pPr>
+            <a:lvl5pPr marL="2057400" indent="-228600" eaLnBrk="0" hangingPunct="0">
+              <a:defRPr>
+                <a:solidFill>
+                  <a:schemeClr val="tx1"/>
+                </a:solidFill>
+                <a:latin typeface="Arial" panose="020B0604020202020204" pitchFamily="34" charset="0"/>
+                <a:ea typeface="ＭＳ Ｐゴシック" panose="020B0600070205080204" pitchFamily="34" charset="-128"/>
+              </a:defRPr>
+            </a:lvl5pPr>
+            <a:lvl6pPr marL="2514600" indent="-228600" eaLnBrk="0" fontAlgn="base" hangingPunct="0">
+              <a:spcBef>
+                <a:spcPct val="0"/>
+              </a:spcBef>
+              <a:spcAft>
+                <a:spcPct val="0"/>
+              </a:spcAft>
+              <a:defRPr>
+                <a:solidFill>
+                  <a:schemeClr val="tx1"/>
+                </a:solidFill>
+                <a:latin typeface="Arial" panose="020B0604020202020204" pitchFamily="34" charset="0"/>
+                <a:ea typeface="ＭＳ Ｐゴシック" panose="020B0600070205080204" pitchFamily="34" charset="-128"/>
+              </a:defRPr>
+            </a:lvl6pPr>
+            <a:lvl7pPr marL="2971800" indent="-228600" eaLnBrk="0" fontAlgn="base" hangingPunct="0">
+              <a:spcBef>
+                <a:spcPct val="0"/>
+              </a:spcBef>
+              <a:spcAft>
+                <a:spcPct val="0"/>
+              </a:spcAft>
+              <a:defRPr>
+                <a:solidFill>
+                  <a:schemeClr val="tx1"/>
+                </a:solidFill>
+                <a:latin typeface="Arial" panose="020B0604020202020204" pitchFamily="34" charset="0"/>
+                <a:ea typeface="ＭＳ Ｐゴシック" panose="020B0600070205080204" pitchFamily="34" charset="-128"/>
+              </a:defRPr>
+            </a:lvl7pPr>
+            <a:lvl8pPr marL="3429000" indent="-228600" eaLnBrk="0" fontAlgn="base" hangingPunct="0">
+              <a:spcBef>
+                <a:spcPct val="0"/>
+              </a:spcBef>
+              <a:spcAft>
+                <a:spcPct val="0"/>
+              </a:spcAft>
+              <a:defRPr>
+                <a:solidFill>
+                  <a:schemeClr val="tx1"/>
+                </a:solidFill>
+                <a:latin typeface="Arial" panose="020B0604020202020204" pitchFamily="34" charset="0"/>
+                <a:ea typeface="ＭＳ Ｐゴシック" panose="020B0600070205080204" pitchFamily="34" charset="-128"/>
+              </a:defRPr>
+            </a:lvl8pPr>
+            <a:lvl9pPr marL="3886200" indent="-228600" eaLnBrk="0" fontAlgn="base" hangingPunct="0">
+              <a:spcBef>
+                <a:spcPct val="0"/>
+              </a:spcBef>
+              <a:spcAft>
+                <a:spcPct val="0"/>
+              </a:spcAft>
+              <a:defRPr>
+                <a:solidFill>
+                  <a:schemeClr val="tx1"/>
+                </a:solidFill>
+                <a:latin typeface="Arial" panose="020B0604020202020204" pitchFamily="34" charset="0"/>
+                <a:ea typeface="ＭＳ Ｐゴシック" panose="020B0600070205080204" pitchFamily="34" charset="-128"/>
+              </a:defRPr>
+            </a:lvl9pPr>
+          </a:lstStyle>
+          <a:p>
+            <a:pPr eaLnBrk="1" hangingPunct="1"/>
+            <a:endParaRPr lang="en-US" altLang="en-US"/>
+          </a:p>
+        </p:txBody>
+      </p:sp>
+      <p:sp>
+        <p:nvSpPr>
+          <p:cNvPr id="159" name="Freeform 7">
+            <a:extLst>
+              <a:ext uri="{FF2B5EF4-FFF2-40B4-BE49-F238E27FC236}">
+                <a16:creationId xmlns:a16="http://schemas.microsoft.com/office/drawing/2014/main" id="{63AE6F28-5FAD-6144-AC58-E7C0E599CF89}"/>
+              </a:ext>
+            </a:extLst>
+          </p:cNvPr>
+          <p:cNvSpPr>
+            <a:spLocks/>
+          </p:cNvSpPr>
+          <p:nvPr/>
+        </p:nvSpPr>
+        <p:spPr bwMode="auto">
+          <a:xfrm>
+            <a:off x="1512690" y="4909423"/>
+            <a:ext cx="474266" cy="1518554"/>
+          </a:xfrm>
+          <a:custGeom>
+            <a:avLst/>
+            <a:gdLst>
+              <a:gd name="T0" fmla="*/ 0 w 60"/>
+              <a:gd name="T1" fmla="*/ 2147483647 h 840"/>
+              <a:gd name="T2" fmla="*/ 0 w 60"/>
+              <a:gd name="T3" fmla="*/ 2147483647 h 840"/>
+              <a:gd name="T4" fmla="*/ 2147483647 w 60"/>
+              <a:gd name="T5" fmla="*/ 0 h 840"/>
+              <a:gd name="T6" fmla="*/ 2147483647 w 60"/>
+              <a:gd name="T7" fmla="*/ 2147483647 h 840"/>
+              <a:gd name="T8" fmla="*/ 0 w 60"/>
+              <a:gd name="T9" fmla="*/ 2147483647 h 840"/>
+              <a:gd name="T10" fmla="*/ 0 60000 65536"/>
+              <a:gd name="T11" fmla="*/ 0 60000 65536"/>
+              <a:gd name="T12" fmla="*/ 0 60000 65536"/>
+              <a:gd name="T13" fmla="*/ 0 60000 65536"/>
+              <a:gd name="T14" fmla="*/ 0 60000 65536"/>
+              <a:gd name="T15" fmla="*/ 0 w 60"/>
+              <a:gd name="T16" fmla="*/ 0 h 840"/>
+              <a:gd name="T17" fmla="*/ 60 w 60"/>
+              <a:gd name="T18" fmla="*/ 840 h 840"/>
+            </a:gdLst>
+            <a:ahLst/>
+            <a:cxnLst>
+              <a:cxn ang="T10">
+                <a:pos x="T0" y="T1"/>
+              </a:cxn>
+              <a:cxn ang="T11">
+                <a:pos x="T2" y="T3"/>
+              </a:cxn>
+              <a:cxn ang="T12">
+                <a:pos x="T4" y="T5"/>
+              </a:cxn>
+              <a:cxn ang="T13">
+                <a:pos x="T6" y="T7"/>
+              </a:cxn>
+              <a:cxn ang="T14">
+                <a:pos x="T8" y="T9"/>
+              </a:cxn>
+            </a:cxnLst>
+            <a:rect l="T15" t="T16" r="T17" b="T18"/>
+            <a:pathLst>
+              <a:path w="60" h="840">
+                <a:moveTo>
+                  <a:pt x="0" y="840"/>
+                </a:moveTo>
+                <a:lnTo>
+                  <a:pt x="0" y="132"/>
+                </a:lnTo>
+                <a:lnTo>
+                  <a:pt x="60" y="0"/>
+                </a:lnTo>
+                <a:lnTo>
+                  <a:pt x="60" y="600"/>
+                </a:lnTo>
+                <a:lnTo>
+                  <a:pt x="0" y="840"/>
+                </a:lnTo>
+                <a:close/>
+              </a:path>
+            </a:pathLst>
+          </a:custGeom>
+          <a:solidFill>
+            <a:schemeClr val="accent1">
+              <a:alpha val="80000"/>
+            </a:schemeClr>
+          </a:solidFill>
+          <a:ln w="9525">
+            <a:solidFill>
+              <a:schemeClr val="tx1"/>
+            </a:solidFill>
+            <a:round/>
+            <a:headEnd/>
+            <a:tailEnd/>
+          </a:ln>
+        </p:spPr>
+        <p:txBody>
+          <a:bodyPr wrap="none" anchor="ctr"/>
+          <a:lstStyle/>
+          <a:p>
+            <a:endParaRPr lang="en-US"/>
+          </a:p>
+        </p:txBody>
+      </p:sp>
     </p:spTree>
     <p:extLst>
       <p:ext uri="{BB962C8B-B14F-4D97-AF65-F5344CB8AC3E}">

--- a/IDPA/Why Does Everybody Have Body Armour 3.pptx
+++ b/IDPA/Why Does Everybody Have Body Armour 3.pptx
@@ -7723,7 +7723,7 @@
           <p:nvPr>
             <p:extLst>
               <p:ext uri="{D42A27DB-BD31-4B8C-83A1-F6EECF244321}">
-                <p14:modId xmlns:p14="http://schemas.microsoft.com/office/powerpoint/2010/main" val="2290055772"/>
+                <p14:modId xmlns:p14="http://schemas.microsoft.com/office/powerpoint/2010/main" val="1602549350"/>
               </p:ext>
             </p:extLst>
           </p:nvPr>
@@ -7886,6 +7886,20 @@
                         </a:rPr>
                       </a:br>
                       <a:r>
+                        <a:rPr kumimoji="0" lang="en-US" sz="1200" b="1" i="0" u="none" strike="noStrike" cap="none" normalizeH="0" baseline="0">
+                          <a:ln>
+                            <a:noFill/>
+                          </a:ln>
+                          <a:solidFill>
+                            <a:schemeClr val="tx1"/>
+                          </a:solidFill>
+                          <a:effectLst/>
+                          <a:latin typeface="Arial" charset="0"/>
+                          <a:cs typeface="Times New Roman" charset="0"/>
+                        </a:rPr>
+                        <a:t>Action Bay, </a:t>
+                      </a:r>
+                      <a:r>
                         <a:rPr kumimoji="0" lang="en-US" sz="1200" b="1" i="0" u="none" strike="noStrike" cap="none" normalizeH="0" baseline="0" dirty="0">
                           <a:ln>
                             <a:noFill/>
@@ -7897,7 +7911,7 @@
                           <a:latin typeface="Arial" charset="0"/>
                           <a:cs typeface="Times New Roman" charset="0"/>
                         </a:rPr>
-                        <a:t>Action Bay B</a:t>
+                        <a:t>B</a:t>
                       </a:r>
                       <a:br>
                         <a:rPr kumimoji="0" lang="en-US" sz="1200" b="1" i="0" u="none" strike="noStrike" cap="none" normalizeH="0" baseline="0" dirty="0">
@@ -7943,7 +7957,7 @@
                         <a:t>Armour</a:t>
                       </a:r>
                       <a:r>
-                        <a:rPr kumimoji="0" lang="en-US" sz="1200" b="1" i="0" u="none" strike="noStrike" kern="1200" cap="none" normalizeH="0" baseline="0">
+                        <a:rPr kumimoji="0" lang="en-US" sz="1200" b="1" i="0" u="none" strike="noStrike" kern="1200" cap="none" normalizeH="0" baseline="0" dirty="0">
                           <a:ln>
                             <a:noFill/>
                           </a:ln>
